--- a/Presentation.pptx
+++ b/Presentation.pptx
@@ -5,38 +5,35 @@
     <p:sldMasterId id="2147483658" r:id="rId1"/>
   </p:sldMasterIdLst>
   <p:notesMasterIdLst>
-    <p:notesMasterId r:id="rId16"/>
+    <p:notesMasterId r:id="rId13"/>
   </p:notesMasterIdLst>
   <p:sldIdLst>
     <p:sldId id="256" r:id="rId2"/>
-    <p:sldId id="258" r:id="rId3"/>
-    <p:sldId id="259" r:id="rId4"/>
-    <p:sldId id="260" r:id="rId5"/>
-    <p:sldId id="261" r:id="rId6"/>
-    <p:sldId id="262" r:id="rId7"/>
-    <p:sldId id="296" r:id="rId8"/>
-    <p:sldId id="263" r:id="rId9"/>
-    <p:sldId id="298" r:id="rId10"/>
-    <p:sldId id="299" r:id="rId11"/>
-    <p:sldId id="301" r:id="rId12"/>
-    <p:sldId id="302" r:id="rId13"/>
-    <p:sldId id="304" r:id="rId14"/>
-    <p:sldId id="303" r:id="rId15"/>
+    <p:sldId id="261" r:id="rId3"/>
+    <p:sldId id="262" r:id="rId4"/>
+    <p:sldId id="296" r:id="rId5"/>
+    <p:sldId id="263" r:id="rId6"/>
+    <p:sldId id="298" r:id="rId7"/>
+    <p:sldId id="299" r:id="rId8"/>
+    <p:sldId id="301" r:id="rId9"/>
+    <p:sldId id="302" r:id="rId10"/>
+    <p:sldId id="304" r:id="rId11"/>
+    <p:sldId id="303" r:id="rId12"/>
   </p:sldIdLst>
   <p:sldSz cx="9144000" cy="5143500" type="screen16x9"/>
   <p:notesSz cx="6858000" cy="9144000"/>
   <p:embeddedFontLst>
     <p:embeddedFont>
       <p:font typeface="Roboto Slab" panose="020B0604020202020204" charset="0"/>
-      <p:regular r:id="rId17"/>
-      <p:bold r:id="rId18"/>
+      <p:regular r:id="rId14"/>
+      <p:bold r:id="rId15"/>
     </p:embeddedFont>
     <p:embeddedFont>
       <p:font typeface="Source Sans Pro" panose="020B0503030403020204" pitchFamily="34" charset="0"/>
-      <p:regular r:id="rId19"/>
-      <p:bold r:id="rId20"/>
-      <p:italic r:id="rId21"/>
-      <p:boldItalic r:id="rId22"/>
+      <p:regular r:id="rId16"/>
+      <p:bold r:id="rId17"/>
+      <p:italic r:id="rId18"/>
+      <p:boldItalic r:id="rId19"/>
     </p:embeddedFont>
   </p:embeddedFontLst>
   <p:defaultTextStyle>
@@ -826,7 +823,7 @@
   <p:cSld>
     <p:spTree>
       <p:nvGrpSpPr>
-        <p:cNvPr id="1" name="Shape 145"/>
+        <p:cNvPr id="1" name="Shape 136"/>
         <p:cNvGrpSpPr/>
         <p:nvPr/>
       </p:nvGrpSpPr>
@@ -840,7 +837,7 @@
       </p:grpSpPr>
       <p:sp>
         <p:nvSpPr>
-          <p:cNvPr id="146" name="Google Shape;146;g35f391192_057:notes"/>
+          <p:cNvPr id="137" name="Google Shape;137;g35f391192_045:notes"/>
           <p:cNvSpPr>
             <a:spLocks noGrp="1" noRot="1" noChangeAspect="1"/>
           </p:cNvSpPr>
@@ -881,7 +878,7 @@
       </p:sp>
       <p:sp>
         <p:nvSpPr>
-          <p:cNvPr id="147" name="Google Shape;147;g35f391192_057:notes"/>
+          <p:cNvPr id="138" name="Google Shape;138;g35f391192_045:notes"/>
           <p:cNvSpPr txBox="1">
             <a:spLocks noGrp="1"/>
           </p:cNvSpPr>
@@ -920,7 +917,7 @@
     </p:spTree>
     <p:extLst>
       <p:ext uri="{BB962C8B-B14F-4D97-AF65-F5344CB8AC3E}">
-        <p14:creationId xmlns:p14="http://schemas.microsoft.com/office/powerpoint/2010/main" val="2642207322"/>
+        <p14:creationId xmlns:p14="http://schemas.microsoft.com/office/powerpoint/2010/main" val="2996878095"/>
       </p:ext>
     </p:extLst>
   </p:cSld>
@@ -935,7 +932,7 @@
   <p:cSld>
     <p:spTree>
       <p:nvGrpSpPr>
-        <p:cNvPr id="1" name="Shape 163"/>
+        <p:cNvPr id="1" name="Shape 106"/>
         <p:cNvGrpSpPr/>
         <p:nvPr/>
       </p:nvGrpSpPr>
@@ -949,7 +946,7 @@
       </p:grpSpPr>
       <p:sp>
         <p:nvSpPr>
-          <p:cNvPr id="164" name="Google Shape;164;g35f391192_073:notes"/>
+          <p:cNvPr id="107" name="Google Shape;107;p:notes"/>
           <p:cNvSpPr>
             <a:spLocks noGrp="1" noRot="1" noChangeAspect="1"/>
           </p:cNvSpPr>
@@ -990,7 +987,7 @@
       </p:sp>
       <p:sp>
         <p:nvSpPr>
-          <p:cNvPr id="165" name="Google Shape;165;g35f391192_073:notes"/>
+          <p:cNvPr id="108" name="Google Shape;108;p:notes"/>
           <p:cNvSpPr txBox="1">
             <a:spLocks noGrp="1"/>
           </p:cNvSpPr>
@@ -1029,7 +1026,7 @@
     </p:spTree>
     <p:extLst>
       <p:ext uri="{BB962C8B-B14F-4D97-AF65-F5344CB8AC3E}">
-        <p14:creationId xmlns:p14="http://schemas.microsoft.com/office/powerpoint/2010/main" val="3390979556"/>
+        <p14:creationId xmlns:p14="http://schemas.microsoft.com/office/powerpoint/2010/main" val="3520023086"/>
       </p:ext>
     </p:extLst>
   </p:cSld>
@@ -1039,12 +1036,12 @@
 </p:notes>
 </file>
 
-<file path=ppt/notesSlides/notesSlide12.xml><?xml version="1.0" encoding="utf-8"?>
+<file path=ppt/notesSlides/notesSlide2.xml><?xml version="1.0" encoding="utf-8"?>
 <p:notes xmlns:a="http://schemas.openxmlformats.org/drawingml/2006/main" xmlns:r="http://schemas.openxmlformats.org/officeDocument/2006/relationships" xmlns:p="http://schemas.openxmlformats.org/presentationml/2006/main" showMasterSp="0" showMasterPhAnim="0">
   <p:cSld>
     <p:spTree>
       <p:nvGrpSpPr>
-        <p:cNvPr id="1" name="Shape 163"/>
+        <p:cNvPr id="1" name="Shape 106"/>
         <p:cNvGrpSpPr/>
         <p:nvPr/>
       </p:nvGrpSpPr>
@@ -1058,7 +1055,7 @@
       </p:grpSpPr>
       <p:sp>
         <p:nvSpPr>
-          <p:cNvPr id="164" name="Google Shape;164;g35f391192_073:notes"/>
+          <p:cNvPr id="107" name="Google Shape;107;p:notes"/>
           <p:cNvSpPr>
             <a:spLocks noGrp="1" noRot="1" noChangeAspect="1"/>
           </p:cNvSpPr>
@@ -1099,7 +1096,7 @@
       </p:sp>
       <p:sp>
         <p:nvSpPr>
-          <p:cNvPr id="165" name="Google Shape;165;g35f391192_073:notes"/>
+          <p:cNvPr id="108" name="Google Shape;108;p:notes"/>
           <p:cNvSpPr txBox="1">
             <a:spLocks noGrp="1"/>
           </p:cNvSpPr>
@@ -1136,11 +1133,6 @@
         </p:txBody>
       </p:sp>
     </p:spTree>
-    <p:extLst>
-      <p:ext uri="{BB962C8B-B14F-4D97-AF65-F5344CB8AC3E}">
-        <p14:creationId xmlns:p14="http://schemas.microsoft.com/office/powerpoint/2010/main" val="148839150"/>
-      </p:ext>
-    </p:extLst>
   </p:cSld>
   <p:clrMapOvr>
     <a:masterClrMapping/>
@@ -1148,12 +1140,12 @@
 </p:notes>
 </file>
 
-<file path=ppt/notesSlides/notesSlide13.xml><?xml version="1.0" encoding="utf-8"?>
+<file path=ppt/notesSlides/notesSlide3.xml><?xml version="1.0" encoding="utf-8"?>
 <p:notes xmlns:a="http://schemas.openxmlformats.org/drawingml/2006/main" xmlns:r="http://schemas.openxmlformats.org/officeDocument/2006/relationships" xmlns:p="http://schemas.openxmlformats.org/presentationml/2006/main" showMasterSp="0" showMasterPhAnim="0">
   <p:cSld>
     <p:spTree>
       <p:nvGrpSpPr>
-        <p:cNvPr id="1" name="Shape 136"/>
+        <p:cNvPr id="1" name="Shape 113"/>
         <p:cNvGrpSpPr/>
         <p:nvPr/>
       </p:nvGrpSpPr>
@@ -1167,7 +1159,7 @@
       </p:grpSpPr>
       <p:sp>
         <p:nvSpPr>
-          <p:cNvPr id="137" name="Google Shape;137;g35f391192_045:notes"/>
+          <p:cNvPr id="114" name="Google Shape;114;g35ed75ccf_015:notes"/>
           <p:cNvSpPr>
             <a:spLocks noGrp="1" noRot="1" noChangeAspect="1"/>
           </p:cNvSpPr>
@@ -1208,7 +1200,7 @@
       </p:sp>
       <p:sp>
         <p:nvSpPr>
-          <p:cNvPr id="138" name="Google Shape;138;g35f391192_045:notes"/>
+          <p:cNvPr id="115" name="Google Shape;115;g35ed75ccf_015:notes"/>
           <p:cNvSpPr txBox="1">
             <a:spLocks noGrp="1"/>
           </p:cNvSpPr>
@@ -1245,11 +1237,6 @@
         </p:txBody>
       </p:sp>
     </p:spTree>
-    <p:extLst>
-      <p:ext uri="{BB962C8B-B14F-4D97-AF65-F5344CB8AC3E}">
-        <p14:creationId xmlns:p14="http://schemas.microsoft.com/office/powerpoint/2010/main" val="2996878095"/>
-      </p:ext>
-    </p:extLst>
   </p:cSld>
   <p:clrMapOvr>
     <a:masterClrMapping/>
@@ -1257,7 +1244,7 @@
 </p:notes>
 </file>
 
-<file path=ppt/notesSlides/notesSlide14.xml><?xml version="1.0" encoding="utf-8"?>
+<file path=ppt/notesSlides/notesSlide4.xml><?xml version="1.0" encoding="utf-8"?>
 <p:notes xmlns:a="http://schemas.openxmlformats.org/drawingml/2006/main" xmlns:r="http://schemas.openxmlformats.org/officeDocument/2006/relationships" xmlns:p="http://schemas.openxmlformats.org/presentationml/2006/main" showMasterSp="0" showMasterPhAnim="0">
   <p:cSld>
     <p:spTree>
@@ -1356,7 +1343,7 @@
     </p:spTree>
     <p:extLst>
       <p:ext uri="{BB962C8B-B14F-4D97-AF65-F5344CB8AC3E}">
-        <p14:creationId xmlns:p14="http://schemas.microsoft.com/office/powerpoint/2010/main" val="3520023086"/>
+        <p14:creationId xmlns:p14="http://schemas.microsoft.com/office/powerpoint/2010/main" val="3442679748"/>
       </p:ext>
     </p:extLst>
   </p:cSld>
@@ -1366,12 +1353,12 @@
 </p:notes>
 </file>
 
-<file path=ppt/notesSlides/notesSlide2.xml><?xml version="1.0" encoding="utf-8"?>
+<file path=ppt/notesSlides/notesSlide5.xml><?xml version="1.0" encoding="utf-8"?>
 <p:notes xmlns:a="http://schemas.openxmlformats.org/drawingml/2006/main" xmlns:r="http://schemas.openxmlformats.org/officeDocument/2006/relationships" xmlns:p="http://schemas.openxmlformats.org/presentationml/2006/main" showMasterSp="0" showMasterPhAnim="0">
   <p:cSld>
     <p:spTree>
       <p:nvGrpSpPr>
-        <p:cNvPr id="1" name="Shape 80"/>
+        <p:cNvPr id="1" name="Shape 128"/>
         <p:cNvGrpSpPr/>
         <p:nvPr/>
       </p:nvGrpSpPr>
@@ -1385,7 +1372,7 @@
       </p:grpSpPr>
       <p:sp>
         <p:nvSpPr>
-          <p:cNvPr id="81" name="Google Shape;81;g35f391192_04:notes"/>
+          <p:cNvPr id="129" name="Google Shape;129;g35f391192_017:notes"/>
           <p:cNvSpPr>
             <a:spLocks noGrp="1" noRot="1" noChangeAspect="1"/>
           </p:cNvSpPr>
@@ -1426,7 +1413,7 @@
       </p:sp>
       <p:sp>
         <p:nvSpPr>
-          <p:cNvPr id="82" name="Google Shape;82;g35f391192_04:notes"/>
+          <p:cNvPr id="130" name="Google Shape;130;g35f391192_017:notes"/>
           <p:cNvSpPr txBox="1">
             <a:spLocks noGrp="1"/>
           </p:cNvSpPr>
@@ -1470,12 +1457,12 @@
 </p:notes>
 </file>
 
-<file path=ppt/notesSlides/notesSlide3.xml><?xml version="1.0" encoding="utf-8"?>
+<file path=ppt/notesSlides/notesSlide6.xml><?xml version="1.0" encoding="utf-8"?>
 <p:notes xmlns:a="http://schemas.openxmlformats.org/drawingml/2006/main" xmlns:r="http://schemas.openxmlformats.org/officeDocument/2006/relationships" xmlns:p="http://schemas.openxmlformats.org/presentationml/2006/main" showMasterSp="0" showMasterPhAnim="0">
   <p:cSld>
     <p:spTree>
       <p:nvGrpSpPr>
-        <p:cNvPr id="1" name="Shape 93"/>
+        <p:cNvPr id="1" name="Shape 106"/>
         <p:cNvGrpSpPr/>
         <p:nvPr/>
       </p:nvGrpSpPr>
@@ -1489,7 +1476,7 @@
       </p:grpSpPr>
       <p:sp>
         <p:nvSpPr>
-          <p:cNvPr id="94" name="Google Shape;94;g35f391192_029:notes"/>
+          <p:cNvPr id="107" name="Google Shape;107;p:notes"/>
           <p:cNvSpPr>
             <a:spLocks noGrp="1" noRot="1" noChangeAspect="1"/>
           </p:cNvSpPr>
@@ -1530,7 +1517,7 @@
       </p:sp>
       <p:sp>
         <p:nvSpPr>
-          <p:cNvPr id="95" name="Google Shape;95;g35f391192_029:notes"/>
+          <p:cNvPr id="108" name="Google Shape;108;p:notes"/>
           <p:cNvSpPr txBox="1">
             <a:spLocks noGrp="1"/>
           </p:cNvSpPr>
@@ -1567,6 +1554,11 @@
         </p:txBody>
       </p:sp>
     </p:spTree>
+    <p:extLst>
+      <p:ext uri="{BB962C8B-B14F-4D97-AF65-F5344CB8AC3E}">
+        <p14:creationId xmlns:p14="http://schemas.microsoft.com/office/powerpoint/2010/main" val="1215537532"/>
+      </p:ext>
+    </p:extLst>
   </p:cSld>
   <p:clrMapOvr>
     <a:masterClrMapping/>
@@ -1574,12 +1566,12 @@
 </p:notes>
 </file>
 
-<file path=ppt/notesSlides/notesSlide4.xml><?xml version="1.0" encoding="utf-8"?>
+<file path=ppt/notesSlides/notesSlide7.xml><?xml version="1.0" encoding="utf-8"?>
 <p:notes xmlns:a="http://schemas.openxmlformats.org/drawingml/2006/main" xmlns:r="http://schemas.openxmlformats.org/officeDocument/2006/relationships" xmlns:p="http://schemas.openxmlformats.org/presentationml/2006/main" showMasterSp="0" showMasterPhAnim="0">
   <p:cSld>
     <p:spTree>
       <p:nvGrpSpPr>
-        <p:cNvPr id="1" name="Shape 100"/>
+        <p:cNvPr id="1" name="Shape 145"/>
         <p:cNvGrpSpPr/>
         <p:nvPr/>
       </p:nvGrpSpPr>
@@ -1593,7 +1585,7 @@
       </p:grpSpPr>
       <p:sp>
         <p:nvSpPr>
-          <p:cNvPr id="101" name="Google Shape;101;g35f391192_09:notes"/>
+          <p:cNvPr id="146" name="Google Shape;146;g35f391192_057:notes"/>
           <p:cNvSpPr>
             <a:spLocks noGrp="1" noRot="1" noChangeAspect="1"/>
           </p:cNvSpPr>
@@ -1634,7 +1626,7 @@
       </p:sp>
       <p:sp>
         <p:nvSpPr>
-          <p:cNvPr id="102" name="Google Shape;102;g35f391192_09:notes"/>
+          <p:cNvPr id="147" name="Google Shape;147;g35f391192_057:notes"/>
           <p:cNvSpPr txBox="1">
             <a:spLocks noGrp="1"/>
           </p:cNvSpPr>
@@ -1671,6 +1663,11 @@
         </p:txBody>
       </p:sp>
     </p:spTree>
+    <p:extLst>
+      <p:ext uri="{BB962C8B-B14F-4D97-AF65-F5344CB8AC3E}">
+        <p14:creationId xmlns:p14="http://schemas.microsoft.com/office/powerpoint/2010/main" val="2642207322"/>
+      </p:ext>
+    </p:extLst>
   </p:cSld>
   <p:clrMapOvr>
     <a:masterClrMapping/>
@@ -1678,12 +1675,12 @@
 </p:notes>
 </file>
 
-<file path=ppt/notesSlides/notesSlide5.xml><?xml version="1.0" encoding="utf-8"?>
+<file path=ppt/notesSlides/notesSlide8.xml><?xml version="1.0" encoding="utf-8"?>
 <p:notes xmlns:a="http://schemas.openxmlformats.org/drawingml/2006/main" xmlns:r="http://schemas.openxmlformats.org/officeDocument/2006/relationships" xmlns:p="http://schemas.openxmlformats.org/presentationml/2006/main" showMasterSp="0" showMasterPhAnim="0">
   <p:cSld>
     <p:spTree>
       <p:nvGrpSpPr>
-        <p:cNvPr id="1" name="Shape 106"/>
+        <p:cNvPr id="1" name="Shape 163"/>
         <p:cNvGrpSpPr/>
         <p:nvPr/>
       </p:nvGrpSpPr>
@@ -1697,7 +1694,7 @@
       </p:grpSpPr>
       <p:sp>
         <p:nvSpPr>
-          <p:cNvPr id="107" name="Google Shape;107;p:notes"/>
+          <p:cNvPr id="164" name="Google Shape;164;g35f391192_073:notes"/>
           <p:cNvSpPr>
             <a:spLocks noGrp="1" noRot="1" noChangeAspect="1"/>
           </p:cNvSpPr>
@@ -1738,7 +1735,7 @@
       </p:sp>
       <p:sp>
         <p:nvSpPr>
-          <p:cNvPr id="108" name="Google Shape;108;p:notes"/>
+          <p:cNvPr id="165" name="Google Shape;165;g35f391192_073:notes"/>
           <p:cNvSpPr txBox="1">
             <a:spLocks noGrp="1"/>
           </p:cNvSpPr>
@@ -1775,6 +1772,11 @@
         </p:txBody>
       </p:sp>
     </p:spTree>
+    <p:extLst>
+      <p:ext uri="{BB962C8B-B14F-4D97-AF65-F5344CB8AC3E}">
+        <p14:creationId xmlns:p14="http://schemas.microsoft.com/office/powerpoint/2010/main" val="3390979556"/>
+      </p:ext>
+    </p:extLst>
   </p:cSld>
   <p:clrMapOvr>
     <a:masterClrMapping/>
@@ -1782,12 +1784,12 @@
 </p:notes>
 </file>
 
-<file path=ppt/notesSlides/notesSlide6.xml><?xml version="1.0" encoding="utf-8"?>
+<file path=ppt/notesSlides/notesSlide9.xml><?xml version="1.0" encoding="utf-8"?>
 <p:notes xmlns:a="http://schemas.openxmlformats.org/drawingml/2006/main" xmlns:r="http://schemas.openxmlformats.org/officeDocument/2006/relationships" xmlns:p="http://schemas.openxmlformats.org/presentationml/2006/main" showMasterSp="0" showMasterPhAnim="0">
   <p:cSld>
     <p:spTree>
       <p:nvGrpSpPr>
-        <p:cNvPr id="1" name="Shape 113"/>
+        <p:cNvPr id="1" name="Shape 163"/>
         <p:cNvGrpSpPr/>
         <p:nvPr/>
       </p:nvGrpSpPr>
@@ -1801,7 +1803,7 @@
       </p:grpSpPr>
       <p:sp>
         <p:nvSpPr>
-          <p:cNvPr id="114" name="Google Shape;114;g35ed75ccf_015:notes"/>
+          <p:cNvPr id="164" name="Google Shape;164;g35f391192_073:notes"/>
           <p:cNvSpPr>
             <a:spLocks noGrp="1" noRot="1" noChangeAspect="1"/>
           </p:cNvSpPr>
@@ -1842,7 +1844,7 @@
       </p:sp>
       <p:sp>
         <p:nvSpPr>
-          <p:cNvPr id="115" name="Google Shape;115;g35ed75ccf_015:notes"/>
+          <p:cNvPr id="165" name="Google Shape;165;g35f391192_073:notes"/>
           <p:cNvSpPr txBox="1">
             <a:spLocks noGrp="1"/>
           </p:cNvSpPr>
@@ -1879,326 +1881,9 @@
         </p:txBody>
       </p:sp>
     </p:spTree>
-  </p:cSld>
-  <p:clrMapOvr>
-    <a:masterClrMapping/>
-  </p:clrMapOvr>
-</p:notes>
-</file>
-
-<file path=ppt/notesSlides/notesSlide7.xml><?xml version="1.0" encoding="utf-8"?>
-<p:notes xmlns:a="http://schemas.openxmlformats.org/drawingml/2006/main" xmlns:r="http://schemas.openxmlformats.org/officeDocument/2006/relationships" xmlns:p="http://schemas.openxmlformats.org/presentationml/2006/main" showMasterSp="0" showMasterPhAnim="0">
-  <p:cSld>
-    <p:spTree>
-      <p:nvGrpSpPr>
-        <p:cNvPr id="1" name="Shape 106"/>
-        <p:cNvGrpSpPr/>
-        <p:nvPr/>
-      </p:nvGrpSpPr>
-      <p:grpSpPr>
-        <a:xfrm>
-          <a:off x="0" y="0"/>
-          <a:ext cx="0" cy="0"/>
-          <a:chOff x="0" y="0"/>
-          <a:chExt cx="0" cy="0"/>
-        </a:xfrm>
-      </p:grpSpPr>
-      <p:sp>
-        <p:nvSpPr>
-          <p:cNvPr id="107" name="Google Shape;107;p:notes"/>
-          <p:cNvSpPr>
-            <a:spLocks noGrp="1" noRot="1" noChangeAspect="1"/>
-          </p:cNvSpPr>
-          <p:nvPr>
-            <p:ph type="sldImg" idx="2"/>
-          </p:nvPr>
-        </p:nvSpPr>
-        <p:spPr>
-          <a:xfrm>
-            <a:off x="381000" y="685800"/>
-            <a:ext cx="6096000" cy="3429000"/>
-          </a:xfrm>
-          <a:custGeom>
-            <a:avLst/>
-            <a:gdLst/>
-            <a:ahLst/>
-            <a:cxnLst/>
-            <a:rect l="l" t="t" r="r" b="b"/>
-            <a:pathLst>
-              <a:path w="120000" h="120000" extrusionOk="0">
-                <a:moveTo>
-                  <a:pt x="0" y="0"/>
-                </a:moveTo>
-                <a:lnTo>
-                  <a:pt x="120000" y="0"/>
-                </a:lnTo>
-                <a:lnTo>
-                  <a:pt x="120000" y="120000"/>
-                </a:lnTo>
-                <a:lnTo>
-                  <a:pt x="0" y="120000"/>
-                </a:lnTo>
-                <a:close/>
-              </a:path>
-            </a:pathLst>
-          </a:custGeom>
-        </p:spPr>
-      </p:sp>
-      <p:sp>
-        <p:nvSpPr>
-          <p:cNvPr id="108" name="Google Shape;108;p:notes"/>
-          <p:cNvSpPr txBox="1">
-            <a:spLocks noGrp="1"/>
-          </p:cNvSpPr>
-          <p:nvPr>
-            <p:ph type="body" idx="1"/>
-          </p:nvPr>
-        </p:nvSpPr>
-        <p:spPr>
-          <a:xfrm>
-            <a:off x="685800" y="4343400"/>
-            <a:ext cx="5486400" cy="4114800"/>
-          </a:xfrm>
-          <a:prstGeom prst="rect">
-            <a:avLst/>
-          </a:prstGeom>
-        </p:spPr>
-        <p:txBody>
-          <a:bodyPr spcFirstLastPara="1" wrap="square" lIns="91425" tIns="91425" rIns="91425" bIns="91425" anchor="t" anchorCtr="0">
-            <a:noAutofit/>
-          </a:bodyPr>
-          <a:lstStyle/>
-          <a:p>
-            <a:pPr marL="0" lvl="0" indent="0" algn="l" rtl="0">
-              <a:spcBef>
-                <a:spcPts val="0"/>
-              </a:spcBef>
-              <a:spcAft>
-                <a:spcPts val="0"/>
-              </a:spcAft>
-              <a:buNone/>
-            </a:pPr>
-            <a:endParaRPr dirty="0"/>
-          </a:p>
-        </p:txBody>
-      </p:sp>
-    </p:spTree>
     <p:extLst>
       <p:ext uri="{BB962C8B-B14F-4D97-AF65-F5344CB8AC3E}">
-        <p14:creationId xmlns:p14="http://schemas.microsoft.com/office/powerpoint/2010/main" val="3442679748"/>
-      </p:ext>
-    </p:extLst>
-  </p:cSld>
-  <p:clrMapOvr>
-    <a:masterClrMapping/>
-  </p:clrMapOvr>
-</p:notes>
-</file>
-
-<file path=ppt/notesSlides/notesSlide8.xml><?xml version="1.0" encoding="utf-8"?>
-<p:notes xmlns:a="http://schemas.openxmlformats.org/drawingml/2006/main" xmlns:r="http://schemas.openxmlformats.org/officeDocument/2006/relationships" xmlns:p="http://schemas.openxmlformats.org/presentationml/2006/main" showMasterSp="0" showMasterPhAnim="0">
-  <p:cSld>
-    <p:spTree>
-      <p:nvGrpSpPr>
-        <p:cNvPr id="1" name="Shape 128"/>
-        <p:cNvGrpSpPr/>
-        <p:nvPr/>
-      </p:nvGrpSpPr>
-      <p:grpSpPr>
-        <a:xfrm>
-          <a:off x="0" y="0"/>
-          <a:ext cx="0" cy="0"/>
-          <a:chOff x="0" y="0"/>
-          <a:chExt cx="0" cy="0"/>
-        </a:xfrm>
-      </p:grpSpPr>
-      <p:sp>
-        <p:nvSpPr>
-          <p:cNvPr id="129" name="Google Shape;129;g35f391192_017:notes"/>
-          <p:cNvSpPr>
-            <a:spLocks noGrp="1" noRot="1" noChangeAspect="1"/>
-          </p:cNvSpPr>
-          <p:nvPr>
-            <p:ph type="sldImg" idx="2"/>
-          </p:nvPr>
-        </p:nvSpPr>
-        <p:spPr>
-          <a:xfrm>
-            <a:off x="381000" y="685800"/>
-            <a:ext cx="6096000" cy="3429000"/>
-          </a:xfrm>
-          <a:custGeom>
-            <a:avLst/>
-            <a:gdLst/>
-            <a:ahLst/>
-            <a:cxnLst/>
-            <a:rect l="l" t="t" r="r" b="b"/>
-            <a:pathLst>
-              <a:path w="120000" h="120000" extrusionOk="0">
-                <a:moveTo>
-                  <a:pt x="0" y="0"/>
-                </a:moveTo>
-                <a:lnTo>
-                  <a:pt x="120000" y="0"/>
-                </a:lnTo>
-                <a:lnTo>
-                  <a:pt x="120000" y="120000"/>
-                </a:lnTo>
-                <a:lnTo>
-                  <a:pt x="0" y="120000"/>
-                </a:lnTo>
-                <a:close/>
-              </a:path>
-            </a:pathLst>
-          </a:custGeom>
-        </p:spPr>
-      </p:sp>
-      <p:sp>
-        <p:nvSpPr>
-          <p:cNvPr id="130" name="Google Shape;130;g35f391192_017:notes"/>
-          <p:cNvSpPr txBox="1">
-            <a:spLocks noGrp="1"/>
-          </p:cNvSpPr>
-          <p:nvPr>
-            <p:ph type="body" idx="1"/>
-          </p:nvPr>
-        </p:nvSpPr>
-        <p:spPr>
-          <a:xfrm>
-            <a:off x="685800" y="4343400"/>
-            <a:ext cx="5486400" cy="4114800"/>
-          </a:xfrm>
-          <a:prstGeom prst="rect">
-            <a:avLst/>
-          </a:prstGeom>
-        </p:spPr>
-        <p:txBody>
-          <a:bodyPr spcFirstLastPara="1" wrap="square" lIns="91425" tIns="91425" rIns="91425" bIns="91425" anchor="t" anchorCtr="0">
-            <a:noAutofit/>
-          </a:bodyPr>
-          <a:lstStyle/>
-          <a:p>
-            <a:pPr marL="0" lvl="0" indent="0" algn="l" rtl="0">
-              <a:spcBef>
-                <a:spcPts val="0"/>
-              </a:spcBef>
-              <a:spcAft>
-                <a:spcPts val="0"/>
-              </a:spcAft>
-              <a:buNone/>
-            </a:pPr>
-            <a:endParaRPr dirty="0"/>
-          </a:p>
-        </p:txBody>
-      </p:sp>
-    </p:spTree>
-  </p:cSld>
-  <p:clrMapOvr>
-    <a:masterClrMapping/>
-  </p:clrMapOvr>
-</p:notes>
-</file>
-
-<file path=ppt/notesSlides/notesSlide9.xml><?xml version="1.0" encoding="utf-8"?>
-<p:notes xmlns:a="http://schemas.openxmlformats.org/drawingml/2006/main" xmlns:r="http://schemas.openxmlformats.org/officeDocument/2006/relationships" xmlns:p="http://schemas.openxmlformats.org/presentationml/2006/main" showMasterSp="0" showMasterPhAnim="0">
-  <p:cSld>
-    <p:spTree>
-      <p:nvGrpSpPr>
-        <p:cNvPr id="1" name="Shape 106"/>
-        <p:cNvGrpSpPr/>
-        <p:nvPr/>
-      </p:nvGrpSpPr>
-      <p:grpSpPr>
-        <a:xfrm>
-          <a:off x="0" y="0"/>
-          <a:ext cx="0" cy="0"/>
-          <a:chOff x="0" y="0"/>
-          <a:chExt cx="0" cy="0"/>
-        </a:xfrm>
-      </p:grpSpPr>
-      <p:sp>
-        <p:nvSpPr>
-          <p:cNvPr id="107" name="Google Shape;107;p:notes"/>
-          <p:cNvSpPr>
-            <a:spLocks noGrp="1" noRot="1" noChangeAspect="1"/>
-          </p:cNvSpPr>
-          <p:nvPr>
-            <p:ph type="sldImg" idx="2"/>
-          </p:nvPr>
-        </p:nvSpPr>
-        <p:spPr>
-          <a:xfrm>
-            <a:off x="381000" y="685800"/>
-            <a:ext cx="6096000" cy="3429000"/>
-          </a:xfrm>
-          <a:custGeom>
-            <a:avLst/>
-            <a:gdLst/>
-            <a:ahLst/>
-            <a:cxnLst/>
-            <a:rect l="l" t="t" r="r" b="b"/>
-            <a:pathLst>
-              <a:path w="120000" h="120000" extrusionOk="0">
-                <a:moveTo>
-                  <a:pt x="0" y="0"/>
-                </a:moveTo>
-                <a:lnTo>
-                  <a:pt x="120000" y="0"/>
-                </a:lnTo>
-                <a:lnTo>
-                  <a:pt x="120000" y="120000"/>
-                </a:lnTo>
-                <a:lnTo>
-                  <a:pt x="0" y="120000"/>
-                </a:lnTo>
-                <a:close/>
-              </a:path>
-            </a:pathLst>
-          </a:custGeom>
-        </p:spPr>
-      </p:sp>
-      <p:sp>
-        <p:nvSpPr>
-          <p:cNvPr id="108" name="Google Shape;108;p:notes"/>
-          <p:cNvSpPr txBox="1">
-            <a:spLocks noGrp="1"/>
-          </p:cNvSpPr>
-          <p:nvPr>
-            <p:ph type="body" idx="1"/>
-          </p:nvPr>
-        </p:nvSpPr>
-        <p:spPr>
-          <a:xfrm>
-            <a:off x="685800" y="4343400"/>
-            <a:ext cx="5486400" cy="4114800"/>
-          </a:xfrm>
-          <a:prstGeom prst="rect">
-            <a:avLst/>
-          </a:prstGeom>
-        </p:spPr>
-        <p:txBody>
-          <a:bodyPr spcFirstLastPara="1" wrap="square" lIns="91425" tIns="91425" rIns="91425" bIns="91425" anchor="t" anchorCtr="0">
-            <a:noAutofit/>
-          </a:bodyPr>
-          <a:lstStyle/>
-          <a:p>
-            <a:pPr marL="0" lvl="0" indent="0" algn="l" rtl="0">
-              <a:spcBef>
-                <a:spcPts val="0"/>
-              </a:spcBef>
-              <a:spcAft>
-                <a:spcPts val="0"/>
-              </a:spcAft>
-              <a:buNone/>
-            </a:pPr>
-            <a:endParaRPr dirty="0"/>
-          </a:p>
-        </p:txBody>
-      </p:sp>
-    </p:spTree>
-    <p:extLst>
-      <p:ext uri="{BB962C8B-B14F-4D97-AF65-F5344CB8AC3E}">
-        <p14:creationId xmlns:p14="http://schemas.microsoft.com/office/powerpoint/2010/main" val="1215537532"/>
+        <p14:creationId xmlns:p14="http://schemas.microsoft.com/office/powerpoint/2010/main" val="148839150"/>
       </p:ext>
     </p:extLst>
   </p:cSld>
@@ -3056,875 +2741,6 @@
 </file>
 
 <file path=ppt/slideLayouts/slideLayout2.xml><?xml version="1.0" encoding="utf-8"?>
-<p:sldLayout xmlns:a="http://schemas.openxmlformats.org/drawingml/2006/main" xmlns:r="http://schemas.openxmlformats.org/officeDocument/2006/relationships" xmlns:p="http://schemas.openxmlformats.org/presentationml/2006/main" matchingName="Subtitle">
-  <p:cSld name="TITLE_1">
-    <p:bg>
-      <p:bgPr>
-        <a:blipFill>
-          <a:blip r:embed="rId2">
-            <a:alphaModFix/>
-          </a:blip>
-          <a:stretch>
-            <a:fillRect/>
-          </a:stretch>
-        </a:blipFill>
-        <a:effectLst/>
-      </p:bgPr>
-    </p:bg>
-    <p:spTree>
-      <p:nvGrpSpPr>
-        <p:cNvPr id="1" name="Shape 26"/>
-        <p:cNvGrpSpPr/>
-        <p:nvPr/>
-      </p:nvGrpSpPr>
-      <p:grpSpPr>
-        <a:xfrm>
-          <a:off x="0" y="0"/>
-          <a:ext cx="0" cy="0"/>
-          <a:chOff x="0" y="0"/>
-          <a:chExt cx="0" cy="0"/>
-        </a:xfrm>
-      </p:grpSpPr>
-      <p:sp>
-        <p:nvSpPr>
-          <p:cNvPr id="27" name="Google Shape;27;p3"/>
-          <p:cNvSpPr txBox="1">
-            <a:spLocks noGrp="1"/>
-          </p:cNvSpPr>
-          <p:nvPr>
-            <p:ph type="ctrTitle"/>
-          </p:nvPr>
-        </p:nvSpPr>
-        <p:spPr>
-          <a:xfrm>
-            <a:off x="1546025" y="1754794"/>
-            <a:ext cx="5832600" cy="1159800"/>
-          </a:xfrm>
-          <a:prstGeom prst="rect">
-            <a:avLst/>
-          </a:prstGeom>
-        </p:spPr>
-        <p:txBody>
-          <a:bodyPr spcFirstLastPara="1" wrap="square" lIns="91425" tIns="91425" rIns="91425" bIns="91425" anchor="b" anchorCtr="0">
-            <a:noAutofit/>
-          </a:bodyPr>
-          <a:lstStyle>
-            <a:lvl1pPr lvl="0" rtl="0">
-              <a:spcBef>
-                <a:spcPts val="0"/>
-              </a:spcBef>
-              <a:spcAft>
-                <a:spcPts val="0"/>
-              </a:spcAft>
-              <a:buSzPts val="4400"/>
-              <a:buNone/>
-              <a:defRPr sz="4400" b="1"/>
-            </a:lvl1pPr>
-            <a:lvl2pPr lvl="1" rtl="0">
-              <a:spcBef>
-                <a:spcPts val="0"/>
-              </a:spcBef>
-              <a:spcAft>
-                <a:spcPts val="0"/>
-              </a:spcAft>
-              <a:buSzPts val="4400"/>
-              <a:buNone/>
-              <a:defRPr sz="4400" b="1"/>
-            </a:lvl2pPr>
-            <a:lvl3pPr lvl="2" rtl="0">
-              <a:spcBef>
-                <a:spcPts val="0"/>
-              </a:spcBef>
-              <a:spcAft>
-                <a:spcPts val="0"/>
-              </a:spcAft>
-              <a:buSzPts val="4400"/>
-              <a:buNone/>
-              <a:defRPr sz="4400" b="1"/>
-            </a:lvl3pPr>
-            <a:lvl4pPr lvl="3" rtl="0">
-              <a:spcBef>
-                <a:spcPts val="0"/>
-              </a:spcBef>
-              <a:spcAft>
-                <a:spcPts val="0"/>
-              </a:spcAft>
-              <a:buSzPts val="4400"/>
-              <a:buNone/>
-              <a:defRPr sz="4400" b="1"/>
-            </a:lvl4pPr>
-            <a:lvl5pPr lvl="4" rtl="0">
-              <a:spcBef>
-                <a:spcPts val="0"/>
-              </a:spcBef>
-              <a:spcAft>
-                <a:spcPts val="0"/>
-              </a:spcAft>
-              <a:buSzPts val="4400"/>
-              <a:buNone/>
-              <a:defRPr sz="4400" b="1"/>
-            </a:lvl5pPr>
-            <a:lvl6pPr lvl="5" rtl="0">
-              <a:spcBef>
-                <a:spcPts val="0"/>
-              </a:spcBef>
-              <a:spcAft>
-                <a:spcPts val="0"/>
-              </a:spcAft>
-              <a:buSzPts val="4400"/>
-              <a:buNone/>
-              <a:defRPr sz="4400" b="1"/>
-            </a:lvl6pPr>
-            <a:lvl7pPr lvl="6" rtl="0">
-              <a:spcBef>
-                <a:spcPts val="0"/>
-              </a:spcBef>
-              <a:spcAft>
-                <a:spcPts val="0"/>
-              </a:spcAft>
-              <a:buSzPts val="4400"/>
-              <a:buNone/>
-              <a:defRPr sz="4400" b="1"/>
-            </a:lvl7pPr>
-            <a:lvl8pPr lvl="7" rtl="0">
-              <a:spcBef>
-                <a:spcPts val="0"/>
-              </a:spcBef>
-              <a:spcAft>
-                <a:spcPts val="0"/>
-              </a:spcAft>
-              <a:buSzPts val="4400"/>
-              <a:buNone/>
-              <a:defRPr sz="4400" b="1"/>
-            </a:lvl8pPr>
-            <a:lvl9pPr lvl="8" rtl="0">
-              <a:spcBef>
-                <a:spcPts val="0"/>
-              </a:spcBef>
-              <a:spcAft>
-                <a:spcPts val="0"/>
-              </a:spcAft>
-              <a:buSzPts val="4400"/>
-              <a:buNone/>
-              <a:defRPr sz="4400" b="1"/>
-            </a:lvl9pPr>
-          </a:lstStyle>
-          <a:p>
-            <a:endParaRPr/>
-          </a:p>
-        </p:txBody>
-      </p:sp>
-      <p:sp>
-        <p:nvSpPr>
-          <p:cNvPr id="28" name="Google Shape;28;p3"/>
-          <p:cNvSpPr txBox="1">
-            <a:spLocks noGrp="1"/>
-          </p:cNvSpPr>
-          <p:nvPr>
-            <p:ph type="subTitle" idx="1"/>
-          </p:nvPr>
-        </p:nvSpPr>
-        <p:spPr>
-          <a:xfrm>
-            <a:off x="1546025" y="3011511"/>
-            <a:ext cx="5832600" cy="784800"/>
-          </a:xfrm>
-          <a:prstGeom prst="rect">
-            <a:avLst/>
-          </a:prstGeom>
-        </p:spPr>
-        <p:txBody>
-          <a:bodyPr spcFirstLastPara="1" wrap="square" lIns="91425" tIns="91425" rIns="91425" bIns="91425" anchor="t" anchorCtr="0">
-            <a:noAutofit/>
-          </a:bodyPr>
-          <a:lstStyle>
-            <a:lvl1pPr lvl="0" rtl="0">
-              <a:spcBef>
-                <a:spcPts val="0"/>
-              </a:spcBef>
-              <a:spcAft>
-                <a:spcPts val="0"/>
-              </a:spcAft>
-              <a:buClr>
-                <a:schemeClr val="accent3"/>
-              </a:buClr>
-              <a:buSzPts val="3000"/>
-              <a:buNone/>
-              <a:defRPr>
-                <a:solidFill>
-                  <a:schemeClr val="accent3"/>
-                </a:solidFill>
-              </a:defRPr>
-            </a:lvl1pPr>
-            <a:lvl2pPr lvl="1" rtl="0">
-              <a:spcBef>
-                <a:spcPts val="0"/>
-              </a:spcBef>
-              <a:spcAft>
-                <a:spcPts val="0"/>
-              </a:spcAft>
-              <a:buClr>
-                <a:schemeClr val="accent3"/>
-              </a:buClr>
-              <a:buSzPts val="3000"/>
-              <a:buNone/>
-              <a:defRPr sz="3000">
-                <a:solidFill>
-                  <a:schemeClr val="accent3"/>
-                </a:solidFill>
-              </a:defRPr>
-            </a:lvl2pPr>
-            <a:lvl3pPr lvl="2" rtl="0">
-              <a:spcBef>
-                <a:spcPts val="0"/>
-              </a:spcBef>
-              <a:spcAft>
-                <a:spcPts val="0"/>
-              </a:spcAft>
-              <a:buClr>
-                <a:schemeClr val="accent3"/>
-              </a:buClr>
-              <a:buSzPts val="3000"/>
-              <a:buNone/>
-              <a:defRPr sz="3000">
-                <a:solidFill>
-                  <a:schemeClr val="accent3"/>
-                </a:solidFill>
-              </a:defRPr>
-            </a:lvl3pPr>
-            <a:lvl4pPr lvl="3" rtl="0">
-              <a:spcBef>
-                <a:spcPts val="0"/>
-              </a:spcBef>
-              <a:spcAft>
-                <a:spcPts val="0"/>
-              </a:spcAft>
-              <a:buClr>
-                <a:schemeClr val="accent3"/>
-              </a:buClr>
-              <a:buSzPts val="3000"/>
-              <a:buNone/>
-              <a:defRPr sz="3000">
-                <a:solidFill>
-                  <a:schemeClr val="accent3"/>
-                </a:solidFill>
-              </a:defRPr>
-            </a:lvl4pPr>
-            <a:lvl5pPr lvl="4" rtl="0">
-              <a:spcBef>
-                <a:spcPts val="0"/>
-              </a:spcBef>
-              <a:spcAft>
-                <a:spcPts val="0"/>
-              </a:spcAft>
-              <a:buClr>
-                <a:schemeClr val="accent3"/>
-              </a:buClr>
-              <a:buSzPts val="3000"/>
-              <a:buNone/>
-              <a:defRPr sz="3000">
-                <a:solidFill>
-                  <a:schemeClr val="accent3"/>
-                </a:solidFill>
-              </a:defRPr>
-            </a:lvl5pPr>
-            <a:lvl6pPr lvl="5" rtl="0">
-              <a:spcBef>
-                <a:spcPts val="0"/>
-              </a:spcBef>
-              <a:spcAft>
-                <a:spcPts val="0"/>
-              </a:spcAft>
-              <a:buClr>
-                <a:schemeClr val="accent3"/>
-              </a:buClr>
-              <a:buSzPts val="3000"/>
-              <a:buNone/>
-              <a:defRPr sz="3000">
-                <a:solidFill>
-                  <a:schemeClr val="accent3"/>
-                </a:solidFill>
-              </a:defRPr>
-            </a:lvl6pPr>
-            <a:lvl7pPr lvl="6" rtl="0">
-              <a:spcBef>
-                <a:spcPts val="0"/>
-              </a:spcBef>
-              <a:spcAft>
-                <a:spcPts val="0"/>
-              </a:spcAft>
-              <a:buClr>
-                <a:schemeClr val="accent3"/>
-              </a:buClr>
-              <a:buSzPts val="3000"/>
-              <a:buNone/>
-              <a:defRPr sz="3000">
-                <a:solidFill>
-                  <a:schemeClr val="accent3"/>
-                </a:solidFill>
-              </a:defRPr>
-            </a:lvl7pPr>
-            <a:lvl8pPr lvl="7" rtl="0">
-              <a:spcBef>
-                <a:spcPts val="0"/>
-              </a:spcBef>
-              <a:spcAft>
-                <a:spcPts val="0"/>
-              </a:spcAft>
-              <a:buClr>
-                <a:schemeClr val="accent3"/>
-              </a:buClr>
-              <a:buSzPts val="3000"/>
-              <a:buNone/>
-              <a:defRPr sz="3000">
-                <a:solidFill>
-                  <a:schemeClr val="accent3"/>
-                </a:solidFill>
-              </a:defRPr>
-            </a:lvl8pPr>
-            <a:lvl9pPr lvl="8" rtl="0">
-              <a:spcBef>
-                <a:spcPts val="0"/>
-              </a:spcBef>
-              <a:spcAft>
-                <a:spcPts val="0"/>
-              </a:spcAft>
-              <a:buClr>
-                <a:schemeClr val="accent3"/>
-              </a:buClr>
-              <a:buSzPts val="3000"/>
-              <a:buNone/>
-              <a:defRPr sz="3000">
-                <a:solidFill>
-                  <a:schemeClr val="accent3"/>
-                </a:solidFill>
-              </a:defRPr>
-            </a:lvl9pPr>
-          </a:lstStyle>
-          <a:p>
-            <a:endParaRPr/>
-          </a:p>
-        </p:txBody>
-      </p:sp>
-    </p:spTree>
-  </p:cSld>
-  <p:clrMapOvr>
-    <a:masterClrMapping/>
-  </p:clrMapOvr>
-</p:sldLayout>
-</file>
-
-<file path=ppt/slideLayouts/slideLayout3.xml><?xml version="1.0" encoding="utf-8"?>
-<p:sldLayout xmlns:a="http://schemas.openxmlformats.org/drawingml/2006/main" xmlns:r="http://schemas.openxmlformats.org/officeDocument/2006/relationships" xmlns:p="http://schemas.openxmlformats.org/presentationml/2006/main" matchingName="Quote">
-  <p:cSld name="TITLE_1_1">
-    <p:spTree>
-      <p:nvGrpSpPr>
-        <p:cNvPr id="1" name="Shape 29"/>
-        <p:cNvGrpSpPr/>
-        <p:nvPr/>
-      </p:nvGrpSpPr>
-      <p:grpSpPr>
-        <a:xfrm>
-          <a:off x="0" y="0"/>
-          <a:ext cx="0" cy="0"/>
-          <a:chOff x="0" y="0"/>
-          <a:chExt cx="0" cy="0"/>
-        </a:xfrm>
-      </p:grpSpPr>
-      <p:pic>
-        <p:nvPicPr>
-          <p:cNvPr id="30" name="Google Shape;30;p4"/>
-          <p:cNvPicPr preferRelativeResize="0"/>
-          <p:nvPr/>
-        </p:nvPicPr>
-        <p:blipFill rotWithShape="1">
-          <a:blip r:embed="rId2">
-            <a:alphaModFix/>
-          </a:blip>
-          <a:srcRect l="19" r="19"/>
-          <a:stretch/>
-        </p:blipFill>
-        <p:spPr>
-          <a:xfrm rot="10800000" flipH="1">
-            <a:off x="5952" y="0"/>
-            <a:ext cx="9140602" cy="5143500"/>
-          </a:xfrm>
-          <a:prstGeom prst="rect">
-            <a:avLst/>
-          </a:prstGeom>
-          <a:noFill/>
-          <a:ln>
-            <a:noFill/>
-          </a:ln>
-        </p:spPr>
-      </p:pic>
-      <p:sp>
-        <p:nvSpPr>
-          <p:cNvPr id="31" name="Google Shape;31;p4"/>
-          <p:cNvSpPr txBox="1">
-            <a:spLocks noGrp="1"/>
-          </p:cNvSpPr>
-          <p:nvPr>
-            <p:ph type="body" idx="1"/>
-          </p:nvPr>
-        </p:nvSpPr>
-        <p:spPr>
-          <a:xfrm>
-            <a:off x="1215300" y="1723650"/>
-            <a:ext cx="6713400" cy="819900"/>
-          </a:xfrm>
-          <a:prstGeom prst="rect">
-            <a:avLst/>
-          </a:prstGeom>
-        </p:spPr>
-        <p:txBody>
-          <a:bodyPr spcFirstLastPara="1" wrap="square" lIns="91425" tIns="91425" rIns="91425" bIns="91425" anchor="t" anchorCtr="0">
-            <a:noAutofit/>
-          </a:bodyPr>
-          <a:lstStyle>
-            <a:lvl1pPr marL="457200" lvl="0" indent="-457200" algn="ctr" rtl="0">
-              <a:spcBef>
-                <a:spcPts val="600"/>
-              </a:spcBef>
-              <a:spcAft>
-                <a:spcPts val="0"/>
-              </a:spcAft>
-              <a:buClr>
-                <a:schemeClr val="dk1"/>
-              </a:buClr>
-              <a:buSzPts val="3600"/>
-              <a:buChar char="◎"/>
-              <a:defRPr sz="3600" i="1"/>
-            </a:lvl1pPr>
-            <a:lvl2pPr marL="914400" lvl="1" indent="-457200" algn="ctr" rtl="0">
-              <a:spcBef>
-                <a:spcPts val="0"/>
-              </a:spcBef>
-              <a:spcAft>
-                <a:spcPts val="0"/>
-              </a:spcAft>
-              <a:buClr>
-                <a:schemeClr val="dk1"/>
-              </a:buClr>
-              <a:buSzPts val="3600"/>
-              <a:buChar char="○"/>
-              <a:defRPr sz="3600" i="1"/>
-            </a:lvl2pPr>
-            <a:lvl3pPr marL="1371600" lvl="2" indent="-457200" algn="ctr" rtl="0">
-              <a:spcBef>
-                <a:spcPts val="0"/>
-              </a:spcBef>
-              <a:spcAft>
-                <a:spcPts val="0"/>
-              </a:spcAft>
-              <a:buClr>
-                <a:schemeClr val="dk1"/>
-              </a:buClr>
-              <a:buSzPts val="3600"/>
-              <a:buChar char="◉"/>
-              <a:defRPr sz="3600" i="1"/>
-            </a:lvl3pPr>
-            <a:lvl4pPr marL="1828800" lvl="3" indent="-457200" algn="ctr" rtl="0">
-              <a:spcBef>
-                <a:spcPts val="0"/>
-              </a:spcBef>
-              <a:spcAft>
-                <a:spcPts val="0"/>
-              </a:spcAft>
-              <a:buSzPts val="3600"/>
-              <a:buChar char="●"/>
-              <a:defRPr sz="3600" i="1"/>
-            </a:lvl4pPr>
-            <a:lvl5pPr marL="2286000" lvl="4" indent="-457200" algn="ctr" rtl="0">
-              <a:spcBef>
-                <a:spcPts val="0"/>
-              </a:spcBef>
-              <a:spcAft>
-                <a:spcPts val="0"/>
-              </a:spcAft>
-              <a:buSzPts val="3600"/>
-              <a:buChar char="○"/>
-              <a:defRPr sz="3600" i="1"/>
-            </a:lvl5pPr>
-            <a:lvl6pPr marL="2743200" lvl="5" indent="-457200" algn="ctr" rtl="0">
-              <a:spcBef>
-                <a:spcPts val="0"/>
-              </a:spcBef>
-              <a:spcAft>
-                <a:spcPts val="0"/>
-              </a:spcAft>
-              <a:buSzPts val="3600"/>
-              <a:buChar char="■"/>
-              <a:defRPr sz="3600" i="1"/>
-            </a:lvl6pPr>
-            <a:lvl7pPr marL="3200400" lvl="6" indent="-457200" algn="ctr" rtl="0">
-              <a:spcBef>
-                <a:spcPts val="0"/>
-              </a:spcBef>
-              <a:spcAft>
-                <a:spcPts val="0"/>
-              </a:spcAft>
-              <a:buSzPts val="3600"/>
-              <a:buChar char="●"/>
-              <a:defRPr sz="3600" i="1"/>
-            </a:lvl7pPr>
-            <a:lvl8pPr marL="3657600" lvl="7" indent="-457200" algn="ctr" rtl="0">
-              <a:spcBef>
-                <a:spcPts val="0"/>
-              </a:spcBef>
-              <a:spcAft>
-                <a:spcPts val="0"/>
-              </a:spcAft>
-              <a:buSzPts val="3600"/>
-              <a:buChar char="○"/>
-              <a:defRPr sz="3600" i="1"/>
-            </a:lvl8pPr>
-            <a:lvl9pPr marL="4114800" lvl="8" indent="-457200" algn="ctr">
-              <a:spcBef>
-                <a:spcPts val="0"/>
-              </a:spcBef>
-              <a:spcAft>
-                <a:spcPts val="0"/>
-              </a:spcAft>
-              <a:buSzPts val="3600"/>
-              <a:buChar char="■"/>
-              <a:defRPr sz="3600" i="1"/>
-            </a:lvl9pPr>
-          </a:lstStyle>
-          <a:p>
-            <a:endParaRPr/>
-          </a:p>
-        </p:txBody>
-      </p:sp>
-      <p:grpSp>
-        <p:nvGrpSpPr>
-          <p:cNvPr id="32" name="Google Shape;32;p4"/>
-          <p:cNvGrpSpPr/>
-          <p:nvPr/>
-        </p:nvGrpSpPr>
-        <p:grpSpPr>
-          <a:xfrm>
-            <a:off x="3839646" y="782918"/>
-            <a:ext cx="1464573" cy="842707"/>
-            <a:chOff x="3593400" y="1729675"/>
-            <a:chExt cx="1957200" cy="1123610"/>
-          </a:xfrm>
-        </p:grpSpPr>
-        <p:sp>
-          <p:nvSpPr>
-            <p:cNvPr id="33" name="Google Shape;33;p4"/>
-            <p:cNvSpPr txBox="1"/>
-            <p:nvPr/>
-          </p:nvSpPr>
-          <p:spPr>
-            <a:xfrm>
-              <a:off x="3593400" y="1729675"/>
-              <a:ext cx="1957200" cy="871500"/>
-            </a:xfrm>
-            <a:prstGeom prst="rect">
-              <a:avLst/>
-            </a:prstGeom>
-            <a:noFill/>
-            <a:ln>
-              <a:noFill/>
-            </a:ln>
-          </p:spPr>
-          <p:txBody>
-            <a:bodyPr spcFirstLastPara="1" wrap="square" lIns="91425" tIns="91425" rIns="91425" bIns="91425" anchor="t" anchorCtr="0">
-              <a:noAutofit/>
-            </a:bodyPr>
-            <a:lstStyle/>
-            <a:p>
-              <a:pPr marL="0" lvl="0" indent="0" algn="ctr" rtl="0">
-                <a:spcBef>
-                  <a:spcPts val="0"/>
-                </a:spcBef>
-                <a:spcAft>
-                  <a:spcPts val="0"/>
-                </a:spcAft>
-                <a:buNone/>
-              </a:pPr>
-              <a:r>
-                <a:rPr lang="en" sz="6000" b="1">
-                  <a:solidFill>
-                    <a:schemeClr val="accent1"/>
-                  </a:solidFill>
-                  <a:latin typeface="Source Sans Pro"/>
-                  <a:ea typeface="Source Sans Pro"/>
-                  <a:cs typeface="Source Sans Pro"/>
-                  <a:sym typeface="Source Sans Pro"/>
-                </a:rPr>
-                <a:t>“</a:t>
-              </a:r>
-              <a:endParaRPr sz="6000" b="1" dirty="0">
-                <a:solidFill>
-                  <a:schemeClr val="accent1"/>
-                </a:solidFill>
-                <a:latin typeface="Source Sans Pro"/>
-                <a:ea typeface="Source Sans Pro"/>
-                <a:cs typeface="Source Sans Pro"/>
-                <a:sym typeface="Source Sans Pro"/>
-              </a:endParaRPr>
-            </a:p>
-          </p:txBody>
-        </p:sp>
-        <p:sp>
-          <p:nvSpPr>
-            <p:cNvPr id="34" name="Google Shape;34;p4"/>
-            <p:cNvSpPr/>
-            <p:nvPr/>
-          </p:nvSpPr>
-          <p:spPr>
-            <a:xfrm>
-              <a:off x="4025400" y="1760085"/>
-              <a:ext cx="1093200" cy="1093200"/>
-            </a:xfrm>
-            <a:prstGeom prst="ellipse">
-              <a:avLst/>
-            </a:prstGeom>
-            <a:noFill/>
-            <a:ln w="9525" cap="flat" cmpd="sng">
-              <a:solidFill>
-                <a:srgbClr val="CFD8DC"/>
-              </a:solidFill>
-              <a:prstDash val="dash"/>
-              <a:round/>
-              <a:headEnd type="none" w="sm" len="sm"/>
-              <a:tailEnd type="none" w="sm" len="sm"/>
-            </a:ln>
-          </p:spPr>
-          <p:txBody>
-            <a:bodyPr spcFirstLastPara="1" wrap="square" lIns="91425" tIns="91425" rIns="91425" bIns="91425" anchor="ctr" anchorCtr="0">
-              <a:noAutofit/>
-            </a:bodyPr>
-            <a:lstStyle/>
-            <a:p>
-              <a:pPr marL="0" lvl="0" indent="0" algn="l" rtl="0">
-                <a:spcBef>
-                  <a:spcPts val="0"/>
-                </a:spcBef>
-                <a:spcAft>
-                  <a:spcPts val="0"/>
-                </a:spcAft>
-                <a:buNone/>
-              </a:pPr>
-              <a:endParaRPr dirty="0"/>
-            </a:p>
-          </p:txBody>
-        </p:sp>
-        <p:sp>
-          <p:nvSpPr>
-            <p:cNvPr id="35" name="Google Shape;35;p4"/>
-            <p:cNvSpPr/>
-            <p:nvPr/>
-          </p:nvSpPr>
-          <p:spPr>
-            <a:xfrm>
-              <a:off x="4190700" y="1925385"/>
-              <a:ext cx="762600" cy="762600"/>
-            </a:xfrm>
-            <a:prstGeom prst="ellipse">
-              <a:avLst/>
-            </a:prstGeom>
-            <a:noFill/>
-            <a:ln w="19050" cap="flat" cmpd="sng">
-              <a:solidFill>
-                <a:srgbClr val="CFD8DC"/>
-              </a:solidFill>
-              <a:prstDash val="solid"/>
-              <a:round/>
-              <a:headEnd type="none" w="sm" len="sm"/>
-              <a:tailEnd type="none" w="sm" len="sm"/>
-            </a:ln>
-          </p:spPr>
-          <p:txBody>
-            <a:bodyPr spcFirstLastPara="1" wrap="square" lIns="91425" tIns="91425" rIns="91425" bIns="91425" anchor="ctr" anchorCtr="0">
-              <a:noAutofit/>
-            </a:bodyPr>
-            <a:lstStyle/>
-            <a:p>
-              <a:pPr marL="0" lvl="0" indent="0" algn="l" rtl="0">
-                <a:spcBef>
-                  <a:spcPts val="0"/>
-                </a:spcBef>
-                <a:spcAft>
-                  <a:spcPts val="0"/>
-                </a:spcAft>
-                <a:buNone/>
-              </a:pPr>
-              <a:endParaRPr dirty="0"/>
-            </a:p>
-          </p:txBody>
-        </p:sp>
-      </p:grpSp>
-      <p:cxnSp>
-        <p:nvCxnSpPr>
-          <p:cNvPr id="36" name="Google Shape;36;p4"/>
-          <p:cNvCxnSpPr>
-            <a:endCxn id="34" idx="1"/>
-          </p:cNvCxnSpPr>
-          <p:nvPr/>
-        </p:nvCxnSpPr>
-        <p:spPr>
-          <a:xfrm>
-            <a:off x="3750511" y="390297"/>
-            <a:ext cx="532200" cy="535500"/>
-          </a:xfrm>
-          <a:prstGeom prst="straightConnector1">
-            <a:avLst/>
-          </a:prstGeom>
-          <a:noFill/>
-          <a:ln w="9525" cap="flat" cmpd="sng">
-            <a:solidFill>
-              <a:srgbClr val="CFD8DC"/>
-            </a:solidFill>
-            <a:prstDash val="solid"/>
-            <a:round/>
-            <a:headEnd type="none" w="med" len="med"/>
-            <a:tailEnd type="none" w="med" len="med"/>
-          </a:ln>
-        </p:spPr>
-      </p:cxnSp>
-      <p:cxnSp>
-        <p:nvCxnSpPr>
-          <p:cNvPr id="37" name="Google Shape;37;p4"/>
-          <p:cNvCxnSpPr/>
-          <p:nvPr/>
-        </p:nvCxnSpPr>
-        <p:spPr>
-          <a:xfrm rot="10800000">
-            <a:off x="4362902" y="436125"/>
-            <a:ext cx="209100" cy="369600"/>
-          </a:xfrm>
-          <a:prstGeom prst="straightConnector1">
-            <a:avLst/>
-          </a:prstGeom>
-          <a:noFill/>
-          <a:ln w="9525" cap="flat" cmpd="sng">
-            <a:solidFill>
-              <a:srgbClr val="CFD8DC"/>
-            </a:solidFill>
-            <a:prstDash val="solid"/>
-            <a:round/>
-            <a:headEnd type="none" w="med" len="med"/>
-            <a:tailEnd type="none" w="med" len="med"/>
-          </a:ln>
-        </p:spPr>
-      </p:cxnSp>
-      <p:cxnSp>
-        <p:nvCxnSpPr>
-          <p:cNvPr id="38" name="Google Shape;38;p4"/>
-          <p:cNvCxnSpPr/>
-          <p:nvPr/>
-        </p:nvCxnSpPr>
-        <p:spPr>
-          <a:xfrm rot="10800000" flipH="1">
-            <a:off x="4704510" y="351930"/>
-            <a:ext cx="347100" cy="474600"/>
-          </a:xfrm>
-          <a:prstGeom prst="straightConnector1">
-            <a:avLst/>
-          </a:prstGeom>
-          <a:noFill/>
-          <a:ln w="9525" cap="flat" cmpd="sng">
-            <a:solidFill>
-              <a:srgbClr val="CFD8DC"/>
-            </a:solidFill>
-            <a:prstDash val="solid"/>
-            <a:round/>
-            <a:headEnd type="none" w="med" len="med"/>
-            <a:tailEnd type="none" w="med" len="med"/>
-          </a:ln>
-        </p:spPr>
-      </p:cxnSp>
-      <p:sp>
-        <p:nvSpPr>
-          <p:cNvPr id="39" name="Google Shape;39;p4"/>
-          <p:cNvSpPr txBox="1">
-            <a:spLocks noGrp="1"/>
-          </p:cNvSpPr>
-          <p:nvPr>
-            <p:ph type="sldNum" idx="12"/>
-          </p:nvPr>
-        </p:nvSpPr>
-        <p:spPr>
-          <a:xfrm>
-            <a:off x="-87" y="4749844"/>
-            <a:ext cx="9144000" cy="393600"/>
-          </a:xfrm>
-          <a:prstGeom prst="rect">
-            <a:avLst/>
-          </a:prstGeom>
-        </p:spPr>
-        <p:txBody>
-          <a:bodyPr spcFirstLastPara="1" wrap="square" lIns="91425" tIns="91425" rIns="91425" bIns="91425" anchor="t" anchorCtr="0">
-            <a:noAutofit/>
-          </a:bodyPr>
-          <a:lstStyle>
-            <a:lvl1pPr lvl="0" algn="ctr">
-              <a:buNone/>
-              <a:defRPr/>
-            </a:lvl1pPr>
-            <a:lvl2pPr lvl="1" algn="ctr">
-              <a:buNone/>
-              <a:defRPr/>
-            </a:lvl2pPr>
-            <a:lvl3pPr lvl="2" algn="ctr">
-              <a:buNone/>
-              <a:defRPr/>
-            </a:lvl3pPr>
-            <a:lvl4pPr lvl="3" algn="ctr">
-              <a:buNone/>
-              <a:defRPr/>
-            </a:lvl4pPr>
-            <a:lvl5pPr lvl="4" algn="ctr">
-              <a:buNone/>
-              <a:defRPr/>
-            </a:lvl5pPr>
-            <a:lvl6pPr lvl="5" algn="ctr">
-              <a:buNone/>
-              <a:defRPr/>
-            </a:lvl6pPr>
-            <a:lvl7pPr lvl="6" algn="ctr">
-              <a:buNone/>
-              <a:defRPr/>
-            </a:lvl7pPr>
-            <a:lvl8pPr lvl="7" algn="ctr">
-              <a:buNone/>
-              <a:defRPr/>
-            </a:lvl8pPr>
-            <a:lvl9pPr lvl="8" algn="ctr">
-              <a:buNone/>
-              <a:defRPr/>
-            </a:lvl9pPr>
-          </a:lstStyle>
-          <a:p>
-            <a:pPr marL="0" lvl="0" indent="0" algn="ctr" rtl="0">
-              <a:spcBef>
-                <a:spcPts val="0"/>
-              </a:spcBef>
-              <a:spcAft>
-                <a:spcPts val="0"/>
-              </a:spcAft>
-              <a:buNone/>
-            </a:pPr>
-            <a:fld id="{00000000-1234-1234-1234-123412341234}" type="slidenum">
-              <a:rPr lang="en"/>
-              <a:t>‹nº›</a:t>
-            </a:fld>
-            <a:endParaRPr dirty="0"/>
-          </a:p>
-        </p:txBody>
-      </p:sp>
-    </p:spTree>
-  </p:cSld>
-  <p:clrMapOvr>
-    <a:masterClrMapping/>
-  </p:clrMapOvr>
-</p:sldLayout>
-</file>
-
-<file path=ppt/slideLayouts/slideLayout4.xml><?xml version="1.0" encoding="utf-8"?>
 <p:sldLayout xmlns:a="http://schemas.openxmlformats.org/drawingml/2006/main" xmlns:r="http://schemas.openxmlformats.org/officeDocument/2006/relationships" xmlns:p="http://schemas.openxmlformats.org/presentationml/2006/main" matchingName="Title + 1 column" type="tx">
   <p:cSld name="TITLE_AND_BODY">
     <p:spTree>
@@ -4286,7 +3102,7 @@
 </p:sldLayout>
 </file>
 
-<file path=ppt/slideLayouts/slideLayout5.xml><?xml version="1.0" encoding="utf-8"?>
+<file path=ppt/slideLayouts/slideLayout3.xml><?xml version="1.0" encoding="utf-8"?>
 <p:sldLayout xmlns:a="http://schemas.openxmlformats.org/drawingml/2006/main" xmlns:r="http://schemas.openxmlformats.org/officeDocument/2006/relationships" xmlns:p="http://schemas.openxmlformats.org/presentationml/2006/main" matchingName="Title + 2 columns" type="twoColTx">
   <p:cSld name="TITLE_AND_TWO_COLUMNS">
     <p:spTree>
@@ -4777,7 +3593,7 @@
 </p:sldLayout>
 </file>
 
-<file path=ppt/slideLayouts/slideLayout6.xml><?xml version="1.0" encoding="utf-8"?>
+<file path=ppt/slideLayouts/slideLayout4.xml><?xml version="1.0" encoding="utf-8"?>
 <p:sldLayout xmlns:a="http://schemas.openxmlformats.org/drawingml/2006/main" xmlns:r="http://schemas.openxmlformats.org/officeDocument/2006/relationships" xmlns:p="http://schemas.openxmlformats.org/presentationml/2006/main" matchingName="Title + 3 columns">
   <p:cSld name="TITLE_AND_TWO_COLUMNS_1">
     <p:spTree>
@@ -5397,7 +4213,7 @@
 </p:sldLayout>
 </file>
 
-<file path=ppt/slideLayouts/slideLayout7.xml><?xml version="1.0" encoding="utf-8"?>
+<file path=ppt/slideLayouts/slideLayout5.xml><?xml version="1.0" encoding="utf-8"?>
 <p:sldLayout xmlns:a="http://schemas.openxmlformats.org/drawingml/2006/main" xmlns:r="http://schemas.openxmlformats.org/officeDocument/2006/relationships" xmlns:p="http://schemas.openxmlformats.org/presentationml/2006/main" matchingName="Title only" type="titleOnly">
   <p:cSld name="TITLE_ONLY">
     <p:bg>
@@ -5643,7 +4459,7 @@
 </p:sldLayout>
 </file>
 
-<file path=ppt/slideLayouts/slideLayout8.xml><?xml version="1.0" encoding="utf-8"?>
+<file path=ppt/slideLayouts/slideLayout6.xml><?xml version="1.0" encoding="utf-8"?>
 <p:sldLayout xmlns:a="http://schemas.openxmlformats.org/drawingml/2006/main" xmlns:r="http://schemas.openxmlformats.org/officeDocument/2006/relationships" xmlns:p="http://schemas.openxmlformats.org/presentationml/2006/main" matchingName="Blank" type="blank">
   <p:cSld name="BLANK">
     <p:bg>
@@ -5766,7 +4582,7 @@
     <p:bg>
       <p:bgPr>
         <a:blipFill>
-          <a:blip r:embed="rId10">
+          <a:blip r:embed="rId8">
             <a:alphaModFix/>
           </a:blip>
           <a:stretch>
@@ -6437,13 +5253,11 @@
   <p:clrMap bg1="lt1" tx1="dk1" bg2="dk2" tx2="lt2" accent1="accent1" accent2="accent2" accent3="accent3" accent4="accent4" accent5="accent5" accent6="accent6" hlink="hlink" folHlink="folHlink"/>
   <p:sldLayoutIdLst>
     <p:sldLayoutId id="2147483648" r:id="rId1"/>
-    <p:sldLayoutId id="2147483649" r:id="rId2"/>
-    <p:sldLayoutId id="2147483650" r:id="rId3"/>
-    <p:sldLayoutId id="2147483651" r:id="rId4"/>
-    <p:sldLayoutId id="2147483652" r:id="rId5"/>
-    <p:sldLayoutId id="2147483653" r:id="rId6"/>
-    <p:sldLayoutId id="2147483654" r:id="rId7"/>
-    <p:sldLayoutId id="2147483656" r:id="rId8"/>
+    <p:sldLayoutId id="2147483651" r:id="rId2"/>
+    <p:sldLayoutId id="2147483652" r:id="rId3"/>
+    <p:sldLayoutId id="2147483653" r:id="rId4"/>
+    <p:sldLayoutId id="2147483654" r:id="rId5"/>
+    <p:sldLayoutId id="2147483656" r:id="rId6"/>
   </p:sldLayoutIdLst>
   <p:transition>
     <p:fade thruBlk="1"/>
@@ -7212,7 +6026,7 @@
   <p:cSld>
     <p:spTree>
       <p:nvGrpSpPr>
-        <p:cNvPr id="1" name="Shape 148"/>
+        <p:cNvPr id="1" name="Shape 139"/>
         <p:cNvGrpSpPr/>
         <p:nvPr/>
       </p:nvGrpSpPr>
@@ -7226,7 +6040,7 @@
       </p:grpSpPr>
       <p:sp>
         <p:nvSpPr>
-          <p:cNvPr id="150" name="Google Shape;150;p21"/>
+          <p:cNvPr id="140" name="Google Shape;140;p20"/>
           <p:cNvSpPr txBox="1">
             <a:spLocks noGrp="1"/>
           </p:cNvSpPr>
@@ -7236,7 +6050,7 @@
         </p:nvSpPr>
         <p:spPr>
           <a:xfrm>
-            <a:off x="786150" y="208109"/>
+            <a:off x="786150" y="308120"/>
             <a:ext cx="7571700" cy="702600"/>
           </a:xfrm>
           <a:prstGeom prst="rect">
@@ -7260,7 +6074,7 @@
             </a:pPr>
             <a:r>
               <a:rPr lang="en" dirty="0"/>
-              <a:t>Clustering the neighborhoods</a:t>
+              <a:t>Most common venues for the final clusters</a:t>
             </a:r>
             <a:endParaRPr dirty="0"/>
           </a:p>
@@ -7268,7 +6082,7 @@
       </p:sp>
       <p:sp>
         <p:nvSpPr>
-          <p:cNvPr id="151" name="Google Shape;151;p21"/>
+          <p:cNvPr id="141" name="Google Shape;141;p20"/>
           <p:cNvSpPr txBox="1">
             <a:spLocks noGrp="1"/>
           </p:cNvSpPr>
@@ -7278,8 +6092,8 @@
         </p:nvSpPr>
         <p:spPr>
           <a:xfrm>
-            <a:off x="571635" y="1010720"/>
-            <a:ext cx="3637183" cy="3262504"/>
+            <a:off x="786150" y="1200150"/>
+            <a:ext cx="2419800" cy="3725700"/>
           </a:xfrm>
           <a:prstGeom prst="rect">
             <a:avLst/>
@@ -7301,42 +6115,168 @@
               <a:buNone/>
             </a:pPr>
             <a:r>
+              <a:rPr lang="en" b="1" dirty="0"/>
+              <a:t>Final Cluster 0</a:t>
+            </a:r>
+          </a:p>
+          <a:p>
+            <a:pPr marL="285750" indent="-285750"/>
+            <a:r>
+              <a:rPr lang="en-US" dirty="0"/>
+              <a:t>Garden</a:t>
+            </a:r>
+          </a:p>
+          <a:p>
+            <a:pPr marL="285750" indent="-285750"/>
+            <a:r>
+              <a:rPr lang="en-US" dirty="0"/>
+              <a:t>Diner</a:t>
+            </a:r>
+          </a:p>
+          <a:p>
+            <a:pPr marL="285750" indent="-285750"/>
+            <a:r>
+              <a:rPr lang="en-US" dirty="0"/>
+              <a:t>Event Space</a:t>
+            </a:r>
+          </a:p>
+        </p:txBody>
+      </p:sp>
+      <p:sp>
+        <p:nvSpPr>
+          <p:cNvPr id="142" name="Google Shape;142;p20"/>
+          <p:cNvSpPr txBox="1">
+            <a:spLocks noGrp="1"/>
+          </p:cNvSpPr>
+          <p:nvPr>
+            <p:ph type="body" idx="2"/>
+          </p:nvPr>
+        </p:nvSpPr>
+        <p:spPr>
+          <a:xfrm>
+            <a:off x="3329992" y="1200150"/>
+            <a:ext cx="2419800" cy="3725700"/>
+          </a:xfrm>
+          <a:prstGeom prst="rect">
+            <a:avLst/>
+          </a:prstGeom>
+        </p:spPr>
+        <p:txBody>
+          <a:bodyPr spcFirstLastPara="1" wrap="square" lIns="91425" tIns="91425" rIns="91425" bIns="91425" anchor="t" anchorCtr="0">
+            <a:noAutofit/>
+          </a:bodyPr>
+          <a:lstStyle/>
+          <a:p>
+            <a:pPr marL="0" lvl="0" indent="0" algn="l" rtl="0">
+              <a:spcBef>
+                <a:spcPts val="600"/>
+              </a:spcBef>
+              <a:spcAft>
+                <a:spcPts val="0"/>
+              </a:spcAft>
+              <a:buNone/>
+            </a:pPr>
+            <a:r>
+              <a:rPr lang="en" b="1" dirty="0"/>
+              <a:t>Final Cluster 1</a:t>
+            </a:r>
+            <a:endParaRPr b="1" dirty="0"/>
+          </a:p>
+          <a:p>
+            <a:pPr marL="285750" indent="-285750"/>
+            <a:r>
               <a:rPr lang="en" dirty="0"/>
-              <a:t>For the purpose of grouping neighborhoods based on their similarities and differences, a clustering algorithm named K-Means was selected as the best choice.</a:t>
+              <a:t>Coffee shops</a:t>
+            </a:r>
+          </a:p>
+          <a:p>
+            <a:pPr marL="285750" indent="-285750"/>
+            <a:r>
+              <a:rPr lang="en" dirty="0"/>
+              <a:t>Restaurants</a:t>
+            </a:r>
+          </a:p>
+        </p:txBody>
+      </p:sp>
+      <p:sp>
+        <p:nvSpPr>
+          <p:cNvPr id="143" name="Google Shape;143;p20"/>
+          <p:cNvSpPr txBox="1">
+            <a:spLocks noGrp="1"/>
+          </p:cNvSpPr>
+          <p:nvPr>
+            <p:ph type="body" idx="3"/>
+          </p:nvPr>
+        </p:nvSpPr>
+        <p:spPr>
+          <a:xfrm>
+            <a:off x="5873834" y="1200150"/>
+            <a:ext cx="2419800" cy="3725700"/>
+          </a:xfrm>
+          <a:prstGeom prst="rect">
+            <a:avLst/>
+          </a:prstGeom>
+        </p:spPr>
+        <p:txBody>
+          <a:bodyPr spcFirstLastPara="1" wrap="square" lIns="91425" tIns="91425" rIns="91425" bIns="91425" anchor="t" anchorCtr="0">
+            <a:noAutofit/>
+          </a:bodyPr>
+          <a:lstStyle/>
+          <a:p>
+            <a:pPr marL="0" lvl="0" indent="0" algn="l" rtl="0">
+              <a:spcBef>
+                <a:spcPts val="600"/>
+              </a:spcBef>
+              <a:spcAft>
+                <a:spcPts val="0"/>
+              </a:spcAft>
+              <a:buNone/>
+            </a:pPr>
+            <a:r>
+              <a:rPr lang="en" b="1" dirty="0"/>
+              <a:t>Final Cluster 2</a:t>
+            </a:r>
+            <a:endParaRPr b="1" dirty="0"/>
+          </a:p>
+          <a:p>
+            <a:pPr marL="285750" indent="-285750"/>
+            <a:r>
+              <a:rPr lang="pt-BR" dirty="0"/>
+              <a:t>Parks</a:t>
+            </a:r>
+          </a:p>
+          <a:p>
+            <a:pPr marL="285750" indent="-285750"/>
+            <a:r>
+              <a:rPr lang="pt-BR" dirty="0" err="1"/>
+              <a:t>Trails</a:t>
+            </a:r>
+            <a:endParaRPr lang="pt-BR" dirty="0"/>
+          </a:p>
+          <a:p>
+            <a:pPr marL="285750" indent="-285750"/>
+            <a:r>
+              <a:rPr lang="pt-BR" dirty="0"/>
+              <a:t>Playgrounds</a:t>
+            </a:r>
+          </a:p>
+          <a:p>
+            <a:pPr marL="285750" indent="-285750"/>
+            <a:r>
+              <a:rPr lang="pt-BR" dirty="0"/>
+              <a:t>Yoga </a:t>
+            </a:r>
+            <a:r>
+              <a:rPr lang="pt-BR" dirty="0" err="1"/>
+              <a:t>Studios</a:t>
             </a:r>
             <a:endParaRPr dirty="0"/>
           </a:p>
         </p:txBody>
       </p:sp>
-      <p:cxnSp>
-        <p:nvCxnSpPr>
-          <p:cNvPr id="155" name="Google Shape;155;p21"/>
-          <p:cNvCxnSpPr/>
-          <p:nvPr/>
-        </p:nvCxnSpPr>
-        <p:spPr>
-          <a:xfrm rot="10800000" flipH="1">
-            <a:off x="7068779" y="1169826"/>
-            <a:ext cx="716400" cy="806100"/>
-          </a:xfrm>
-          <a:prstGeom prst="straightConnector1">
-            <a:avLst/>
-          </a:prstGeom>
-          <a:noFill/>
-          <a:ln w="9525" cap="flat" cmpd="sng">
-            <a:solidFill>
-              <a:srgbClr val="CFD8DC"/>
-            </a:solidFill>
-            <a:prstDash val="solid"/>
-            <a:round/>
-            <a:headEnd type="none" w="med" len="med"/>
-            <a:tailEnd type="none" w="med" len="med"/>
-          </a:ln>
-        </p:spPr>
-      </p:cxnSp>
-      <p:sp>
-        <p:nvSpPr>
-          <p:cNvPr id="156" name="Google Shape;156;p21"/>
+      <p:sp>
+        <p:nvSpPr>
+          <p:cNvPr id="144" name="Google Shape;144;p20"/>
           <p:cNvSpPr txBox="1">
             <a:spLocks noGrp="1"/>
           </p:cNvSpPr>
@@ -7376,850 +6316,12 @@
           </a:p>
         </p:txBody>
       </p:sp>
-      <p:pic>
-        <p:nvPicPr>
-          <p:cNvPr id="3" name="Imagem 2">
+      <p:sp>
+        <p:nvSpPr>
+          <p:cNvPr id="2" name="Retângulo 1">
             <a:extLst>
               <a:ext uri="{FF2B5EF4-FFF2-40B4-BE49-F238E27FC236}">
-                <a16:creationId xmlns:a16="http://schemas.microsoft.com/office/drawing/2014/main" id="{B7778FEB-67A2-4E9E-AED7-D1A807F5EFAE}"/>
-              </a:ext>
-            </a:extLst>
-          </p:cNvPr>
-          <p:cNvPicPr>
-            <a:picLocks noChangeAspect="1"/>
-          </p:cNvPicPr>
-          <p:nvPr/>
-        </p:nvPicPr>
-        <p:blipFill>
-          <a:blip r:embed="rId3"/>
-          <a:stretch>
-            <a:fillRect/>
-          </a:stretch>
-        </p:blipFill>
-        <p:spPr>
-          <a:xfrm>
-            <a:off x="4208818" y="875718"/>
-            <a:ext cx="4070933" cy="4070933"/>
-          </a:xfrm>
-          <a:prstGeom prst="rect">
-            <a:avLst/>
-          </a:prstGeom>
-        </p:spPr>
-      </p:pic>
-      <p:cxnSp>
-        <p:nvCxnSpPr>
-          <p:cNvPr id="153" name="Google Shape;153;p21"/>
-          <p:cNvCxnSpPr>
-            <a:cxnSpLocks/>
-          </p:cNvCxnSpPr>
-          <p:nvPr/>
-        </p:nvCxnSpPr>
-        <p:spPr>
-          <a:xfrm flipV="1">
-            <a:off x="7068779" y="367851"/>
-            <a:ext cx="363112" cy="993116"/>
-          </a:xfrm>
-          <a:prstGeom prst="straightConnector1">
-            <a:avLst/>
-          </a:prstGeom>
-          <a:noFill/>
-          <a:ln w="9525" cap="flat" cmpd="sng">
-            <a:solidFill>
-              <a:srgbClr val="CFD8DC"/>
-            </a:solidFill>
-            <a:prstDash val="solid"/>
-            <a:round/>
-            <a:headEnd type="none" w="med" len="med"/>
-            <a:tailEnd type="none" w="med" len="med"/>
-          </a:ln>
-        </p:spPr>
-      </p:cxnSp>
-      <p:cxnSp>
-        <p:nvCxnSpPr>
-          <p:cNvPr id="154" name="Google Shape;154;p21"/>
-          <p:cNvCxnSpPr>
-            <a:cxnSpLocks/>
-          </p:cNvCxnSpPr>
-          <p:nvPr/>
-        </p:nvCxnSpPr>
-        <p:spPr>
-          <a:xfrm flipV="1">
-            <a:off x="8024037" y="1515797"/>
-            <a:ext cx="548328" cy="213766"/>
-          </a:xfrm>
-          <a:prstGeom prst="straightConnector1">
-            <a:avLst/>
-          </a:prstGeom>
-          <a:noFill/>
-          <a:ln w="9525" cap="flat" cmpd="sng">
-            <a:solidFill>
-              <a:srgbClr val="CFD8DC"/>
-            </a:solidFill>
-            <a:prstDash val="solid"/>
-            <a:round/>
-            <a:headEnd type="none" w="med" len="med"/>
-            <a:tailEnd type="none" w="med" len="med"/>
-          </a:ln>
-        </p:spPr>
-      </p:cxnSp>
-    </p:spTree>
-    <p:extLst>
-      <p:ext uri="{BB962C8B-B14F-4D97-AF65-F5344CB8AC3E}">
-        <p14:creationId xmlns:p14="http://schemas.microsoft.com/office/powerpoint/2010/main" val="996044977"/>
-      </p:ext>
-    </p:extLst>
-  </p:cSld>
-  <p:clrMapOvr>
-    <a:masterClrMapping/>
-  </p:clrMapOvr>
-</p:sld>
-</file>
-
-<file path=ppt/slides/slide11.xml><?xml version="1.0" encoding="utf-8"?>
-<p:sld xmlns:a="http://schemas.openxmlformats.org/drawingml/2006/main" xmlns:r="http://schemas.openxmlformats.org/officeDocument/2006/relationships" xmlns:p="http://schemas.openxmlformats.org/presentationml/2006/main">
-  <p:cSld>
-    <p:spTree>
-      <p:nvGrpSpPr>
-        <p:cNvPr id="1" name="Shape 166"/>
-        <p:cNvGrpSpPr/>
-        <p:nvPr/>
-      </p:nvGrpSpPr>
-      <p:grpSpPr>
-        <a:xfrm>
-          <a:off x="0" y="0"/>
-          <a:ext cx="0" cy="0"/>
-          <a:chOff x="0" y="0"/>
-          <a:chExt cx="0" cy="0"/>
-        </a:xfrm>
-      </p:grpSpPr>
-      <p:sp>
-        <p:nvSpPr>
-          <p:cNvPr id="171" name="Google Shape;171;p23"/>
-          <p:cNvSpPr txBox="1">
-            <a:spLocks noGrp="1"/>
-          </p:cNvSpPr>
-          <p:nvPr>
-            <p:ph type="sldNum" idx="12"/>
-          </p:nvPr>
-        </p:nvSpPr>
-        <p:spPr>
-          <a:xfrm>
-            <a:off x="8404384" y="4749851"/>
-            <a:ext cx="548700" cy="393600"/>
-          </a:xfrm>
-          <a:prstGeom prst="rect">
-            <a:avLst/>
-          </a:prstGeom>
-        </p:spPr>
-        <p:txBody>
-          <a:bodyPr spcFirstLastPara="1" wrap="square" lIns="91425" tIns="91425" rIns="91425" bIns="91425" anchor="t" anchorCtr="0">
-            <a:noAutofit/>
-          </a:bodyPr>
-          <a:lstStyle/>
-          <a:p>
-            <a:pPr marL="0" lvl="0" indent="0" algn="r" rtl="0">
-              <a:spcBef>
-                <a:spcPts val="0"/>
-              </a:spcBef>
-              <a:spcAft>
-                <a:spcPts val="0"/>
-              </a:spcAft>
-              <a:buNone/>
-            </a:pPr>
-            <a:fld id="{00000000-1234-1234-1234-123412341234}" type="slidenum">
-              <a:rPr lang="en"/>
-              <a:t>11</a:t>
-            </a:fld>
-            <a:endParaRPr dirty="0"/>
-          </a:p>
-        </p:txBody>
-      </p:sp>
-      <p:sp>
-        <p:nvSpPr>
-          <p:cNvPr id="4" name="CaixaDeTexto 3">
-            <a:extLst>
-              <a:ext uri="{FF2B5EF4-FFF2-40B4-BE49-F238E27FC236}">
-                <a16:creationId xmlns:a16="http://schemas.microsoft.com/office/drawing/2014/main" id="{E1724934-7848-4FB8-AEDA-2FD4951BAB27}"/>
-              </a:ext>
-            </a:extLst>
-          </p:cNvPr>
-          <p:cNvSpPr txBox="1"/>
-          <p:nvPr/>
-        </p:nvSpPr>
-        <p:spPr>
-          <a:xfrm>
-            <a:off x="387586" y="582410"/>
-            <a:ext cx="4425666" cy="523220"/>
-          </a:xfrm>
-          <a:prstGeom prst="rect">
-            <a:avLst/>
-          </a:prstGeom>
-          <a:noFill/>
-        </p:spPr>
-        <p:txBody>
-          <a:bodyPr wrap="square" rtlCol="0">
-            <a:spAutoFit/>
-          </a:bodyPr>
-          <a:lstStyle/>
-          <a:p>
-            <a:r>
-              <a:rPr lang="pt-BR" dirty="0" err="1"/>
-              <a:t>Using</a:t>
-            </a:r>
-            <a:r>
-              <a:rPr lang="pt-BR" dirty="0"/>
-              <a:t> </a:t>
-            </a:r>
-            <a:r>
-              <a:rPr lang="pt-BR" dirty="0" err="1"/>
-              <a:t>the</a:t>
-            </a:r>
-            <a:r>
-              <a:rPr lang="pt-BR" dirty="0"/>
-              <a:t> </a:t>
-            </a:r>
-            <a:r>
-              <a:rPr lang="pt-BR" dirty="0" err="1"/>
-              <a:t>elbow</a:t>
-            </a:r>
-            <a:r>
-              <a:rPr lang="pt-BR" dirty="0"/>
-              <a:t> </a:t>
-            </a:r>
-            <a:r>
-              <a:rPr lang="pt-BR" dirty="0" err="1"/>
-              <a:t>method</a:t>
-            </a:r>
-            <a:r>
-              <a:rPr lang="pt-BR" dirty="0"/>
-              <a:t>, 6 </a:t>
-            </a:r>
-            <a:r>
-              <a:rPr lang="pt-BR" dirty="0" err="1"/>
-              <a:t>was</a:t>
-            </a:r>
-            <a:r>
-              <a:rPr lang="pt-BR" dirty="0"/>
-              <a:t> </a:t>
-            </a:r>
-            <a:r>
-              <a:rPr lang="pt-BR" dirty="0" err="1"/>
-              <a:t>elected</a:t>
-            </a:r>
-            <a:r>
-              <a:rPr lang="pt-BR" dirty="0"/>
-              <a:t> </a:t>
-            </a:r>
-            <a:r>
-              <a:rPr lang="pt-BR" dirty="0" err="1"/>
-              <a:t>the</a:t>
-            </a:r>
-            <a:r>
-              <a:rPr lang="pt-BR" dirty="0"/>
-              <a:t> </a:t>
-            </a:r>
-            <a:r>
-              <a:rPr lang="pt-BR" dirty="0" err="1"/>
-              <a:t>optimal</a:t>
-            </a:r>
-            <a:r>
-              <a:rPr lang="pt-BR" dirty="0"/>
-              <a:t> </a:t>
-            </a:r>
-            <a:r>
-              <a:rPr lang="pt-BR" dirty="0" err="1"/>
-              <a:t>number</a:t>
-            </a:r>
-            <a:r>
-              <a:rPr lang="pt-BR" dirty="0"/>
-              <a:t> </a:t>
-            </a:r>
-            <a:r>
-              <a:rPr lang="pt-BR" dirty="0" err="1"/>
-              <a:t>of</a:t>
-            </a:r>
-            <a:r>
-              <a:rPr lang="pt-BR" dirty="0"/>
-              <a:t> clusters </a:t>
-            </a:r>
-            <a:r>
-              <a:rPr lang="pt-BR" dirty="0" err="1"/>
-              <a:t>to</a:t>
-            </a:r>
-            <a:r>
-              <a:rPr lang="pt-BR" dirty="0"/>
-              <a:t> </a:t>
-            </a:r>
-            <a:r>
-              <a:rPr lang="pt-BR" dirty="0" err="1"/>
-              <a:t>the</a:t>
-            </a:r>
-            <a:r>
-              <a:rPr lang="pt-BR" dirty="0"/>
-              <a:t> </a:t>
-            </a:r>
-            <a:r>
-              <a:rPr lang="pt-BR" dirty="0" err="1"/>
-              <a:t>algorithm</a:t>
-            </a:r>
-            <a:r>
-              <a:rPr lang="pt-BR" dirty="0"/>
-              <a:t>.</a:t>
-            </a:r>
-            <a:endParaRPr lang="en-US" dirty="0"/>
-          </a:p>
-        </p:txBody>
-      </p:sp>
-      <p:pic>
-        <p:nvPicPr>
-          <p:cNvPr id="12" name="Picture 16" descr="Menu, navigate, number, one, options, 1 icon - Download on Iconfinder">
-            <a:extLst>
-              <a:ext uri="{FF2B5EF4-FFF2-40B4-BE49-F238E27FC236}">
-                <a16:creationId xmlns:a16="http://schemas.microsoft.com/office/drawing/2014/main" id="{DA218B27-191A-4E8E-8886-4429EF20B66E}"/>
-              </a:ext>
-            </a:extLst>
-          </p:cNvPr>
-          <p:cNvPicPr>
-            <a:picLocks noChangeAspect="1" noChangeArrowheads="1"/>
-          </p:cNvPicPr>
-          <p:nvPr/>
-        </p:nvPicPr>
-        <p:blipFill>
-          <a:blip r:embed="rId3">
-            <a:extLst>
-              <a:ext uri="{28A0092B-C50C-407E-A947-70E740481C1C}">
-                <a14:useLocalDpi xmlns:a14="http://schemas.microsoft.com/office/drawing/2010/main" val="0"/>
-              </a:ext>
-            </a:extLst>
-          </a:blip>
-          <a:srcRect/>
-          <a:stretch>
-            <a:fillRect/>
-          </a:stretch>
-        </p:blipFill>
-        <p:spPr bwMode="auto">
-          <a:xfrm>
-            <a:off x="2208019" y="103590"/>
-            <a:ext cx="392400" cy="392400"/>
-          </a:xfrm>
-          <a:prstGeom prst="rect">
-            <a:avLst/>
-          </a:prstGeom>
-          <a:noFill/>
-          <a:extLst>
-            <a:ext uri="{909E8E84-426E-40DD-AFC4-6F175D3DCCD1}">
-              <a14:hiddenFill xmlns:a14="http://schemas.microsoft.com/office/drawing/2010/main">
-                <a:solidFill>
-                  <a:srgbClr val="FFFFFF"/>
-                </a:solidFill>
-              </a14:hiddenFill>
-            </a:ext>
-          </a:extLst>
-        </p:spPr>
-      </p:pic>
-      <p:pic>
-        <p:nvPicPr>
-          <p:cNvPr id="13" name="Picture 12" descr="2, number, options, two, menu, navigate icon - Download on Iconfinder">
-            <a:extLst>
-              <a:ext uri="{FF2B5EF4-FFF2-40B4-BE49-F238E27FC236}">
-                <a16:creationId xmlns:a16="http://schemas.microsoft.com/office/drawing/2014/main" id="{01B0A25A-8CDF-4C7C-91BB-076016EC9983}"/>
-              </a:ext>
-            </a:extLst>
-          </p:cNvPr>
-          <p:cNvPicPr>
-            <a:picLocks noChangeAspect="1" noChangeArrowheads="1"/>
-          </p:cNvPicPr>
-          <p:nvPr/>
-        </p:nvPicPr>
-        <p:blipFill>
-          <a:blip r:embed="rId4">
-            <a:extLst>
-              <a:ext uri="{28A0092B-C50C-407E-A947-70E740481C1C}">
-                <a14:useLocalDpi xmlns:a14="http://schemas.microsoft.com/office/drawing/2010/main" val="0"/>
-              </a:ext>
-            </a:extLst>
-          </a:blip>
-          <a:srcRect/>
-          <a:stretch>
-            <a:fillRect/>
-          </a:stretch>
-        </p:blipFill>
-        <p:spPr bwMode="auto">
-          <a:xfrm>
-            <a:off x="6766442" y="106499"/>
-            <a:ext cx="393600" cy="393600"/>
-          </a:xfrm>
-          <a:prstGeom prst="rect">
-            <a:avLst/>
-          </a:prstGeom>
-          <a:noFill/>
-          <a:extLst>
-            <a:ext uri="{909E8E84-426E-40DD-AFC4-6F175D3DCCD1}">
-              <a14:hiddenFill xmlns:a14="http://schemas.microsoft.com/office/drawing/2010/main">
-                <a:solidFill>
-                  <a:srgbClr val="FFFFFF"/>
-                </a:solidFill>
-              </a14:hiddenFill>
-            </a:ext>
-          </a:extLst>
-        </p:spPr>
-      </p:pic>
-      <p:sp>
-        <p:nvSpPr>
-          <p:cNvPr id="14" name="CaixaDeTexto 13">
-            <a:extLst>
-              <a:ext uri="{FF2B5EF4-FFF2-40B4-BE49-F238E27FC236}">
-                <a16:creationId xmlns:a16="http://schemas.microsoft.com/office/drawing/2014/main" id="{5681B568-BA83-4FAA-8425-9E300C850088}"/>
-              </a:ext>
-            </a:extLst>
-          </p:cNvPr>
-          <p:cNvSpPr txBox="1"/>
-          <p:nvPr/>
-        </p:nvSpPr>
-        <p:spPr>
-          <a:xfrm>
-            <a:off x="4980319" y="582051"/>
-            <a:ext cx="4425666" cy="523220"/>
-          </a:xfrm>
-          <a:prstGeom prst="rect">
-            <a:avLst/>
-          </a:prstGeom>
-          <a:noFill/>
-        </p:spPr>
-        <p:txBody>
-          <a:bodyPr wrap="square" rtlCol="0">
-            <a:spAutoFit/>
-          </a:bodyPr>
-          <a:lstStyle/>
-          <a:p>
-            <a:r>
-              <a:rPr lang="pt-BR" dirty="0"/>
-              <a:t>A </a:t>
-            </a:r>
-            <a:r>
-              <a:rPr lang="pt-BR" dirty="0" err="1"/>
-              <a:t>Folium</a:t>
-            </a:r>
-            <a:r>
-              <a:rPr lang="pt-BR" dirty="0"/>
-              <a:t> Map </a:t>
-            </a:r>
-            <a:r>
-              <a:rPr lang="pt-BR" dirty="0" err="1"/>
-              <a:t>was</a:t>
-            </a:r>
-            <a:r>
-              <a:rPr lang="pt-BR" dirty="0"/>
-              <a:t> </a:t>
-            </a:r>
-            <a:r>
-              <a:rPr lang="pt-BR" dirty="0" err="1"/>
-              <a:t>generated</a:t>
-            </a:r>
-            <a:r>
-              <a:rPr lang="pt-BR" dirty="0"/>
-              <a:t> </a:t>
-            </a:r>
-            <a:r>
-              <a:rPr lang="pt-BR" dirty="0" err="1"/>
-              <a:t>to</a:t>
-            </a:r>
-            <a:r>
-              <a:rPr lang="pt-BR" dirty="0"/>
-              <a:t> visualize </a:t>
-            </a:r>
-            <a:r>
-              <a:rPr lang="pt-BR" dirty="0" err="1"/>
-              <a:t>those</a:t>
-            </a:r>
-            <a:r>
-              <a:rPr lang="pt-BR" dirty="0"/>
-              <a:t> clusters </a:t>
-            </a:r>
-            <a:r>
-              <a:rPr lang="pt-BR" dirty="0" err="1"/>
-              <a:t>organized</a:t>
-            </a:r>
-            <a:r>
-              <a:rPr lang="pt-BR" dirty="0"/>
-              <a:t> </a:t>
-            </a:r>
-            <a:r>
-              <a:rPr lang="pt-BR" dirty="0" err="1"/>
-              <a:t>by</a:t>
-            </a:r>
-            <a:r>
-              <a:rPr lang="pt-BR" dirty="0"/>
-              <a:t> K-</a:t>
-            </a:r>
-            <a:r>
-              <a:rPr lang="pt-BR" dirty="0" err="1"/>
-              <a:t>Means</a:t>
-            </a:r>
-            <a:r>
-              <a:rPr lang="pt-BR" dirty="0"/>
-              <a:t>.</a:t>
-            </a:r>
-            <a:endParaRPr lang="en-US" dirty="0"/>
-          </a:p>
-        </p:txBody>
-      </p:sp>
-      <p:pic>
-        <p:nvPicPr>
-          <p:cNvPr id="3" name="Imagem 2">
-            <a:extLst>
-              <a:ext uri="{FF2B5EF4-FFF2-40B4-BE49-F238E27FC236}">
-                <a16:creationId xmlns:a16="http://schemas.microsoft.com/office/drawing/2014/main" id="{8F9880C5-A16E-4727-B372-FAF2FB5F0EF1}"/>
-              </a:ext>
-            </a:extLst>
-          </p:cNvPr>
-          <p:cNvPicPr>
-            <a:picLocks noChangeAspect="1"/>
-          </p:cNvPicPr>
-          <p:nvPr/>
-        </p:nvPicPr>
-        <p:blipFill>
-          <a:blip r:embed="rId5"/>
-          <a:stretch>
-            <a:fillRect/>
-          </a:stretch>
-        </p:blipFill>
-        <p:spPr>
-          <a:xfrm>
-            <a:off x="5164616" y="1282995"/>
-            <a:ext cx="3320327" cy="2715290"/>
-          </a:xfrm>
-          <a:prstGeom prst="rect">
-            <a:avLst/>
-          </a:prstGeom>
-        </p:spPr>
-      </p:pic>
-      <p:pic>
-        <p:nvPicPr>
-          <p:cNvPr id="1026" name="Picture 2">
-            <a:extLst>
-              <a:ext uri="{FF2B5EF4-FFF2-40B4-BE49-F238E27FC236}">
-                <a16:creationId xmlns:a16="http://schemas.microsoft.com/office/drawing/2014/main" id="{2D64495F-010B-4B60-B3DC-68B4408125E8}"/>
-              </a:ext>
-            </a:extLst>
-          </p:cNvPr>
-          <p:cNvPicPr>
-            <a:picLocks noChangeAspect="1" noChangeArrowheads="1"/>
-          </p:cNvPicPr>
-          <p:nvPr/>
-        </p:nvPicPr>
-        <p:blipFill>
-          <a:blip r:embed="rId6">
-            <a:extLst>
-              <a:ext uri="{28A0092B-C50C-407E-A947-70E740481C1C}">
-                <a14:useLocalDpi xmlns:a14="http://schemas.microsoft.com/office/drawing/2010/main" val="0"/>
-              </a:ext>
-            </a:extLst>
-          </a:blip>
-          <a:srcRect/>
-          <a:stretch>
-            <a:fillRect/>
-          </a:stretch>
-        </p:blipFill>
-        <p:spPr bwMode="auto">
-          <a:xfrm>
-            <a:off x="220518" y="1105271"/>
-            <a:ext cx="4592733" cy="3133576"/>
-          </a:xfrm>
-          <a:prstGeom prst="rect">
-            <a:avLst/>
-          </a:prstGeom>
-          <a:noFill/>
-          <a:extLst>
-            <a:ext uri="{909E8E84-426E-40DD-AFC4-6F175D3DCCD1}">
-              <a14:hiddenFill xmlns:a14="http://schemas.microsoft.com/office/drawing/2010/main">
-                <a:solidFill>
-                  <a:srgbClr val="FFFFFF"/>
-                </a:solidFill>
-              </a14:hiddenFill>
-            </a:ext>
-          </a:extLst>
-        </p:spPr>
-      </p:pic>
-    </p:spTree>
-    <p:extLst>
-      <p:ext uri="{BB962C8B-B14F-4D97-AF65-F5344CB8AC3E}">
-        <p14:creationId xmlns:p14="http://schemas.microsoft.com/office/powerpoint/2010/main" val="4002595550"/>
-      </p:ext>
-    </p:extLst>
-  </p:cSld>
-  <p:clrMapOvr>
-    <a:masterClrMapping/>
-  </p:clrMapOvr>
-</p:sld>
-</file>
-
-<file path=ppt/slides/slide12.xml><?xml version="1.0" encoding="utf-8"?>
-<p:sld xmlns:a="http://schemas.openxmlformats.org/drawingml/2006/main" xmlns:r="http://schemas.openxmlformats.org/officeDocument/2006/relationships" xmlns:p="http://schemas.openxmlformats.org/presentationml/2006/main">
-  <p:cSld>
-    <p:spTree>
-      <p:nvGrpSpPr>
-        <p:cNvPr id="1" name="Shape 166"/>
-        <p:cNvGrpSpPr/>
-        <p:nvPr/>
-      </p:nvGrpSpPr>
-      <p:grpSpPr>
-        <a:xfrm>
-          <a:off x="0" y="0"/>
-          <a:ext cx="0" cy="0"/>
-          <a:chOff x="0" y="0"/>
-          <a:chExt cx="0" cy="0"/>
-        </a:xfrm>
-      </p:grpSpPr>
-      <p:sp>
-        <p:nvSpPr>
-          <p:cNvPr id="171" name="Google Shape;171;p23"/>
-          <p:cNvSpPr txBox="1">
-            <a:spLocks noGrp="1"/>
-          </p:cNvSpPr>
-          <p:nvPr>
-            <p:ph type="sldNum" idx="12"/>
-          </p:nvPr>
-        </p:nvSpPr>
-        <p:spPr>
-          <a:xfrm>
-            <a:off x="8404384" y="4749851"/>
-            <a:ext cx="548700" cy="393600"/>
-          </a:xfrm>
-          <a:prstGeom prst="rect">
-            <a:avLst/>
-          </a:prstGeom>
-        </p:spPr>
-        <p:txBody>
-          <a:bodyPr spcFirstLastPara="1" wrap="square" lIns="91425" tIns="91425" rIns="91425" bIns="91425" anchor="t" anchorCtr="0">
-            <a:noAutofit/>
-          </a:bodyPr>
-          <a:lstStyle/>
-          <a:p>
-            <a:pPr marL="0" lvl="0" indent="0" algn="r" rtl="0">
-              <a:spcBef>
-                <a:spcPts val="0"/>
-              </a:spcBef>
-              <a:spcAft>
-                <a:spcPts val="0"/>
-              </a:spcAft>
-              <a:buNone/>
-            </a:pPr>
-            <a:fld id="{00000000-1234-1234-1234-123412341234}" type="slidenum">
-              <a:rPr lang="en"/>
-              <a:t>12</a:t>
-            </a:fld>
-            <a:endParaRPr dirty="0"/>
-          </a:p>
-        </p:txBody>
-      </p:sp>
-      <p:sp>
-        <p:nvSpPr>
-          <p:cNvPr id="4" name="CaixaDeTexto 3">
-            <a:extLst>
-              <a:ext uri="{FF2B5EF4-FFF2-40B4-BE49-F238E27FC236}">
-                <a16:creationId xmlns:a16="http://schemas.microsoft.com/office/drawing/2014/main" id="{E1724934-7848-4FB8-AEDA-2FD4951BAB27}"/>
-              </a:ext>
-            </a:extLst>
-          </p:cNvPr>
-          <p:cNvSpPr txBox="1"/>
-          <p:nvPr/>
-        </p:nvSpPr>
-        <p:spPr>
-          <a:xfrm>
-            <a:off x="2200307" y="609850"/>
-            <a:ext cx="4743383" cy="738664"/>
-          </a:xfrm>
-          <a:prstGeom prst="rect">
-            <a:avLst/>
-          </a:prstGeom>
-          <a:noFill/>
-        </p:spPr>
-        <p:txBody>
-          <a:bodyPr wrap="square" rtlCol="0">
-            <a:spAutoFit/>
-          </a:bodyPr>
-          <a:lstStyle/>
-          <a:p>
-            <a:pPr algn="just"/>
-            <a:r>
-              <a:rPr lang="pt-BR" dirty="0" err="1"/>
-              <a:t>Smaller</a:t>
-            </a:r>
-            <a:r>
-              <a:rPr lang="pt-BR" dirty="0"/>
-              <a:t> clusters, </a:t>
-            </a:r>
-            <a:r>
-              <a:rPr lang="pt-BR" dirty="0" err="1"/>
-              <a:t>if</a:t>
-            </a:r>
-            <a:r>
-              <a:rPr lang="pt-BR" dirty="0"/>
-              <a:t> </a:t>
-            </a:r>
-            <a:r>
-              <a:rPr lang="pt-BR" dirty="0" err="1"/>
-              <a:t>possible</a:t>
-            </a:r>
-            <a:r>
-              <a:rPr lang="pt-BR" dirty="0"/>
-              <a:t>, </a:t>
-            </a:r>
-            <a:r>
-              <a:rPr lang="pt-BR" dirty="0" err="1"/>
-              <a:t>were</a:t>
-            </a:r>
-            <a:r>
-              <a:rPr lang="pt-BR" dirty="0"/>
-              <a:t> </a:t>
-            </a:r>
-            <a:r>
-              <a:rPr lang="pt-BR" dirty="0" err="1"/>
-              <a:t>assigned</a:t>
-            </a:r>
-            <a:r>
-              <a:rPr lang="pt-BR" dirty="0"/>
-              <a:t> </a:t>
-            </a:r>
-            <a:r>
-              <a:rPr lang="pt-BR" dirty="0" err="1"/>
-              <a:t>to</a:t>
-            </a:r>
-            <a:r>
-              <a:rPr lang="pt-BR" dirty="0"/>
-              <a:t> </a:t>
-            </a:r>
-            <a:r>
-              <a:rPr lang="pt-BR" dirty="0" err="1"/>
-              <a:t>larger</a:t>
-            </a:r>
-            <a:r>
-              <a:rPr lang="pt-BR" dirty="0"/>
-              <a:t> </a:t>
-            </a:r>
-            <a:r>
-              <a:rPr lang="pt-BR" dirty="0" err="1"/>
-              <a:t>ones</a:t>
-            </a:r>
-            <a:r>
-              <a:rPr lang="pt-BR" dirty="0"/>
-              <a:t> </a:t>
-            </a:r>
-            <a:r>
-              <a:rPr lang="pt-BR" dirty="0" err="1"/>
-              <a:t>manually</a:t>
-            </a:r>
-            <a:r>
-              <a:rPr lang="pt-BR" dirty="0"/>
-              <a:t>, as </a:t>
-            </a:r>
-            <a:r>
-              <a:rPr lang="pt-BR" dirty="0" err="1"/>
-              <a:t>there</a:t>
-            </a:r>
-            <a:r>
-              <a:rPr lang="pt-BR" dirty="0"/>
-              <a:t> </a:t>
-            </a:r>
-            <a:r>
-              <a:rPr lang="pt-BR" dirty="0" err="1"/>
-              <a:t>were</a:t>
-            </a:r>
-            <a:r>
-              <a:rPr lang="pt-BR" dirty="0"/>
-              <a:t> some </a:t>
-            </a:r>
-            <a:r>
-              <a:rPr lang="pt-BR" dirty="0" err="1"/>
-              <a:t>similarities</a:t>
-            </a:r>
-            <a:r>
-              <a:rPr lang="pt-BR" dirty="0"/>
-              <a:t> in </a:t>
-            </a:r>
-            <a:r>
-              <a:rPr lang="pt-BR" dirty="0" err="1"/>
-              <a:t>their</a:t>
-            </a:r>
-            <a:r>
-              <a:rPr lang="pt-BR" dirty="0"/>
-              <a:t> </a:t>
-            </a:r>
-            <a:r>
-              <a:rPr lang="pt-BR" dirty="0" err="1"/>
-              <a:t>most</a:t>
-            </a:r>
-            <a:r>
-              <a:rPr lang="pt-BR" dirty="0"/>
-              <a:t> common </a:t>
-            </a:r>
-            <a:r>
-              <a:rPr lang="pt-BR" dirty="0" err="1"/>
-              <a:t>venues</a:t>
-            </a:r>
-            <a:r>
-              <a:rPr lang="pt-BR" dirty="0"/>
-              <a:t> </a:t>
-            </a:r>
-            <a:r>
-              <a:rPr lang="pt-BR" dirty="0" err="1"/>
-              <a:t>that</a:t>
-            </a:r>
-            <a:r>
-              <a:rPr lang="pt-BR" dirty="0"/>
-              <a:t> </a:t>
-            </a:r>
-            <a:r>
-              <a:rPr lang="pt-BR" dirty="0" err="1"/>
-              <a:t>the</a:t>
-            </a:r>
-            <a:r>
-              <a:rPr lang="pt-BR" dirty="0"/>
-              <a:t> </a:t>
-            </a:r>
-            <a:r>
-              <a:rPr lang="pt-BR" dirty="0" err="1"/>
-              <a:t>algorithm</a:t>
-            </a:r>
-            <a:r>
-              <a:rPr lang="pt-BR" dirty="0"/>
-              <a:t> </a:t>
-            </a:r>
-            <a:r>
-              <a:rPr lang="pt-BR" dirty="0" err="1"/>
-              <a:t>did</a:t>
-            </a:r>
-            <a:r>
-              <a:rPr lang="pt-BR" dirty="0"/>
-              <a:t> </a:t>
-            </a:r>
-            <a:r>
-              <a:rPr lang="pt-BR" dirty="0" err="1"/>
-              <a:t>not</a:t>
-            </a:r>
-            <a:r>
-              <a:rPr lang="pt-BR" dirty="0"/>
-              <a:t> </a:t>
-            </a:r>
-            <a:r>
-              <a:rPr lang="pt-BR" dirty="0" err="1"/>
-              <a:t>recognize</a:t>
-            </a:r>
-            <a:r>
-              <a:rPr lang="pt-BR" dirty="0"/>
-              <a:t>. </a:t>
-            </a:r>
-            <a:endParaRPr lang="en-US" dirty="0"/>
-          </a:p>
-        </p:txBody>
-      </p:sp>
-      <p:sp>
-        <p:nvSpPr>
-          <p:cNvPr id="9" name="Google Shape;168;p23">
-            <a:extLst>
-              <a:ext uri="{FF2B5EF4-FFF2-40B4-BE49-F238E27FC236}">
-                <a16:creationId xmlns:a16="http://schemas.microsoft.com/office/drawing/2014/main" id="{935C510F-380B-4568-9CEE-21D47ACEDB9F}"/>
+                <a16:creationId xmlns:a16="http://schemas.microsoft.com/office/drawing/2014/main" id="{197EE014-E5FE-47FF-8244-ECB6D9E13D8F}"/>
               </a:ext>
             </a:extLst>
           </p:cNvPr>
@@ -8228,128 +6330,13 @@
         </p:nvSpPr>
         <p:spPr>
           <a:xfrm>
-            <a:off x="1832553" y="2029333"/>
-            <a:ext cx="1435816" cy="1449152"/>
-          </a:xfrm>
-          <a:prstGeom prst="ellipse">
+            <a:off x="5873834" y="1200150"/>
+            <a:ext cx="2013098" cy="2339163"/>
+          </a:xfrm>
+          <a:prstGeom prst="rect">
             <a:avLst/>
           </a:prstGeom>
           <a:noFill/>
-          <a:ln w="9525" cap="flat" cmpd="sng">
-            <a:solidFill>
-              <a:srgbClr val="92D050"/>
-            </a:solidFill>
-            <a:prstDash val="dash"/>
-            <a:round/>
-            <a:headEnd type="none" w="sm" len="sm"/>
-            <a:tailEnd type="none" w="sm" len="sm"/>
-          </a:ln>
-        </p:spPr>
-        <p:txBody>
-          <a:bodyPr spcFirstLastPara="1" wrap="square" lIns="91425" tIns="91425" rIns="91425" bIns="91425" anchor="ctr" anchorCtr="0">
-            <a:noAutofit/>
-          </a:bodyPr>
-          <a:lstStyle/>
-          <a:p>
-            <a:pPr marL="0" lvl="0" indent="0" algn="ctr" rtl="0">
-              <a:spcBef>
-                <a:spcPts val="0"/>
-              </a:spcBef>
-              <a:spcAft>
-                <a:spcPts val="0"/>
-              </a:spcAft>
-              <a:buNone/>
-            </a:pPr>
-            <a:endParaRPr dirty="0">
-              <a:solidFill>
-                <a:schemeClr val="dk2"/>
-              </a:solidFill>
-              <a:latin typeface="Source Sans Pro"/>
-              <a:ea typeface="Source Sans Pro"/>
-              <a:cs typeface="Source Sans Pro"/>
-              <a:sym typeface="Source Sans Pro"/>
-            </a:endParaRPr>
-          </a:p>
-        </p:txBody>
-      </p:sp>
-      <p:sp>
-        <p:nvSpPr>
-          <p:cNvPr id="10" name="Google Shape;169;p23">
-            <a:extLst>
-              <a:ext uri="{FF2B5EF4-FFF2-40B4-BE49-F238E27FC236}">
-                <a16:creationId xmlns:a16="http://schemas.microsoft.com/office/drawing/2014/main" id="{19B8CBF5-A677-4AD0-B1A9-C1E3DEF75CD1}"/>
-              </a:ext>
-            </a:extLst>
-          </p:cNvPr>
-          <p:cNvSpPr/>
-          <p:nvPr/>
-        </p:nvSpPr>
-        <p:spPr>
-          <a:xfrm>
-            <a:off x="841118" y="1968073"/>
-            <a:ext cx="1435816" cy="1449152"/>
-          </a:xfrm>
-          <a:prstGeom prst="ellipse">
-            <a:avLst/>
-          </a:prstGeom>
-          <a:noFill/>
-          <a:ln w="9525" cap="flat" cmpd="sng">
-            <a:solidFill>
-              <a:srgbClr val="FFC000"/>
-            </a:solidFill>
-            <a:prstDash val="dash"/>
-            <a:round/>
-            <a:headEnd type="none" w="sm" len="sm"/>
-            <a:tailEnd type="none" w="sm" len="sm"/>
-          </a:ln>
-        </p:spPr>
-        <p:txBody>
-          <a:bodyPr spcFirstLastPara="1" wrap="square" lIns="91425" tIns="91425" rIns="91425" bIns="91425" anchor="ctr" anchorCtr="0">
-            <a:noAutofit/>
-          </a:bodyPr>
-          <a:lstStyle/>
-          <a:p>
-            <a:pPr marL="0" lvl="0" indent="0" algn="ctr" rtl="0">
-              <a:spcBef>
-                <a:spcPts val="0"/>
-              </a:spcBef>
-              <a:spcAft>
-                <a:spcPts val="0"/>
-              </a:spcAft>
-              <a:buNone/>
-            </a:pPr>
-            <a:endParaRPr dirty="0">
-              <a:solidFill>
-                <a:schemeClr val="dk2"/>
-              </a:solidFill>
-              <a:latin typeface="Source Sans Pro"/>
-              <a:ea typeface="Source Sans Pro"/>
-              <a:cs typeface="Source Sans Pro"/>
-              <a:sym typeface="Source Sans Pro"/>
-            </a:endParaRPr>
-          </a:p>
-        </p:txBody>
-      </p:sp>
-      <p:sp>
-        <p:nvSpPr>
-          <p:cNvPr id="3" name="CaixaDeTexto 2">
-            <a:extLst>
-              <a:ext uri="{FF2B5EF4-FFF2-40B4-BE49-F238E27FC236}">
-                <a16:creationId xmlns:a16="http://schemas.microsoft.com/office/drawing/2014/main" id="{52550EED-72BA-43DF-8034-96241DE969BE}"/>
-              </a:ext>
-            </a:extLst>
-          </p:cNvPr>
-          <p:cNvSpPr txBox="1"/>
-          <p:nvPr/>
-        </p:nvSpPr>
-        <p:spPr>
-          <a:xfrm>
-            <a:off x="3657600" y="2124807"/>
-            <a:ext cx="1435816" cy="969496"/>
-          </a:xfrm>
-          <a:prstGeom prst="rect">
-            <a:avLst/>
-          </a:prstGeom>
         </p:spPr>
         <p:style>
           <a:lnRef idx="2">
@@ -8366,90 +6353,20 @@
           </a:fontRef>
         </p:style>
         <p:txBody>
-          <a:bodyPr wrap="square" rtlCol="0">
-            <a:spAutoFit/>
-          </a:bodyPr>
+          <a:bodyPr rtlCol="0" anchor="ctr"/>
           <a:lstStyle/>
           <a:p>
-            <a:pPr marL="171450" indent="-171450">
-              <a:buFont typeface="Arial" panose="020B0604020202020204" pitchFamily="34" charset="0"/>
-              <a:buChar char="•"/>
-            </a:pPr>
-            <a:r>
-              <a:rPr lang="pt-BR" sz="1050" dirty="0" err="1"/>
-              <a:t>Trails</a:t>
-            </a:r>
-            <a:endParaRPr lang="pt-BR" sz="1050" dirty="0"/>
-          </a:p>
-          <a:p>
-            <a:pPr marL="171450" indent="-171450">
-              <a:buFont typeface="Arial" panose="020B0604020202020204" pitchFamily="34" charset="0"/>
-              <a:buChar char="•"/>
-            </a:pPr>
-            <a:endParaRPr lang="pt-BR" sz="500" dirty="0"/>
-          </a:p>
-          <a:p>
-            <a:pPr marL="171450" indent="-171450">
-              <a:buFont typeface="Arial" panose="020B0604020202020204" pitchFamily="34" charset="0"/>
-              <a:buChar char="•"/>
-            </a:pPr>
-            <a:r>
-              <a:rPr lang="pt-BR" sz="1050" dirty="0"/>
-              <a:t>Parks</a:t>
-            </a:r>
-          </a:p>
-          <a:p>
-            <a:pPr marL="171450" indent="-171450">
-              <a:buFont typeface="Arial" panose="020B0604020202020204" pitchFamily="34" charset="0"/>
-              <a:buChar char="•"/>
-            </a:pPr>
-            <a:endParaRPr lang="pt-BR" sz="500" dirty="0"/>
-          </a:p>
-          <a:p>
-            <a:pPr marL="171450" indent="-171450">
-              <a:buFont typeface="Arial" panose="020B0604020202020204" pitchFamily="34" charset="0"/>
-              <a:buChar char="•"/>
-            </a:pPr>
-            <a:r>
-              <a:rPr lang="pt-BR" sz="1050" dirty="0"/>
-              <a:t>Food </a:t>
-            </a:r>
-            <a:r>
-              <a:rPr lang="pt-BR" sz="1050" dirty="0" err="1"/>
-              <a:t>Venues</a:t>
-            </a:r>
-            <a:endParaRPr lang="pt-BR" sz="1050" dirty="0"/>
-          </a:p>
-          <a:p>
-            <a:pPr marL="171450" indent="-171450">
-              <a:buFont typeface="Arial" panose="020B0604020202020204" pitchFamily="34" charset="0"/>
-              <a:buChar char="•"/>
-            </a:pPr>
-            <a:endParaRPr lang="pt-BR" sz="500" dirty="0"/>
-          </a:p>
-          <a:p>
-            <a:pPr marL="171450" indent="-171450">
-              <a:buFont typeface="Arial" panose="020B0604020202020204" pitchFamily="34" charset="0"/>
-              <a:buChar char="•"/>
-            </a:pPr>
-            <a:r>
-              <a:rPr lang="pt-BR" sz="1050" dirty="0"/>
-              <a:t>Yoga </a:t>
-            </a:r>
-            <a:r>
-              <a:rPr lang="pt-BR" sz="1050" dirty="0" err="1"/>
-              <a:t>Studios</a:t>
-            </a:r>
-            <a:endParaRPr lang="en-US" sz="1050" dirty="0"/>
+            <a:pPr algn="ctr"/>
+            <a:endParaRPr lang="en-US"/>
           </a:p>
         </p:txBody>
       </p:sp>
       <p:sp>
         <p:nvSpPr>
-          <p:cNvPr id="11" name="Seta: para a Direita 10">
+          <p:cNvPr id="3" name="Seta: para Baixo 2">
             <a:extLst>
               <a:ext uri="{FF2B5EF4-FFF2-40B4-BE49-F238E27FC236}">
-                <a16:creationId xmlns:a16="http://schemas.microsoft.com/office/drawing/2014/main" id="{B86C3E4A-A7AC-4943-B57A-7BF208D6D5BE}"/>
+                <a16:creationId xmlns:a16="http://schemas.microsoft.com/office/drawing/2014/main" id="{E60A286C-E429-43FA-984A-A657A22363E5}"/>
               </a:ext>
             </a:extLst>
           </p:cNvPr>
@@ -8458,10 +6375,10 @@
         </p:nvSpPr>
         <p:spPr>
           <a:xfrm>
-            <a:off x="5368504" y="2736112"/>
-            <a:ext cx="645041" cy="460744"/>
-          </a:xfrm>
-          <a:prstGeom prst="rightArrow">
+            <a:off x="6741042" y="3539313"/>
+            <a:ext cx="276446" cy="404037"/>
+          </a:xfrm>
+          <a:prstGeom prst="downArrow">
             <a:avLst/>
           </a:prstGeom>
         </p:spPr>
@@ -8492,927 +6409,6 @@
       </p:sp>
       <p:sp>
         <p:nvSpPr>
-          <p:cNvPr id="16" name="Google Shape;168;p23">
-            <a:extLst>
-              <a:ext uri="{FF2B5EF4-FFF2-40B4-BE49-F238E27FC236}">
-                <a16:creationId xmlns:a16="http://schemas.microsoft.com/office/drawing/2014/main" id="{74DB2DC6-72A4-4899-8796-C4F9DB3B9B15}"/>
-              </a:ext>
-            </a:extLst>
-          </p:cNvPr>
-          <p:cNvSpPr/>
-          <p:nvPr/>
-        </p:nvSpPr>
-        <p:spPr>
-          <a:xfrm>
-            <a:off x="6288634" y="1852800"/>
-            <a:ext cx="2390100" cy="2412300"/>
-          </a:xfrm>
-          <a:prstGeom prst="ellipse">
-            <a:avLst/>
-          </a:prstGeom>
-          <a:noFill/>
-          <a:ln w="9525" cap="flat" cmpd="sng">
-            <a:solidFill>
-              <a:schemeClr val="accent1"/>
-            </a:solidFill>
-            <a:prstDash val="dash"/>
-            <a:round/>
-            <a:headEnd type="none" w="sm" len="sm"/>
-            <a:tailEnd type="none" w="sm" len="sm"/>
-          </a:ln>
-        </p:spPr>
-        <p:txBody>
-          <a:bodyPr spcFirstLastPara="1" wrap="square" lIns="91425" tIns="91425" rIns="91425" bIns="91425" anchor="ctr" anchorCtr="0">
-            <a:noAutofit/>
-          </a:bodyPr>
-          <a:lstStyle/>
-          <a:p>
-            <a:pPr marL="0" lvl="0" indent="0" algn="ctr" rtl="0">
-              <a:spcBef>
-                <a:spcPts val="0"/>
-              </a:spcBef>
-              <a:spcAft>
-                <a:spcPts val="0"/>
-              </a:spcAft>
-              <a:buNone/>
-            </a:pPr>
-            <a:endParaRPr dirty="0">
-              <a:solidFill>
-                <a:schemeClr val="dk2"/>
-              </a:solidFill>
-              <a:latin typeface="Source Sans Pro"/>
-              <a:ea typeface="Source Sans Pro"/>
-              <a:cs typeface="Source Sans Pro"/>
-              <a:sym typeface="Source Sans Pro"/>
-            </a:endParaRPr>
-          </a:p>
-        </p:txBody>
-      </p:sp>
-      <p:sp>
-        <p:nvSpPr>
-          <p:cNvPr id="15" name="CaixaDeTexto 14">
-            <a:extLst>
-              <a:ext uri="{FF2B5EF4-FFF2-40B4-BE49-F238E27FC236}">
-                <a16:creationId xmlns:a16="http://schemas.microsoft.com/office/drawing/2014/main" id="{A8168D0D-73A2-48DC-BAB3-B8BF3C2F5CF8}"/>
-              </a:ext>
-            </a:extLst>
-          </p:cNvPr>
-          <p:cNvSpPr txBox="1"/>
-          <p:nvPr/>
-        </p:nvSpPr>
-        <p:spPr>
-          <a:xfrm>
-            <a:off x="1034903" y="1566288"/>
-            <a:ext cx="914400" cy="307777"/>
-          </a:xfrm>
-          <a:prstGeom prst="rect">
-            <a:avLst/>
-          </a:prstGeom>
-          <a:noFill/>
-        </p:spPr>
-        <p:txBody>
-          <a:bodyPr wrap="square" rtlCol="0">
-            <a:spAutoFit/>
-          </a:bodyPr>
-          <a:lstStyle/>
-          <a:p>
-            <a:r>
-              <a:rPr lang="pt-BR" dirty="0"/>
-              <a:t>Cluster 2</a:t>
-            </a:r>
-            <a:endParaRPr lang="en-US" dirty="0"/>
-          </a:p>
-        </p:txBody>
-      </p:sp>
-      <p:sp>
-        <p:nvSpPr>
-          <p:cNvPr id="17" name="CaixaDeTexto 16">
-            <a:extLst>
-              <a:ext uri="{FF2B5EF4-FFF2-40B4-BE49-F238E27FC236}">
-                <a16:creationId xmlns:a16="http://schemas.microsoft.com/office/drawing/2014/main" id="{258A2479-A00A-4759-B57A-E32FEABBD87D}"/>
-              </a:ext>
-            </a:extLst>
-          </p:cNvPr>
-          <p:cNvSpPr txBox="1"/>
-          <p:nvPr/>
-        </p:nvSpPr>
-        <p:spPr>
-          <a:xfrm>
-            <a:off x="2106079" y="1566288"/>
-            <a:ext cx="985284" cy="307777"/>
-          </a:xfrm>
-          <a:prstGeom prst="rect">
-            <a:avLst/>
-          </a:prstGeom>
-          <a:noFill/>
-        </p:spPr>
-        <p:txBody>
-          <a:bodyPr wrap="square" rtlCol="0">
-            <a:spAutoFit/>
-          </a:bodyPr>
-          <a:lstStyle/>
-          <a:p>
-            <a:r>
-              <a:rPr lang="pt-BR" dirty="0"/>
-              <a:t>Cluster 3</a:t>
-            </a:r>
-            <a:endParaRPr lang="en-US" dirty="0"/>
-          </a:p>
-        </p:txBody>
-      </p:sp>
-      <p:sp>
-        <p:nvSpPr>
-          <p:cNvPr id="19" name="Google Shape;168;p23">
-            <a:extLst>
-              <a:ext uri="{FF2B5EF4-FFF2-40B4-BE49-F238E27FC236}">
-                <a16:creationId xmlns:a16="http://schemas.microsoft.com/office/drawing/2014/main" id="{1CE4C5E0-A188-4388-BF85-6898976BF605}"/>
-              </a:ext>
-            </a:extLst>
-          </p:cNvPr>
-          <p:cNvSpPr/>
-          <p:nvPr/>
-        </p:nvSpPr>
-        <p:spPr>
-          <a:xfrm>
-            <a:off x="1388171" y="2692649"/>
-            <a:ext cx="1435816" cy="1449152"/>
-          </a:xfrm>
-          <a:prstGeom prst="ellipse">
-            <a:avLst/>
-          </a:prstGeom>
-          <a:noFill/>
-          <a:ln w="9525" cap="flat" cmpd="sng">
-            <a:solidFill>
-              <a:srgbClr val="FF0000"/>
-            </a:solidFill>
-            <a:prstDash val="dash"/>
-            <a:round/>
-            <a:headEnd type="none" w="sm" len="sm"/>
-            <a:tailEnd type="none" w="sm" len="sm"/>
-          </a:ln>
-        </p:spPr>
-        <p:txBody>
-          <a:bodyPr spcFirstLastPara="1" wrap="square" lIns="91425" tIns="91425" rIns="91425" bIns="91425" anchor="ctr" anchorCtr="0">
-            <a:noAutofit/>
-          </a:bodyPr>
-          <a:lstStyle/>
-          <a:p>
-            <a:pPr marL="0" lvl="0" indent="0" algn="ctr" rtl="0">
-              <a:spcBef>
-                <a:spcPts val="0"/>
-              </a:spcBef>
-              <a:spcAft>
-                <a:spcPts val="0"/>
-              </a:spcAft>
-              <a:buNone/>
-            </a:pPr>
-            <a:endParaRPr dirty="0">
-              <a:solidFill>
-                <a:schemeClr val="dk2"/>
-              </a:solidFill>
-              <a:latin typeface="Source Sans Pro"/>
-              <a:ea typeface="Source Sans Pro"/>
-              <a:cs typeface="Source Sans Pro"/>
-              <a:sym typeface="Source Sans Pro"/>
-            </a:endParaRPr>
-          </a:p>
-        </p:txBody>
-      </p:sp>
-      <p:sp>
-        <p:nvSpPr>
-          <p:cNvPr id="20" name="CaixaDeTexto 19">
-            <a:extLst>
-              <a:ext uri="{FF2B5EF4-FFF2-40B4-BE49-F238E27FC236}">
-                <a16:creationId xmlns:a16="http://schemas.microsoft.com/office/drawing/2014/main" id="{0D719AFE-8760-4E6F-9871-1D6BA50C665C}"/>
-              </a:ext>
-            </a:extLst>
-          </p:cNvPr>
-          <p:cNvSpPr txBox="1"/>
-          <p:nvPr/>
-        </p:nvSpPr>
-        <p:spPr>
-          <a:xfrm>
-            <a:off x="1559026" y="4265100"/>
-            <a:ext cx="985284" cy="307777"/>
-          </a:xfrm>
-          <a:prstGeom prst="rect">
-            <a:avLst/>
-          </a:prstGeom>
-          <a:noFill/>
-        </p:spPr>
-        <p:txBody>
-          <a:bodyPr wrap="square" rtlCol="0">
-            <a:spAutoFit/>
-          </a:bodyPr>
-          <a:lstStyle/>
-          <a:p>
-            <a:r>
-              <a:rPr lang="pt-BR" dirty="0"/>
-              <a:t>Cluster 4</a:t>
-            </a:r>
-            <a:endParaRPr lang="en-US" dirty="0"/>
-          </a:p>
-        </p:txBody>
-      </p:sp>
-      <p:cxnSp>
-        <p:nvCxnSpPr>
-          <p:cNvPr id="21" name="Conector de Seta Reta 20">
-            <a:extLst>
-              <a:ext uri="{FF2B5EF4-FFF2-40B4-BE49-F238E27FC236}">
-                <a16:creationId xmlns:a16="http://schemas.microsoft.com/office/drawing/2014/main" id="{653A09C2-D775-41D3-A88C-12D312EDC114}"/>
-              </a:ext>
-            </a:extLst>
-          </p:cNvPr>
-          <p:cNvCxnSpPr>
-            <a:cxnSpLocks/>
-          </p:cNvCxnSpPr>
-          <p:nvPr/>
-        </p:nvCxnSpPr>
-        <p:spPr>
-          <a:xfrm flipV="1">
-            <a:off x="2106079" y="2609555"/>
-            <a:ext cx="1400944" cy="356929"/>
-          </a:xfrm>
-          <a:prstGeom prst="straightConnector1">
-            <a:avLst/>
-          </a:prstGeom>
-          <a:ln>
-            <a:tailEnd type="triangle"/>
-          </a:ln>
-        </p:spPr>
-        <p:style>
-          <a:lnRef idx="1">
-            <a:schemeClr val="accent1"/>
-          </a:lnRef>
-          <a:fillRef idx="0">
-            <a:schemeClr val="accent1"/>
-          </a:fillRef>
-          <a:effectRef idx="0">
-            <a:schemeClr val="accent1"/>
-          </a:effectRef>
-          <a:fontRef idx="minor">
-            <a:schemeClr val="tx1"/>
-          </a:fontRef>
-        </p:style>
-      </p:cxnSp>
-      <p:sp>
-        <p:nvSpPr>
-          <p:cNvPr id="24" name="CaixaDeTexto 23">
-            <a:extLst>
-              <a:ext uri="{FF2B5EF4-FFF2-40B4-BE49-F238E27FC236}">
-                <a16:creationId xmlns:a16="http://schemas.microsoft.com/office/drawing/2014/main" id="{9320FF11-5C3F-4AC7-B511-D57E98934C04}"/>
-              </a:ext>
-            </a:extLst>
-          </p:cNvPr>
-          <p:cNvSpPr txBox="1"/>
-          <p:nvPr/>
-        </p:nvSpPr>
-        <p:spPr>
-          <a:xfrm>
-            <a:off x="6803653" y="1491183"/>
-            <a:ext cx="1360061" cy="307777"/>
-          </a:xfrm>
-          <a:prstGeom prst="rect">
-            <a:avLst/>
-          </a:prstGeom>
-          <a:noFill/>
-        </p:spPr>
-        <p:txBody>
-          <a:bodyPr wrap="square" rtlCol="0">
-            <a:spAutoFit/>
-          </a:bodyPr>
-          <a:lstStyle/>
-          <a:p>
-            <a:r>
-              <a:rPr lang="pt-BR" dirty="0"/>
-              <a:t>Final Cluster 2</a:t>
-            </a:r>
-            <a:endParaRPr lang="en-US" dirty="0"/>
-          </a:p>
-        </p:txBody>
-      </p:sp>
-      <p:sp>
-        <p:nvSpPr>
-          <p:cNvPr id="25" name="Google Shape;168;p23">
-            <a:extLst>
-              <a:ext uri="{FF2B5EF4-FFF2-40B4-BE49-F238E27FC236}">
-                <a16:creationId xmlns:a16="http://schemas.microsoft.com/office/drawing/2014/main" id="{509DE064-5A7E-4CD7-9B5A-2B8D89B937DE}"/>
-              </a:ext>
-            </a:extLst>
-          </p:cNvPr>
-          <p:cNvSpPr/>
-          <p:nvPr/>
-        </p:nvSpPr>
-        <p:spPr>
-          <a:xfrm>
-            <a:off x="7495538" y="2203207"/>
-            <a:ext cx="835864" cy="843628"/>
-          </a:xfrm>
-          <a:prstGeom prst="ellipse">
-            <a:avLst/>
-          </a:prstGeom>
-          <a:noFill/>
-          <a:ln w="9525" cap="flat" cmpd="sng">
-            <a:solidFill>
-              <a:srgbClr val="92D050"/>
-            </a:solidFill>
-            <a:prstDash val="dash"/>
-            <a:round/>
-            <a:headEnd type="none" w="sm" len="sm"/>
-            <a:tailEnd type="none" w="sm" len="sm"/>
-          </a:ln>
-        </p:spPr>
-        <p:txBody>
-          <a:bodyPr spcFirstLastPara="1" wrap="square" lIns="91425" tIns="91425" rIns="91425" bIns="91425" anchor="ctr" anchorCtr="0">
-            <a:noAutofit/>
-          </a:bodyPr>
-          <a:lstStyle/>
-          <a:p>
-            <a:pPr marL="0" lvl="0" indent="0" algn="ctr" rtl="0">
-              <a:spcBef>
-                <a:spcPts val="0"/>
-              </a:spcBef>
-              <a:spcAft>
-                <a:spcPts val="0"/>
-              </a:spcAft>
-              <a:buNone/>
-            </a:pPr>
-            <a:endParaRPr dirty="0">
-              <a:solidFill>
-                <a:schemeClr val="dk2"/>
-              </a:solidFill>
-              <a:latin typeface="Source Sans Pro"/>
-              <a:ea typeface="Source Sans Pro"/>
-              <a:cs typeface="Source Sans Pro"/>
-              <a:sym typeface="Source Sans Pro"/>
-            </a:endParaRPr>
-          </a:p>
-        </p:txBody>
-      </p:sp>
-      <p:sp>
-        <p:nvSpPr>
-          <p:cNvPr id="26" name="Google Shape;169;p23">
-            <a:extLst>
-              <a:ext uri="{FF2B5EF4-FFF2-40B4-BE49-F238E27FC236}">
-                <a16:creationId xmlns:a16="http://schemas.microsoft.com/office/drawing/2014/main" id="{62FFD12C-9B1E-4158-AA69-C4F3FA4076A1}"/>
-              </a:ext>
-            </a:extLst>
-          </p:cNvPr>
-          <p:cNvSpPr/>
-          <p:nvPr/>
-        </p:nvSpPr>
-        <p:spPr>
-          <a:xfrm>
-            <a:off x="6502350" y="2571750"/>
-            <a:ext cx="835864" cy="843628"/>
-          </a:xfrm>
-          <a:prstGeom prst="ellipse">
-            <a:avLst/>
-          </a:prstGeom>
-          <a:noFill/>
-          <a:ln w="9525" cap="flat" cmpd="sng">
-            <a:solidFill>
-              <a:srgbClr val="FFC000"/>
-            </a:solidFill>
-            <a:prstDash val="dash"/>
-            <a:round/>
-            <a:headEnd type="none" w="sm" len="sm"/>
-            <a:tailEnd type="none" w="sm" len="sm"/>
-          </a:ln>
-        </p:spPr>
-        <p:txBody>
-          <a:bodyPr spcFirstLastPara="1" wrap="square" lIns="91425" tIns="91425" rIns="91425" bIns="91425" anchor="ctr" anchorCtr="0">
-            <a:noAutofit/>
-          </a:bodyPr>
-          <a:lstStyle/>
-          <a:p>
-            <a:pPr marL="0" lvl="0" indent="0" algn="ctr" rtl="0">
-              <a:spcBef>
-                <a:spcPts val="0"/>
-              </a:spcBef>
-              <a:spcAft>
-                <a:spcPts val="0"/>
-              </a:spcAft>
-              <a:buNone/>
-            </a:pPr>
-            <a:endParaRPr dirty="0">
-              <a:solidFill>
-                <a:schemeClr val="dk2"/>
-              </a:solidFill>
-              <a:latin typeface="Source Sans Pro"/>
-              <a:ea typeface="Source Sans Pro"/>
-              <a:cs typeface="Source Sans Pro"/>
-              <a:sym typeface="Source Sans Pro"/>
-            </a:endParaRPr>
-          </a:p>
-        </p:txBody>
-      </p:sp>
-      <p:sp>
-        <p:nvSpPr>
-          <p:cNvPr id="27" name="Google Shape;168;p23">
-            <a:extLst>
-              <a:ext uri="{FF2B5EF4-FFF2-40B4-BE49-F238E27FC236}">
-                <a16:creationId xmlns:a16="http://schemas.microsoft.com/office/drawing/2014/main" id="{083A220B-2035-42C8-B4D6-0BA9C31C8EF5}"/>
-              </a:ext>
-            </a:extLst>
-          </p:cNvPr>
-          <p:cNvSpPr/>
-          <p:nvPr/>
-        </p:nvSpPr>
-        <p:spPr>
-          <a:xfrm>
-            <a:off x="7280069" y="3235940"/>
-            <a:ext cx="835864" cy="843628"/>
-          </a:xfrm>
-          <a:prstGeom prst="ellipse">
-            <a:avLst/>
-          </a:prstGeom>
-          <a:noFill/>
-          <a:ln w="9525" cap="flat" cmpd="sng">
-            <a:solidFill>
-              <a:srgbClr val="FF0000"/>
-            </a:solidFill>
-            <a:prstDash val="dash"/>
-            <a:round/>
-            <a:headEnd type="none" w="sm" len="sm"/>
-            <a:tailEnd type="none" w="sm" len="sm"/>
-          </a:ln>
-        </p:spPr>
-        <p:txBody>
-          <a:bodyPr spcFirstLastPara="1" wrap="square" lIns="91425" tIns="91425" rIns="91425" bIns="91425" anchor="ctr" anchorCtr="0">
-            <a:noAutofit/>
-          </a:bodyPr>
-          <a:lstStyle/>
-          <a:p>
-            <a:pPr marL="0" lvl="0" indent="0" algn="ctr" rtl="0">
-              <a:spcBef>
-                <a:spcPts val="0"/>
-              </a:spcBef>
-              <a:spcAft>
-                <a:spcPts val="0"/>
-              </a:spcAft>
-              <a:buNone/>
-            </a:pPr>
-            <a:endParaRPr dirty="0">
-              <a:solidFill>
-                <a:schemeClr val="dk2"/>
-              </a:solidFill>
-              <a:latin typeface="Source Sans Pro"/>
-              <a:ea typeface="Source Sans Pro"/>
-              <a:cs typeface="Source Sans Pro"/>
-              <a:sym typeface="Source Sans Pro"/>
-            </a:endParaRPr>
-          </a:p>
-        </p:txBody>
-      </p:sp>
-      <p:pic>
-        <p:nvPicPr>
-          <p:cNvPr id="1028" name="Picture 4" descr="Number, three, in, a, circle Free Icon of Metrize Icons">
-            <a:extLst>
-              <a:ext uri="{FF2B5EF4-FFF2-40B4-BE49-F238E27FC236}">
-                <a16:creationId xmlns:a16="http://schemas.microsoft.com/office/drawing/2014/main" id="{EECC20CB-9826-4375-92E0-05E3475B93E2}"/>
-              </a:ext>
-            </a:extLst>
-          </p:cNvPr>
-          <p:cNvPicPr>
-            <a:picLocks noChangeAspect="1" noChangeArrowheads="1"/>
-          </p:cNvPicPr>
-          <p:nvPr/>
-        </p:nvPicPr>
-        <p:blipFill>
-          <a:blip r:embed="rId3">
-            <a:extLst>
-              <a:ext uri="{28A0092B-C50C-407E-A947-70E740481C1C}">
-                <a14:useLocalDpi xmlns:a14="http://schemas.microsoft.com/office/drawing/2010/main" val="0"/>
-              </a:ext>
-            </a:extLst>
-          </a:blip>
-          <a:srcRect/>
-          <a:stretch>
-            <a:fillRect/>
-          </a:stretch>
-        </p:blipFill>
-        <p:spPr bwMode="auto">
-          <a:xfrm>
-            <a:off x="4358739" y="64569"/>
-            <a:ext cx="426521" cy="426521"/>
-          </a:xfrm>
-          <a:prstGeom prst="rect">
-            <a:avLst/>
-          </a:prstGeom>
-          <a:noFill/>
-          <a:extLst>
-            <a:ext uri="{909E8E84-426E-40DD-AFC4-6F175D3DCCD1}">
-              <a14:hiddenFill xmlns:a14="http://schemas.microsoft.com/office/drawing/2010/main">
-                <a:solidFill>
-                  <a:srgbClr val="FFFFFF"/>
-                </a:solidFill>
-              </a14:hiddenFill>
-            </a:ext>
-          </a:extLst>
-        </p:spPr>
-      </p:pic>
-    </p:spTree>
-    <p:extLst>
-      <p:ext uri="{BB962C8B-B14F-4D97-AF65-F5344CB8AC3E}">
-        <p14:creationId xmlns:p14="http://schemas.microsoft.com/office/powerpoint/2010/main" val="2612848140"/>
-      </p:ext>
-    </p:extLst>
-  </p:cSld>
-  <p:clrMapOvr>
-    <a:masterClrMapping/>
-  </p:clrMapOvr>
-</p:sld>
-</file>
-
-<file path=ppt/slides/slide13.xml><?xml version="1.0" encoding="utf-8"?>
-<p:sld xmlns:a="http://schemas.openxmlformats.org/drawingml/2006/main" xmlns:r="http://schemas.openxmlformats.org/officeDocument/2006/relationships" xmlns:p="http://schemas.openxmlformats.org/presentationml/2006/main">
-  <p:cSld>
-    <p:spTree>
-      <p:nvGrpSpPr>
-        <p:cNvPr id="1" name="Shape 139"/>
-        <p:cNvGrpSpPr/>
-        <p:nvPr/>
-      </p:nvGrpSpPr>
-      <p:grpSpPr>
-        <a:xfrm>
-          <a:off x="0" y="0"/>
-          <a:ext cx="0" cy="0"/>
-          <a:chOff x="0" y="0"/>
-          <a:chExt cx="0" cy="0"/>
-        </a:xfrm>
-      </p:grpSpPr>
-      <p:sp>
-        <p:nvSpPr>
-          <p:cNvPr id="140" name="Google Shape;140;p20"/>
-          <p:cNvSpPr txBox="1">
-            <a:spLocks noGrp="1"/>
-          </p:cNvSpPr>
-          <p:nvPr>
-            <p:ph type="title"/>
-          </p:nvPr>
-        </p:nvSpPr>
-        <p:spPr>
-          <a:xfrm>
-            <a:off x="786150" y="308120"/>
-            <a:ext cx="7571700" cy="702600"/>
-          </a:xfrm>
-          <a:prstGeom prst="rect">
-            <a:avLst/>
-          </a:prstGeom>
-        </p:spPr>
-        <p:txBody>
-          <a:bodyPr spcFirstLastPara="1" wrap="square" lIns="91425" tIns="91425" rIns="91425" bIns="91425" anchor="b" anchorCtr="0">
-            <a:noAutofit/>
-          </a:bodyPr>
-          <a:lstStyle/>
-          <a:p>
-            <a:pPr marL="0" lvl="0" indent="0" algn="l" rtl="0">
-              <a:spcBef>
-                <a:spcPts val="0"/>
-              </a:spcBef>
-              <a:spcAft>
-                <a:spcPts val="0"/>
-              </a:spcAft>
-              <a:buNone/>
-            </a:pPr>
-            <a:r>
-              <a:rPr lang="en" dirty="0"/>
-              <a:t>Most common venues for the final clusters</a:t>
-            </a:r>
-            <a:endParaRPr dirty="0"/>
-          </a:p>
-        </p:txBody>
-      </p:sp>
-      <p:sp>
-        <p:nvSpPr>
-          <p:cNvPr id="141" name="Google Shape;141;p20"/>
-          <p:cNvSpPr txBox="1">
-            <a:spLocks noGrp="1"/>
-          </p:cNvSpPr>
-          <p:nvPr>
-            <p:ph type="body" idx="1"/>
-          </p:nvPr>
-        </p:nvSpPr>
-        <p:spPr>
-          <a:xfrm>
-            <a:off x="786150" y="1200150"/>
-            <a:ext cx="2419800" cy="3725700"/>
-          </a:xfrm>
-          <a:prstGeom prst="rect">
-            <a:avLst/>
-          </a:prstGeom>
-        </p:spPr>
-        <p:txBody>
-          <a:bodyPr spcFirstLastPara="1" wrap="square" lIns="91425" tIns="91425" rIns="91425" bIns="91425" anchor="t" anchorCtr="0">
-            <a:noAutofit/>
-          </a:bodyPr>
-          <a:lstStyle/>
-          <a:p>
-            <a:pPr marL="0" lvl="0" indent="0" algn="l" rtl="0">
-              <a:spcBef>
-                <a:spcPts val="600"/>
-              </a:spcBef>
-              <a:spcAft>
-                <a:spcPts val="0"/>
-              </a:spcAft>
-              <a:buNone/>
-            </a:pPr>
-            <a:r>
-              <a:rPr lang="en" b="1" dirty="0"/>
-              <a:t>Final Cluster 0</a:t>
-            </a:r>
-          </a:p>
-          <a:p>
-            <a:pPr marL="285750" indent="-285750"/>
-            <a:r>
-              <a:rPr lang="en-US" dirty="0"/>
-              <a:t>Garden</a:t>
-            </a:r>
-          </a:p>
-          <a:p>
-            <a:pPr marL="285750" indent="-285750"/>
-            <a:r>
-              <a:rPr lang="en-US" dirty="0"/>
-              <a:t>Diner</a:t>
-            </a:r>
-          </a:p>
-          <a:p>
-            <a:pPr marL="285750" indent="-285750"/>
-            <a:r>
-              <a:rPr lang="en-US" dirty="0"/>
-              <a:t>Event Space</a:t>
-            </a:r>
-          </a:p>
-        </p:txBody>
-      </p:sp>
-      <p:sp>
-        <p:nvSpPr>
-          <p:cNvPr id="142" name="Google Shape;142;p20"/>
-          <p:cNvSpPr txBox="1">
-            <a:spLocks noGrp="1"/>
-          </p:cNvSpPr>
-          <p:nvPr>
-            <p:ph type="body" idx="2"/>
-          </p:nvPr>
-        </p:nvSpPr>
-        <p:spPr>
-          <a:xfrm>
-            <a:off x="3329992" y="1200150"/>
-            <a:ext cx="2419800" cy="3725700"/>
-          </a:xfrm>
-          <a:prstGeom prst="rect">
-            <a:avLst/>
-          </a:prstGeom>
-        </p:spPr>
-        <p:txBody>
-          <a:bodyPr spcFirstLastPara="1" wrap="square" lIns="91425" tIns="91425" rIns="91425" bIns="91425" anchor="t" anchorCtr="0">
-            <a:noAutofit/>
-          </a:bodyPr>
-          <a:lstStyle/>
-          <a:p>
-            <a:pPr marL="0" lvl="0" indent="0" algn="l" rtl="0">
-              <a:spcBef>
-                <a:spcPts val="600"/>
-              </a:spcBef>
-              <a:spcAft>
-                <a:spcPts val="0"/>
-              </a:spcAft>
-              <a:buNone/>
-            </a:pPr>
-            <a:r>
-              <a:rPr lang="en" b="1" dirty="0"/>
-              <a:t>Final Cluster 1</a:t>
-            </a:r>
-            <a:endParaRPr b="1" dirty="0"/>
-          </a:p>
-          <a:p>
-            <a:pPr marL="285750" indent="-285750"/>
-            <a:r>
-              <a:rPr lang="en" dirty="0"/>
-              <a:t>Coffee shops</a:t>
-            </a:r>
-          </a:p>
-          <a:p>
-            <a:pPr marL="285750" indent="-285750"/>
-            <a:r>
-              <a:rPr lang="en" dirty="0"/>
-              <a:t>Restaurants</a:t>
-            </a:r>
-          </a:p>
-        </p:txBody>
-      </p:sp>
-      <p:sp>
-        <p:nvSpPr>
-          <p:cNvPr id="143" name="Google Shape;143;p20"/>
-          <p:cNvSpPr txBox="1">
-            <a:spLocks noGrp="1"/>
-          </p:cNvSpPr>
-          <p:nvPr>
-            <p:ph type="body" idx="3"/>
-          </p:nvPr>
-        </p:nvSpPr>
-        <p:spPr>
-          <a:xfrm>
-            <a:off x="5873834" y="1200150"/>
-            <a:ext cx="2419800" cy="3725700"/>
-          </a:xfrm>
-          <a:prstGeom prst="rect">
-            <a:avLst/>
-          </a:prstGeom>
-        </p:spPr>
-        <p:txBody>
-          <a:bodyPr spcFirstLastPara="1" wrap="square" lIns="91425" tIns="91425" rIns="91425" bIns="91425" anchor="t" anchorCtr="0">
-            <a:noAutofit/>
-          </a:bodyPr>
-          <a:lstStyle/>
-          <a:p>
-            <a:pPr marL="0" lvl="0" indent="0" algn="l" rtl="0">
-              <a:spcBef>
-                <a:spcPts val="600"/>
-              </a:spcBef>
-              <a:spcAft>
-                <a:spcPts val="0"/>
-              </a:spcAft>
-              <a:buNone/>
-            </a:pPr>
-            <a:r>
-              <a:rPr lang="en" b="1" dirty="0"/>
-              <a:t>Final Cluster 2</a:t>
-            </a:r>
-            <a:endParaRPr b="1" dirty="0"/>
-          </a:p>
-          <a:p>
-            <a:pPr marL="285750" indent="-285750"/>
-            <a:r>
-              <a:rPr lang="pt-BR" dirty="0"/>
-              <a:t>Parks</a:t>
-            </a:r>
-          </a:p>
-          <a:p>
-            <a:pPr marL="285750" indent="-285750"/>
-            <a:r>
-              <a:rPr lang="pt-BR" dirty="0" err="1"/>
-              <a:t>Trails</a:t>
-            </a:r>
-            <a:endParaRPr lang="pt-BR" dirty="0"/>
-          </a:p>
-          <a:p>
-            <a:pPr marL="285750" indent="-285750"/>
-            <a:r>
-              <a:rPr lang="pt-BR" dirty="0"/>
-              <a:t>Playgrounds</a:t>
-            </a:r>
-          </a:p>
-          <a:p>
-            <a:pPr marL="285750" indent="-285750"/>
-            <a:r>
-              <a:rPr lang="pt-BR" dirty="0"/>
-              <a:t>Yoga </a:t>
-            </a:r>
-            <a:r>
-              <a:rPr lang="pt-BR" dirty="0" err="1"/>
-              <a:t>Studios</a:t>
-            </a:r>
-            <a:endParaRPr dirty="0"/>
-          </a:p>
-        </p:txBody>
-      </p:sp>
-      <p:sp>
-        <p:nvSpPr>
-          <p:cNvPr id="144" name="Google Shape;144;p20"/>
-          <p:cNvSpPr txBox="1">
-            <a:spLocks noGrp="1"/>
-          </p:cNvSpPr>
-          <p:nvPr>
-            <p:ph type="sldNum" idx="12"/>
-          </p:nvPr>
-        </p:nvSpPr>
-        <p:spPr>
-          <a:xfrm>
-            <a:off x="8404384" y="4749851"/>
-            <a:ext cx="548700" cy="393600"/>
-          </a:xfrm>
-          <a:prstGeom prst="rect">
-            <a:avLst/>
-          </a:prstGeom>
-        </p:spPr>
-        <p:txBody>
-          <a:bodyPr spcFirstLastPara="1" wrap="square" lIns="91425" tIns="91425" rIns="91425" bIns="91425" anchor="t" anchorCtr="0">
-            <a:noAutofit/>
-          </a:bodyPr>
-          <a:lstStyle/>
-          <a:p>
-            <a:pPr marL="0" lvl="0" indent="0" algn="r" rtl="0">
-              <a:spcBef>
-                <a:spcPts val="0"/>
-              </a:spcBef>
-              <a:spcAft>
-                <a:spcPts val="0"/>
-              </a:spcAft>
-              <a:buNone/>
-            </a:pPr>
-            <a:fld id="{00000000-1234-1234-1234-123412341234}" type="slidenum">
-              <a:rPr lang="en"/>
-              <a:t>13</a:t>
-            </a:fld>
-            <a:endParaRPr dirty="0"/>
-          </a:p>
-        </p:txBody>
-      </p:sp>
-      <p:sp>
-        <p:nvSpPr>
-          <p:cNvPr id="2" name="Retângulo 1">
-            <a:extLst>
-              <a:ext uri="{FF2B5EF4-FFF2-40B4-BE49-F238E27FC236}">
-                <a16:creationId xmlns:a16="http://schemas.microsoft.com/office/drawing/2014/main" id="{197EE014-E5FE-47FF-8244-ECB6D9E13D8F}"/>
-              </a:ext>
-            </a:extLst>
-          </p:cNvPr>
-          <p:cNvSpPr/>
-          <p:nvPr/>
-        </p:nvSpPr>
-        <p:spPr>
-          <a:xfrm>
-            <a:off x="5873834" y="1200150"/>
-            <a:ext cx="2013098" cy="2339163"/>
-          </a:xfrm>
-          <a:prstGeom prst="rect">
-            <a:avLst/>
-          </a:prstGeom>
-          <a:noFill/>
-        </p:spPr>
-        <p:style>
-          <a:lnRef idx="2">
-            <a:schemeClr val="accent6"/>
-          </a:lnRef>
-          <a:fillRef idx="1">
-            <a:schemeClr val="lt1"/>
-          </a:fillRef>
-          <a:effectRef idx="0">
-            <a:schemeClr val="accent6"/>
-          </a:effectRef>
-          <a:fontRef idx="minor">
-            <a:schemeClr val="dk1"/>
-          </a:fontRef>
-        </p:style>
-        <p:txBody>
-          <a:bodyPr rtlCol="0" anchor="ctr"/>
-          <a:lstStyle/>
-          <a:p>
-            <a:pPr algn="ctr"/>
-            <a:endParaRPr lang="en-US"/>
-          </a:p>
-        </p:txBody>
-      </p:sp>
-      <p:sp>
-        <p:nvSpPr>
-          <p:cNvPr id="3" name="Seta: para Baixo 2">
-            <a:extLst>
-              <a:ext uri="{FF2B5EF4-FFF2-40B4-BE49-F238E27FC236}">
-                <a16:creationId xmlns:a16="http://schemas.microsoft.com/office/drawing/2014/main" id="{E60A286C-E429-43FA-984A-A657A22363E5}"/>
-              </a:ext>
-            </a:extLst>
-          </p:cNvPr>
-          <p:cNvSpPr/>
-          <p:nvPr/>
-        </p:nvSpPr>
-        <p:spPr>
-          <a:xfrm>
-            <a:off x="6741042" y="3539313"/>
-            <a:ext cx="276446" cy="404037"/>
-          </a:xfrm>
-          <a:prstGeom prst="downArrow">
-            <a:avLst/>
-          </a:prstGeom>
-        </p:spPr>
-        <p:style>
-          <a:lnRef idx="2">
-            <a:schemeClr val="accent1">
-              <a:shade val="50000"/>
-            </a:schemeClr>
-          </a:lnRef>
-          <a:fillRef idx="1">
-            <a:schemeClr val="accent1"/>
-          </a:fillRef>
-          <a:effectRef idx="0">
-            <a:schemeClr val="accent1"/>
-          </a:effectRef>
-          <a:fontRef idx="minor">
-            <a:schemeClr val="lt1"/>
-          </a:fontRef>
-        </p:style>
-        <p:txBody>
-          <a:bodyPr rtlCol="0" anchor="ctr"/>
-          <a:lstStyle/>
-          <a:p>
-            <a:pPr algn="ctr"/>
-            <a:endParaRPr lang="en-US"/>
-          </a:p>
-        </p:txBody>
-      </p:sp>
-      <p:sp>
-        <p:nvSpPr>
           <p:cNvPr id="4" name="CaixaDeTexto 3">
             <a:extLst>
               <a:ext uri="{FF2B5EF4-FFF2-40B4-BE49-F238E27FC236}">
@@ -9473,7 +6469,7 @@
 </p:sld>
 </file>
 
-<file path=ppt/slides/slide14.xml><?xml version="1.0" encoding="utf-8"?>
+<file path=ppt/slides/slide11.xml><?xml version="1.0" encoding="utf-8"?>
 <p:sld xmlns:a="http://schemas.openxmlformats.org/drawingml/2006/main" xmlns:r="http://schemas.openxmlformats.org/officeDocument/2006/relationships" xmlns:p="http://schemas.openxmlformats.org/presentationml/2006/main">
   <p:cSld>
     <p:spTree>
@@ -9660,7 +6656,7 @@
             </a:pPr>
             <a:fld id="{00000000-1234-1234-1234-123412341234}" type="slidenum">
               <a:rPr lang="en"/>
-              <a:t>14</a:t>
+              <a:t>11</a:t>
             </a:fld>
             <a:endParaRPr dirty="0"/>
           </a:p>
@@ -9680,689 +6676,6 @@
 </file>
 
 <file path=ppt/slides/slide2.xml><?xml version="1.0" encoding="utf-8"?>
-<p:sld xmlns:a="http://schemas.openxmlformats.org/drawingml/2006/main" xmlns:r="http://schemas.openxmlformats.org/officeDocument/2006/relationships" xmlns:p="http://schemas.openxmlformats.org/presentationml/2006/main" show="0">
-  <p:cSld>
-    <p:bg>
-      <p:bgPr>
-        <a:blipFill>
-          <a:blip r:embed="rId3">
-            <a:alphaModFix/>
-          </a:blip>
-          <a:stretch>
-            <a:fillRect/>
-          </a:stretch>
-        </a:blipFill>
-        <a:effectLst/>
-      </p:bgPr>
-    </p:bg>
-    <p:spTree>
-      <p:nvGrpSpPr>
-        <p:cNvPr id="1" name="Shape 83"/>
-        <p:cNvGrpSpPr/>
-        <p:nvPr/>
-      </p:nvGrpSpPr>
-      <p:grpSpPr>
-        <a:xfrm>
-          <a:off x="0" y="0"/>
-          <a:ext cx="0" cy="0"/>
-          <a:chOff x="0" y="0"/>
-          <a:chExt cx="0" cy="0"/>
-        </a:xfrm>
-      </p:grpSpPr>
-      <p:sp>
-        <p:nvSpPr>
-          <p:cNvPr id="84" name="Google Shape;84;p14"/>
-          <p:cNvSpPr/>
-          <p:nvPr/>
-        </p:nvSpPr>
-        <p:spPr>
-          <a:xfrm>
-            <a:off x="5880381" y="2562025"/>
-            <a:ext cx="1381800" cy="1365600"/>
-          </a:xfrm>
-          <a:prstGeom prst="ellipse">
-            <a:avLst/>
-          </a:prstGeom>
-          <a:noFill/>
-          <a:ln w="9525" cap="flat" cmpd="sng">
-            <a:solidFill>
-              <a:srgbClr val="CFD8DC"/>
-            </a:solidFill>
-            <a:prstDash val="dash"/>
-            <a:round/>
-            <a:headEnd type="none" w="sm" len="sm"/>
-            <a:tailEnd type="none" w="sm" len="sm"/>
-          </a:ln>
-        </p:spPr>
-        <p:txBody>
-          <a:bodyPr spcFirstLastPara="1" wrap="square" lIns="91425" tIns="91425" rIns="91425" bIns="91425" anchor="ctr" anchorCtr="0">
-            <a:noAutofit/>
-          </a:bodyPr>
-          <a:lstStyle/>
-          <a:p>
-            <a:pPr marL="0" lvl="0" indent="0" algn="l" rtl="0">
-              <a:spcBef>
-                <a:spcPts val="0"/>
-              </a:spcBef>
-              <a:spcAft>
-                <a:spcPts val="0"/>
-              </a:spcAft>
-              <a:buNone/>
-            </a:pPr>
-            <a:endParaRPr dirty="0"/>
-          </a:p>
-        </p:txBody>
-      </p:sp>
-      <p:sp>
-        <p:nvSpPr>
-          <p:cNvPr id="85" name="Google Shape;85;p14"/>
-          <p:cNvSpPr txBox="1">
-            <a:spLocks noGrp="1"/>
-          </p:cNvSpPr>
-          <p:nvPr>
-            <p:ph type="ctrTitle" idx="4294967295"/>
-          </p:nvPr>
-        </p:nvSpPr>
-        <p:spPr>
-          <a:xfrm>
-            <a:off x="1637500" y="592744"/>
-            <a:ext cx="5642100" cy="1159800"/>
-          </a:xfrm>
-          <a:prstGeom prst="rect">
-            <a:avLst/>
-          </a:prstGeom>
-        </p:spPr>
-        <p:txBody>
-          <a:bodyPr spcFirstLastPara="1" wrap="square" lIns="91425" tIns="91425" rIns="91425" bIns="91425" anchor="b" anchorCtr="0">
-            <a:noAutofit/>
-          </a:bodyPr>
-          <a:lstStyle/>
-          <a:p>
-            <a:pPr marL="0" lvl="0" indent="0" algn="l" rtl="0">
-              <a:spcBef>
-                <a:spcPts val="0"/>
-              </a:spcBef>
-              <a:spcAft>
-                <a:spcPts val="0"/>
-              </a:spcAft>
-              <a:buNone/>
-            </a:pPr>
-            <a:r>
-              <a:rPr lang="en" sz="6000" b="1"/>
-              <a:t>Hello!</a:t>
-            </a:r>
-            <a:endParaRPr sz="6000" b="1" dirty="0"/>
-          </a:p>
-        </p:txBody>
-      </p:sp>
-      <p:sp>
-        <p:nvSpPr>
-          <p:cNvPr id="86" name="Google Shape;86;p14"/>
-          <p:cNvSpPr txBox="1">
-            <a:spLocks noGrp="1"/>
-          </p:cNvSpPr>
-          <p:nvPr>
-            <p:ph type="subTitle" idx="4294967295"/>
-          </p:nvPr>
-        </p:nvSpPr>
-        <p:spPr>
-          <a:xfrm>
-            <a:off x="1637500" y="1563713"/>
-            <a:ext cx="5642100" cy="784800"/>
-          </a:xfrm>
-          <a:prstGeom prst="rect">
-            <a:avLst/>
-          </a:prstGeom>
-        </p:spPr>
-        <p:txBody>
-          <a:bodyPr spcFirstLastPara="1" wrap="square" lIns="91425" tIns="91425" rIns="91425" bIns="91425" anchor="t" anchorCtr="0">
-            <a:noAutofit/>
-          </a:bodyPr>
-          <a:lstStyle/>
-          <a:p>
-            <a:pPr marL="0" lvl="0" indent="0" algn="l" rtl="0">
-              <a:spcBef>
-                <a:spcPts val="600"/>
-              </a:spcBef>
-              <a:spcAft>
-                <a:spcPts val="0"/>
-              </a:spcAft>
-              <a:buNone/>
-            </a:pPr>
-            <a:r>
-              <a:rPr lang="en" sz="3600" b="1"/>
-              <a:t>I am Jayden Smith</a:t>
-            </a:r>
-            <a:endParaRPr sz="3600" b="1" dirty="0"/>
-          </a:p>
-        </p:txBody>
-      </p:sp>
-      <p:sp>
-        <p:nvSpPr>
-          <p:cNvPr id="87" name="Google Shape;87;p14"/>
-          <p:cNvSpPr txBox="1">
-            <a:spLocks noGrp="1"/>
-          </p:cNvSpPr>
-          <p:nvPr>
-            <p:ph type="body" idx="4294967295"/>
-          </p:nvPr>
-        </p:nvSpPr>
-        <p:spPr>
-          <a:xfrm>
-            <a:off x="1637500" y="2388200"/>
-            <a:ext cx="4109400" cy="2461500"/>
-          </a:xfrm>
-          <a:prstGeom prst="rect">
-            <a:avLst/>
-          </a:prstGeom>
-        </p:spPr>
-        <p:txBody>
-          <a:bodyPr spcFirstLastPara="1" wrap="square" lIns="91425" tIns="91425" rIns="91425" bIns="91425" anchor="t" anchorCtr="0">
-            <a:noAutofit/>
-          </a:bodyPr>
-          <a:lstStyle/>
-          <a:p>
-            <a:pPr marL="0" lvl="0" indent="0" algn="l" rtl="0">
-              <a:spcBef>
-                <a:spcPts val="600"/>
-              </a:spcBef>
-              <a:spcAft>
-                <a:spcPts val="0"/>
-              </a:spcAft>
-              <a:buNone/>
-            </a:pPr>
-            <a:r>
-              <a:rPr lang="en" sz="2600"/>
-              <a:t>I am here because I love to give presentations. </a:t>
-            </a:r>
-            <a:endParaRPr sz="2600" dirty="0"/>
-          </a:p>
-          <a:p>
-            <a:pPr marL="0" lvl="0" indent="0" algn="l" rtl="0">
-              <a:spcBef>
-                <a:spcPts val="600"/>
-              </a:spcBef>
-              <a:spcAft>
-                <a:spcPts val="0"/>
-              </a:spcAft>
-              <a:buNone/>
-            </a:pPr>
-            <a:r>
-              <a:rPr lang="en" sz="2600"/>
-              <a:t>You can find me at:</a:t>
-            </a:r>
-            <a:endParaRPr sz="2600" dirty="0"/>
-          </a:p>
-          <a:p>
-            <a:pPr marL="0" lvl="0" indent="0" algn="l" rtl="0">
-              <a:spcBef>
-                <a:spcPts val="600"/>
-              </a:spcBef>
-              <a:spcAft>
-                <a:spcPts val="0"/>
-              </a:spcAft>
-              <a:buNone/>
-            </a:pPr>
-            <a:r>
-              <a:rPr lang="en" sz="2600"/>
-              <a:t>@username</a:t>
-            </a:r>
-            <a:endParaRPr sz="2600" dirty="0"/>
-          </a:p>
-        </p:txBody>
-      </p:sp>
-      <p:pic>
-        <p:nvPicPr>
-          <p:cNvPr id="88" name="Google Shape;88;p14"/>
-          <p:cNvPicPr preferRelativeResize="0"/>
-          <p:nvPr/>
-        </p:nvPicPr>
-        <p:blipFill rotWithShape="1">
-          <a:blip r:embed="rId4">
-            <a:alphaModFix/>
-          </a:blip>
-          <a:srcRect l="22680" t="9485" r="14803" b="48837"/>
-          <a:stretch/>
-        </p:blipFill>
-        <p:spPr>
-          <a:xfrm>
-            <a:off x="5969309" y="2639689"/>
-            <a:ext cx="1210200" cy="1210200"/>
-          </a:xfrm>
-          <a:prstGeom prst="ellipse">
-            <a:avLst/>
-          </a:prstGeom>
-          <a:noFill/>
-          <a:ln>
-            <a:noFill/>
-          </a:ln>
-        </p:spPr>
-      </p:pic>
-      <p:cxnSp>
-        <p:nvCxnSpPr>
-          <p:cNvPr id="89" name="Google Shape;89;p14"/>
-          <p:cNvCxnSpPr/>
-          <p:nvPr/>
-        </p:nvCxnSpPr>
-        <p:spPr>
-          <a:xfrm>
-            <a:off x="6694986" y="3933625"/>
-            <a:ext cx="214500" cy="856800"/>
-          </a:xfrm>
-          <a:prstGeom prst="straightConnector1">
-            <a:avLst/>
-          </a:prstGeom>
-          <a:noFill/>
-          <a:ln w="9525" cap="flat" cmpd="sng">
-            <a:solidFill>
-              <a:srgbClr val="CFD8DC"/>
-            </a:solidFill>
-            <a:prstDash val="solid"/>
-            <a:round/>
-            <a:headEnd type="none" w="med" len="med"/>
-            <a:tailEnd type="none" w="med" len="med"/>
-          </a:ln>
-        </p:spPr>
-      </p:cxnSp>
-      <p:cxnSp>
-        <p:nvCxnSpPr>
-          <p:cNvPr id="90" name="Google Shape;90;p14"/>
-          <p:cNvCxnSpPr/>
-          <p:nvPr/>
-        </p:nvCxnSpPr>
-        <p:spPr>
-          <a:xfrm>
-            <a:off x="7059842" y="3727574"/>
-            <a:ext cx="394200" cy="525600"/>
-          </a:xfrm>
-          <a:prstGeom prst="straightConnector1">
-            <a:avLst/>
-          </a:prstGeom>
-          <a:noFill/>
-          <a:ln w="9525" cap="flat" cmpd="sng">
-            <a:solidFill>
-              <a:srgbClr val="CFD8DC"/>
-            </a:solidFill>
-            <a:prstDash val="solid"/>
-            <a:round/>
-            <a:headEnd type="none" w="med" len="med"/>
-            <a:tailEnd type="none" w="med" len="med"/>
-          </a:ln>
-        </p:spPr>
-      </p:cxnSp>
-      <p:cxnSp>
-        <p:nvCxnSpPr>
-          <p:cNvPr id="91" name="Google Shape;91;p14"/>
-          <p:cNvCxnSpPr/>
-          <p:nvPr/>
-        </p:nvCxnSpPr>
-        <p:spPr>
-          <a:xfrm>
-            <a:off x="7224089" y="3501963"/>
-            <a:ext cx="752400" cy="464100"/>
-          </a:xfrm>
-          <a:prstGeom prst="straightConnector1">
-            <a:avLst/>
-          </a:prstGeom>
-          <a:noFill/>
-          <a:ln w="9525" cap="flat" cmpd="sng">
-            <a:solidFill>
-              <a:srgbClr val="CFD8DC"/>
-            </a:solidFill>
-            <a:prstDash val="solid"/>
-            <a:round/>
-            <a:headEnd type="none" w="med" len="med"/>
-            <a:tailEnd type="none" w="med" len="med"/>
-          </a:ln>
-        </p:spPr>
-      </p:cxnSp>
-      <p:sp>
-        <p:nvSpPr>
-          <p:cNvPr id="92" name="Google Shape;92;p14"/>
-          <p:cNvSpPr txBox="1">
-            <a:spLocks noGrp="1"/>
-          </p:cNvSpPr>
-          <p:nvPr>
-            <p:ph type="sldNum" idx="12"/>
-          </p:nvPr>
-        </p:nvSpPr>
-        <p:spPr>
-          <a:xfrm>
-            <a:off x="8404384" y="4749851"/>
-            <a:ext cx="548700" cy="393600"/>
-          </a:xfrm>
-          <a:prstGeom prst="rect">
-            <a:avLst/>
-          </a:prstGeom>
-        </p:spPr>
-        <p:txBody>
-          <a:bodyPr spcFirstLastPara="1" wrap="square" lIns="91425" tIns="91425" rIns="91425" bIns="91425" anchor="t" anchorCtr="0">
-            <a:noAutofit/>
-          </a:bodyPr>
-          <a:lstStyle/>
-          <a:p>
-            <a:pPr marL="0" lvl="0" indent="0" algn="r" rtl="0">
-              <a:spcBef>
-                <a:spcPts val="0"/>
-              </a:spcBef>
-              <a:spcAft>
-                <a:spcPts val="0"/>
-              </a:spcAft>
-              <a:buNone/>
-            </a:pPr>
-            <a:fld id="{00000000-1234-1234-1234-123412341234}" type="slidenum">
-              <a:rPr lang="en"/>
-              <a:t>2</a:t>
-            </a:fld>
-            <a:endParaRPr dirty="0"/>
-          </a:p>
-        </p:txBody>
-      </p:sp>
-    </p:spTree>
-  </p:cSld>
-  <p:clrMapOvr>
-    <a:masterClrMapping/>
-  </p:clrMapOvr>
-</p:sld>
-</file>
-
-<file path=ppt/slides/slide3.xml><?xml version="1.0" encoding="utf-8"?>
-<p:sld xmlns:a="http://schemas.openxmlformats.org/drawingml/2006/main" xmlns:r="http://schemas.openxmlformats.org/officeDocument/2006/relationships" xmlns:p="http://schemas.openxmlformats.org/presentationml/2006/main" show="0">
-  <p:cSld>
-    <p:spTree>
-      <p:nvGrpSpPr>
-        <p:cNvPr id="1" name="Shape 96"/>
-        <p:cNvGrpSpPr/>
-        <p:nvPr/>
-      </p:nvGrpSpPr>
-      <p:grpSpPr>
-        <a:xfrm>
-          <a:off x="0" y="0"/>
-          <a:ext cx="0" cy="0"/>
-          <a:chOff x="0" y="0"/>
-          <a:chExt cx="0" cy="0"/>
-        </a:xfrm>
-      </p:grpSpPr>
-      <p:sp>
-        <p:nvSpPr>
-          <p:cNvPr id="97" name="Google Shape;97;p15"/>
-          <p:cNvSpPr txBox="1">
-            <a:spLocks noGrp="1"/>
-          </p:cNvSpPr>
-          <p:nvPr>
-            <p:ph type="ctrTitle"/>
-          </p:nvPr>
-        </p:nvSpPr>
-        <p:spPr>
-          <a:xfrm>
-            <a:off x="1546025" y="1754794"/>
-            <a:ext cx="5832600" cy="1159800"/>
-          </a:xfrm>
-          <a:prstGeom prst="rect">
-            <a:avLst/>
-          </a:prstGeom>
-        </p:spPr>
-        <p:txBody>
-          <a:bodyPr spcFirstLastPara="1" wrap="square" lIns="91425" tIns="91425" rIns="91425" bIns="91425" anchor="b" anchorCtr="0">
-            <a:noAutofit/>
-          </a:bodyPr>
-          <a:lstStyle/>
-          <a:p>
-            <a:pPr marL="0" lvl="0" indent="0" algn="l" rtl="0">
-              <a:spcBef>
-                <a:spcPts val="0"/>
-              </a:spcBef>
-              <a:spcAft>
-                <a:spcPts val="0"/>
-              </a:spcAft>
-              <a:buNone/>
-            </a:pPr>
-            <a:r>
-              <a:rPr lang="en" sz="6000">
-                <a:solidFill>
-                  <a:schemeClr val="accent4"/>
-                </a:solidFill>
-              </a:rPr>
-              <a:t>1.</a:t>
-            </a:r>
-            <a:endParaRPr sz="6000" dirty="0">
-              <a:solidFill>
-                <a:schemeClr val="accent4"/>
-              </a:solidFill>
-            </a:endParaRPr>
-          </a:p>
-          <a:p>
-            <a:pPr marL="0" lvl="0" indent="0" algn="l" rtl="0">
-              <a:spcBef>
-                <a:spcPts val="0"/>
-              </a:spcBef>
-              <a:spcAft>
-                <a:spcPts val="0"/>
-              </a:spcAft>
-              <a:buNone/>
-            </a:pPr>
-            <a:r>
-              <a:rPr lang="en"/>
-              <a:t>Transition headline</a:t>
-            </a:r>
-            <a:endParaRPr dirty="0"/>
-          </a:p>
-        </p:txBody>
-      </p:sp>
-      <p:sp>
-        <p:nvSpPr>
-          <p:cNvPr id="98" name="Google Shape;98;p15"/>
-          <p:cNvSpPr txBox="1">
-            <a:spLocks noGrp="1"/>
-          </p:cNvSpPr>
-          <p:nvPr>
-            <p:ph type="subTitle" idx="1"/>
-          </p:nvPr>
-        </p:nvSpPr>
-        <p:spPr>
-          <a:xfrm>
-            <a:off x="1546025" y="3011511"/>
-            <a:ext cx="5832600" cy="784800"/>
-          </a:xfrm>
-          <a:prstGeom prst="rect">
-            <a:avLst/>
-          </a:prstGeom>
-        </p:spPr>
-        <p:txBody>
-          <a:bodyPr spcFirstLastPara="1" wrap="square" lIns="91425" tIns="91425" rIns="91425" bIns="91425" anchor="t" anchorCtr="0">
-            <a:noAutofit/>
-          </a:bodyPr>
-          <a:lstStyle/>
-          <a:p>
-            <a:pPr marL="0" lvl="0" indent="0" algn="l" rtl="0">
-              <a:spcBef>
-                <a:spcPts val="0"/>
-              </a:spcBef>
-              <a:spcAft>
-                <a:spcPts val="0"/>
-              </a:spcAft>
-              <a:buNone/>
-            </a:pPr>
-            <a:r>
-              <a:rPr lang="en"/>
-              <a:t>Let’s start with the first set of slides</a:t>
-            </a:r>
-            <a:endParaRPr dirty="0"/>
-          </a:p>
-        </p:txBody>
-      </p:sp>
-      <p:sp>
-        <p:nvSpPr>
-          <p:cNvPr id="99" name="Google Shape;99;p15"/>
-          <p:cNvSpPr txBox="1">
-            <a:spLocks noGrp="1"/>
-          </p:cNvSpPr>
-          <p:nvPr>
-            <p:ph type="sldNum" idx="4294967295"/>
-          </p:nvPr>
-        </p:nvSpPr>
-        <p:spPr>
-          <a:xfrm>
-            <a:off x="8404384" y="4749851"/>
-            <a:ext cx="548700" cy="393600"/>
-          </a:xfrm>
-          <a:prstGeom prst="rect">
-            <a:avLst/>
-          </a:prstGeom>
-        </p:spPr>
-        <p:txBody>
-          <a:bodyPr spcFirstLastPara="1" wrap="square" lIns="91425" tIns="91425" rIns="91425" bIns="91425" anchor="t" anchorCtr="0">
-            <a:noAutofit/>
-          </a:bodyPr>
-          <a:lstStyle/>
-          <a:p>
-            <a:pPr marL="0" lvl="0" indent="0" algn="r" rtl="0">
-              <a:spcBef>
-                <a:spcPts val="0"/>
-              </a:spcBef>
-              <a:spcAft>
-                <a:spcPts val="0"/>
-              </a:spcAft>
-              <a:buNone/>
-            </a:pPr>
-            <a:fld id="{00000000-1234-1234-1234-123412341234}" type="slidenum">
-              <a:rPr lang="en"/>
-              <a:t>3</a:t>
-            </a:fld>
-            <a:endParaRPr dirty="0"/>
-          </a:p>
-        </p:txBody>
-      </p:sp>
-    </p:spTree>
-  </p:cSld>
-  <p:clrMapOvr>
-    <a:masterClrMapping/>
-  </p:clrMapOvr>
-</p:sld>
-</file>
-
-<file path=ppt/slides/slide4.xml><?xml version="1.0" encoding="utf-8"?>
-<p:sld xmlns:a="http://schemas.openxmlformats.org/drawingml/2006/main" xmlns:r="http://schemas.openxmlformats.org/officeDocument/2006/relationships" xmlns:p="http://schemas.openxmlformats.org/presentationml/2006/main" show="0">
-  <p:cSld>
-    <p:spTree>
-      <p:nvGrpSpPr>
-        <p:cNvPr id="1" name="Shape 103"/>
-        <p:cNvGrpSpPr/>
-        <p:nvPr/>
-      </p:nvGrpSpPr>
-      <p:grpSpPr>
-        <a:xfrm>
-          <a:off x="0" y="0"/>
-          <a:ext cx="0" cy="0"/>
-          <a:chOff x="0" y="0"/>
-          <a:chExt cx="0" cy="0"/>
-        </a:xfrm>
-      </p:grpSpPr>
-      <p:sp>
-        <p:nvSpPr>
-          <p:cNvPr id="104" name="Google Shape;104;p16"/>
-          <p:cNvSpPr txBox="1">
-            <a:spLocks noGrp="1"/>
-          </p:cNvSpPr>
-          <p:nvPr>
-            <p:ph type="body" idx="1"/>
-          </p:nvPr>
-        </p:nvSpPr>
-        <p:spPr>
-          <a:xfrm>
-            <a:off x="1215300" y="1723650"/>
-            <a:ext cx="6713400" cy="819900"/>
-          </a:xfrm>
-          <a:prstGeom prst="rect">
-            <a:avLst/>
-          </a:prstGeom>
-        </p:spPr>
-        <p:txBody>
-          <a:bodyPr spcFirstLastPara="1" wrap="square" lIns="91425" tIns="91425" rIns="91425" bIns="91425" anchor="t" anchorCtr="0">
-            <a:noAutofit/>
-          </a:bodyPr>
-          <a:lstStyle/>
-          <a:p>
-            <a:pPr marL="0" lvl="0" indent="0" algn="ctr" rtl="0">
-              <a:spcBef>
-                <a:spcPts val="600"/>
-              </a:spcBef>
-              <a:spcAft>
-                <a:spcPts val="0"/>
-              </a:spcAft>
-              <a:buNone/>
-            </a:pPr>
-            <a:r>
-              <a:rPr lang="en"/>
-              <a:t>Quotations are commonly printed as a </a:t>
-            </a:r>
-            <a:r>
-              <a:rPr lang="en" b="1">
-                <a:solidFill>
-                  <a:schemeClr val="accent1"/>
-                </a:solidFill>
-              </a:rPr>
-              <a:t>means of inspiration</a:t>
-            </a:r>
-            <a:r>
-              <a:rPr lang="en"/>
-              <a:t> and to invoke philosophical thoughts from the reader.</a:t>
-            </a:r>
-            <a:endParaRPr dirty="0"/>
-          </a:p>
-        </p:txBody>
-      </p:sp>
-      <p:sp>
-        <p:nvSpPr>
-          <p:cNvPr id="105" name="Google Shape;105;p16"/>
-          <p:cNvSpPr txBox="1">
-            <a:spLocks noGrp="1"/>
-          </p:cNvSpPr>
-          <p:nvPr>
-            <p:ph type="sldNum" idx="12"/>
-          </p:nvPr>
-        </p:nvSpPr>
-        <p:spPr>
-          <a:xfrm>
-            <a:off x="-87" y="4749844"/>
-            <a:ext cx="9144000" cy="393600"/>
-          </a:xfrm>
-          <a:prstGeom prst="rect">
-            <a:avLst/>
-          </a:prstGeom>
-        </p:spPr>
-        <p:txBody>
-          <a:bodyPr spcFirstLastPara="1" wrap="square" lIns="91425" tIns="91425" rIns="91425" bIns="91425" anchor="t" anchorCtr="0">
-            <a:noAutofit/>
-          </a:bodyPr>
-          <a:lstStyle/>
-          <a:p>
-            <a:pPr marL="0" lvl="0" indent="0" algn="ctr" rtl="0">
-              <a:spcBef>
-                <a:spcPts val="0"/>
-              </a:spcBef>
-              <a:spcAft>
-                <a:spcPts val="0"/>
-              </a:spcAft>
-              <a:buNone/>
-            </a:pPr>
-            <a:fld id="{00000000-1234-1234-1234-123412341234}" type="slidenum">
-              <a:rPr lang="en"/>
-              <a:t>4</a:t>
-            </a:fld>
-            <a:endParaRPr dirty="0"/>
-          </a:p>
-        </p:txBody>
-      </p:sp>
-    </p:spTree>
-  </p:cSld>
-  <p:clrMapOvr>
-    <a:masterClrMapping/>
-  </p:clrMapOvr>
-</p:sld>
-</file>
-
-<file path=ppt/slides/slide5.xml><?xml version="1.0" encoding="utf-8"?>
 <p:sld xmlns:a="http://schemas.openxmlformats.org/drawingml/2006/main" xmlns:r="http://schemas.openxmlformats.org/officeDocument/2006/relationships" xmlns:p="http://schemas.openxmlformats.org/presentationml/2006/main">
   <p:cSld>
     <p:spTree>
@@ -10599,7 +6912,7 @@
             </a:pPr>
             <a:fld id="{00000000-1234-1234-1234-123412341234}" type="slidenum">
               <a:rPr lang="en"/>
-              <a:t>5</a:t>
+              <a:t>2</a:t>
             </a:fld>
             <a:endParaRPr dirty="0"/>
           </a:p>
@@ -10613,7 +6926,7 @@
 </p:sld>
 </file>
 
-<file path=ppt/slides/slide6.xml><?xml version="1.0" encoding="utf-8"?>
+<file path=ppt/slides/slide3.xml><?xml version="1.0" encoding="utf-8"?>
 <p:sld xmlns:a="http://schemas.openxmlformats.org/drawingml/2006/main" xmlns:r="http://schemas.openxmlformats.org/officeDocument/2006/relationships" xmlns:p="http://schemas.openxmlformats.org/presentationml/2006/main">
   <p:cSld>
     <p:spTree>
@@ -10838,7 +7151,7 @@
             </a:pPr>
             <a:fld id="{00000000-1234-1234-1234-123412341234}" type="slidenum">
               <a:rPr lang="en"/>
-              <a:t>6</a:t>
+              <a:t>3</a:t>
             </a:fld>
             <a:endParaRPr dirty="0"/>
           </a:p>
@@ -10941,7 +7254,7 @@
 </p:sld>
 </file>
 
-<file path=ppt/slides/slide7.xml><?xml version="1.0" encoding="utf-8"?>
+<file path=ppt/slides/slide4.xml><?xml version="1.0" encoding="utf-8"?>
 <p:sld xmlns:a="http://schemas.openxmlformats.org/drawingml/2006/main" xmlns:r="http://schemas.openxmlformats.org/officeDocument/2006/relationships" xmlns:p="http://schemas.openxmlformats.org/presentationml/2006/main">
   <p:cSld>
     <p:spTree>
@@ -11149,7 +7462,7 @@
             </a:pPr>
             <a:fld id="{00000000-1234-1234-1234-123412341234}" type="slidenum">
               <a:rPr lang="en"/>
-              <a:t>7</a:t>
+              <a:t>4</a:t>
             </a:fld>
             <a:endParaRPr dirty="0"/>
           </a:p>
@@ -11168,7 +7481,7 @@
 </p:sld>
 </file>
 
-<file path=ppt/slides/slide8.xml><?xml version="1.0" encoding="utf-8"?>
+<file path=ppt/slides/slide5.xml><?xml version="1.0" encoding="utf-8"?>
 <p:sld xmlns:a="http://schemas.openxmlformats.org/drawingml/2006/main" xmlns:r="http://schemas.openxmlformats.org/officeDocument/2006/relationships" xmlns:p="http://schemas.openxmlformats.org/presentationml/2006/main">
   <p:cSld>
     <p:spTree>
@@ -11263,7 +7576,7 @@
             </a:pPr>
             <a:fld id="{00000000-1234-1234-1234-123412341234}" type="slidenum">
               <a:rPr lang="en"/>
-              <a:t>8</a:t>
+              <a:t>5</a:t>
             </a:fld>
             <a:endParaRPr dirty="0"/>
           </a:p>
@@ -11941,7 +8254,7 @@
 </p:sld>
 </file>
 
-<file path=ppt/slides/slide9.xml><?xml version="1.0" encoding="utf-8"?>
+<file path=ppt/slides/slide6.xml><?xml version="1.0" encoding="utf-8"?>
 <p:sld xmlns:a="http://schemas.openxmlformats.org/drawingml/2006/main" xmlns:r="http://schemas.openxmlformats.org/officeDocument/2006/relationships" xmlns:p="http://schemas.openxmlformats.org/presentationml/2006/main">
   <p:cSld>
     <p:spTree>
@@ -12183,7 +8496,7 @@
             </a:pPr>
             <a:fld id="{00000000-1234-1234-1234-123412341234}" type="slidenum">
               <a:rPr lang="en"/>
-              <a:t>9</a:t>
+              <a:t>6</a:t>
             </a:fld>
             <a:endParaRPr dirty="0"/>
           </a:p>
@@ -12269,6 +8582,1824 @@
     <p:extLst>
       <p:ext uri="{BB962C8B-B14F-4D97-AF65-F5344CB8AC3E}">
         <p14:creationId xmlns:p14="http://schemas.microsoft.com/office/powerpoint/2010/main" val="1176250809"/>
+      </p:ext>
+    </p:extLst>
+  </p:cSld>
+  <p:clrMapOvr>
+    <a:masterClrMapping/>
+  </p:clrMapOvr>
+</p:sld>
+</file>
+
+<file path=ppt/slides/slide7.xml><?xml version="1.0" encoding="utf-8"?>
+<p:sld xmlns:a="http://schemas.openxmlformats.org/drawingml/2006/main" xmlns:r="http://schemas.openxmlformats.org/officeDocument/2006/relationships" xmlns:p="http://schemas.openxmlformats.org/presentationml/2006/main">
+  <p:cSld>
+    <p:spTree>
+      <p:nvGrpSpPr>
+        <p:cNvPr id="1" name="Shape 148"/>
+        <p:cNvGrpSpPr/>
+        <p:nvPr/>
+      </p:nvGrpSpPr>
+      <p:grpSpPr>
+        <a:xfrm>
+          <a:off x="0" y="0"/>
+          <a:ext cx="0" cy="0"/>
+          <a:chOff x="0" y="0"/>
+          <a:chExt cx="0" cy="0"/>
+        </a:xfrm>
+      </p:grpSpPr>
+      <p:sp>
+        <p:nvSpPr>
+          <p:cNvPr id="150" name="Google Shape;150;p21"/>
+          <p:cNvSpPr txBox="1">
+            <a:spLocks noGrp="1"/>
+          </p:cNvSpPr>
+          <p:nvPr>
+            <p:ph type="title"/>
+          </p:nvPr>
+        </p:nvSpPr>
+        <p:spPr>
+          <a:xfrm>
+            <a:off x="786150" y="208109"/>
+            <a:ext cx="7571700" cy="702600"/>
+          </a:xfrm>
+          <a:prstGeom prst="rect">
+            <a:avLst/>
+          </a:prstGeom>
+        </p:spPr>
+        <p:txBody>
+          <a:bodyPr spcFirstLastPara="1" wrap="square" lIns="91425" tIns="91425" rIns="91425" bIns="91425" anchor="b" anchorCtr="0">
+            <a:noAutofit/>
+          </a:bodyPr>
+          <a:lstStyle/>
+          <a:p>
+            <a:pPr marL="0" lvl="0" indent="0" algn="l" rtl="0">
+              <a:spcBef>
+                <a:spcPts val="0"/>
+              </a:spcBef>
+              <a:spcAft>
+                <a:spcPts val="0"/>
+              </a:spcAft>
+              <a:buNone/>
+            </a:pPr>
+            <a:r>
+              <a:rPr lang="en" dirty="0"/>
+              <a:t>Clustering the neighborhoods</a:t>
+            </a:r>
+            <a:endParaRPr dirty="0"/>
+          </a:p>
+        </p:txBody>
+      </p:sp>
+      <p:sp>
+        <p:nvSpPr>
+          <p:cNvPr id="151" name="Google Shape;151;p21"/>
+          <p:cNvSpPr txBox="1">
+            <a:spLocks noGrp="1"/>
+          </p:cNvSpPr>
+          <p:nvPr>
+            <p:ph type="body" idx="1"/>
+          </p:nvPr>
+        </p:nvSpPr>
+        <p:spPr>
+          <a:xfrm>
+            <a:off x="571635" y="1010720"/>
+            <a:ext cx="3637183" cy="3262504"/>
+          </a:xfrm>
+          <a:prstGeom prst="rect">
+            <a:avLst/>
+          </a:prstGeom>
+        </p:spPr>
+        <p:txBody>
+          <a:bodyPr spcFirstLastPara="1" wrap="square" lIns="91425" tIns="91425" rIns="91425" bIns="91425" anchor="t" anchorCtr="0">
+            <a:noAutofit/>
+          </a:bodyPr>
+          <a:lstStyle/>
+          <a:p>
+            <a:pPr marL="0" lvl="0" indent="0" algn="l" rtl="0">
+              <a:spcBef>
+                <a:spcPts val="600"/>
+              </a:spcBef>
+              <a:spcAft>
+                <a:spcPts val="0"/>
+              </a:spcAft>
+              <a:buNone/>
+            </a:pPr>
+            <a:r>
+              <a:rPr lang="en" dirty="0"/>
+              <a:t>For the purpose of grouping neighborhoods based on their similarities and differences, a clustering algorithm named K-Means was selected as the best choice.</a:t>
+            </a:r>
+            <a:endParaRPr dirty="0"/>
+          </a:p>
+        </p:txBody>
+      </p:sp>
+      <p:cxnSp>
+        <p:nvCxnSpPr>
+          <p:cNvPr id="155" name="Google Shape;155;p21"/>
+          <p:cNvCxnSpPr/>
+          <p:nvPr/>
+        </p:nvCxnSpPr>
+        <p:spPr>
+          <a:xfrm rot="10800000" flipH="1">
+            <a:off x="7068779" y="1169826"/>
+            <a:ext cx="716400" cy="806100"/>
+          </a:xfrm>
+          <a:prstGeom prst="straightConnector1">
+            <a:avLst/>
+          </a:prstGeom>
+          <a:noFill/>
+          <a:ln w="9525" cap="flat" cmpd="sng">
+            <a:solidFill>
+              <a:srgbClr val="CFD8DC"/>
+            </a:solidFill>
+            <a:prstDash val="solid"/>
+            <a:round/>
+            <a:headEnd type="none" w="med" len="med"/>
+            <a:tailEnd type="none" w="med" len="med"/>
+          </a:ln>
+        </p:spPr>
+      </p:cxnSp>
+      <p:sp>
+        <p:nvSpPr>
+          <p:cNvPr id="156" name="Google Shape;156;p21"/>
+          <p:cNvSpPr txBox="1">
+            <a:spLocks noGrp="1"/>
+          </p:cNvSpPr>
+          <p:nvPr>
+            <p:ph type="sldNum" idx="12"/>
+          </p:nvPr>
+        </p:nvSpPr>
+        <p:spPr>
+          <a:xfrm>
+            <a:off x="8404384" y="4749851"/>
+            <a:ext cx="548700" cy="393600"/>
+          </a:xfrm>
+          <a:prstGeom prst="rect">
+            <a:avLst/>
+          </a:prstGeom>
+        </p:spPr>
+        <p:txBody>
+          <a:bodyPr spcFirstLastPara="1" wrap="square" lIns="91425" tIns="91425" rIns="91425" bIns="91425" anchor="t" anchorCtr="0">
+            <a:noAutofit/>
+          </a:bodyPr>
+          <a:lstStyle/>
+          <a:p>
+            <a:pPr marL="0" lvl="0" indent="0" algn="r" rtl="0">
+              <a:spcBef>
+                <a:spcPts val="0"/>
+              </a:spcBef>
+              <a:spcAft>
+                <a:spcPts val="0"/>
+              </a:spcAft>
+              <a:buNone/>
+            </a:pPr>
+            <a:fld id="{00000000-1234-1234-1234-123412341234}" type="slidenum">
+              <a:rPr lang="en"/>
+              <a:t>7</a:t>
+            </a:fld>
+            <a:endParaRPr dirty="0"/>
+          </a:p>
+        </p:txBody>
+      </p:sp>
+      <p:pic>
+        <p:nvPicPr>
+          <p:cNvPr id="3" name="Imagem 2">
+            <a:extLst>
+              <a:ext uri="{FF2B5EF4-FFF2-40B4-BE49-F238E27FC236}">
+                <a16:creationId xmlns:a16="http://schemas.microsoft.com/office/drawing/2014/main" id="{B7778FEB-67A2-4E9E-AED7-D1A807F5EFAE}"/>
+              </a:ext>
+            </a:extLst>
+          </p:cNvPr>
+          <p:cNvPicPr>
+            <a:picLocks noChangeAspect="1"/>
+          </p:cNvPicPr>
+          <p:nvPr/>
+        </p:nvPicPr>
+        <p:blipFill>
+          <a:blip r:embed="rId3"/>
+          <a:stretch>
+            <a:fillRect/>
+          </a:stretch>
+        </p:blipFill>
+        <p:spPr>
+          <a:xfrm>
+            <a:off x="4208818" y="875718"/>
+            <a:ext cx="4070933" cy="4070933"/>
+          </a:xfrm>
+          <a:prstGeom prst="rect">
+            <a:avLst/>
+          </a:prstGeom>
+        </p:spPr>
+      </p:pic>
+      <p:cxnSp>
+        <p:nvCxnSpPr>
+          <p:cNvPr id="153" name="Google Shape;153;p21"/>
+          <p:cNvCxnSpPr>
+            <a:cxnSpLocks/>
+          </p:cNvCxnSpPr>
+          <p:nvPr/>
+        </p:nvCxnSpPr>
+        <p:spPr>
+          <a:xfrm flipV="1">
+            <a:off x="7068779" y="367851"/>
+            <a:ext cx="363112" cy="993116"/>
+          </a:xfrm>
+          <a:prstGeom prst="straightConnector1">
+            <a:avLst/>
+          </a:prstGeom>
+          <a:noFill/>
+          <a:ln w="9525" cap="flat" cmpd="sng">
+            <a:solidFill>
+              <a:srgbClr val="CFD8DC"/>
+            </a:solidFill>
+            <a:prstDash val="solid"/>
+            <a:round/>
+            <a:headEnd type="none" w="med" len="med"/>
+            <a:tailEnd type="none" w="med" len="med"/>
+          </a:ln>
+        </p:spPr>
+      </p:cxnSp>
+      <p:cxnSp>
+        <p:nvCxnSpPr>
+          <p:cNvPr id="154" name="Google Shape;154;p21"/>
+          <p:cNvCxnSpPr>
+            <a:cxnSpLocks/>
+          </p:cNvCxnSpPr>
+          <p:nvPr/>
+        </p:nvCxnSpPr>
+        <p:spPr>
+          <a:xfrm flipV="1">
+            <a:off x="8024037" y="1515797"/>
+            <a:ext cx="548328" cy="213766"/>
+          </a:xfrm>
+          <a:prstGeom prst="straightConnector1">
+            <a:avLst/>
+          </a:prstGeom>
+          <a:noFill/>
+          <a:ln w="9525" cap="flat" cmpd="sng">
+            <a:solidFill>
+              <a:srgbClr val="CFD8DC"/>
+            </a:solidFill>
+            <a:prstDash val="solid"/>
+            <a:round/>
+            <a:headEnd type="none" w="med" len="med"/>
+            <a:tailEnd type="none" w="med" len="med"/>
+          </a:ln>
+        </p:spPr>
+      </p:cxnSp>
+    </p:spTree>
+    <p:extLst>
+      <p:ext uri="{BB962C8B-B14F-4D97-AF65-F5344CB8AC3E}">
+        <p14:creationId xmlns:p14="http://schemas.microsoft.com/office/powerpoint/2010/main" val="996044977"/>
+      </p:ext>
+    </p:extLst>
+  </p:cSld>
+  <p:clrMapOvr>
+    <a:masterClrMapping/>
+  </p:clrMapOvr>
+</p:sld>
+</file>
+
+<file path=ppt/slides/slide8.xml><?xml version="1.0" encoding="utf-8"?>
+<p:sld xmlns:a="http://schemas.openxmlformats.org/drawingml/2006/main" xmlns:r="http://schemas.openxmlformats.org/officeDocument/2006/relationships" xmlns:p="http://schemas.openxmlformats.org/presentationml/2006/main">
+  <p:cSld>
+    <p:spTree>
+      <p:nvGrpSpPr>
+        <p:cNvPr id="1" name="Shape 166"/>
+        <p:cNvGrpSpPr/>
+        <p:nvPr/>
+      </p:nvGrpSpPr>
+      <p:grpSpPr>
+        <a:xfrm>
+          <a:off x="0" y="0"/>
+          <a:ext cx="0" cy="0"/>
+          <a:chOff x="0" y="0"/>
+          <a:chExt cx="0" cy="0"/>
+        </a:xfrm>
+      </p:grpSpPr>
+      <p:sp>
+        <p:nvSpPr>
+          <p:cNvPr id="171" name="Google Shape;171;p23"/>
+          <p:cNvSpPr txBox="1">
+            <a:spLocks noGrp="1"/>
+          </p:cNvSpPr>
+          <p:nvPr>
+            <p:ph type="sldNum" idx="12"/>
+          </p:nvPr>
+        </p:nvSpPr>
+        <p:spPr>
+          <a:xfrm>
+            <a:off x="8404384" y="4749851"/>
+            <a:ext cx="548700" cy="393600"/>
+          </a:xfrm>
+          <a:prstGeom prst="rect">
+            <a:avLst/>
+          </a:prstGeom>
+        </p:spPr>
+        <p:txBody>
+          <a:bodyPr spcFirstLastPara="1" wrap="square" lIns="91425" tIns="91425" rIns="91425" bIns="91425" anchor="t" anchorCtr="0">
+            <a:noAutofit/>
+          </a:bodyPr>
+          <a:lstStyle/>
+          <a:p>
+            <a:pPr marL="0" lvl="0" indent="0" algn="r" rtl="0">
+              <a:spcBef>
+                <a:spcPts val="0"/>
+              </a:spcBef>
+              <a:spcAft>
+                <a:spcPts val="0"/>
+              </a:spcAft>
+              <a:buNone/>
+            </a:pPr>
+            <a:fld id="{00000000-1234-1234-1234-123412341234}" type="slidenum">
+              <a:rPr lang="en"/>
+              <a:t>8</a:t>
+            </a:fld>
+            <a:endParaRPr dirty="0"/>
+          </a:p>
+        </p:txBody>
+      </p:sp>
+      <p:sp>
+        <p:nvSpPr>
+          <p:cNvPr id="4" name="CaixaDeTexto 3">
+            <a:extLst>
+              <a:ext uri="{FF2B5EF4-FFF2-40B4-BE49-F238E27FC236}">
+                <a16:creationId xmlns:a16="http://schemas.microsoft.com/office/drawing/2014/main" id="{E1724934-7848-4FB8-AEDA-2FD4951BAB27}"/>
+              </a:ext>
+            </a:extLst>
+          </p:cNvPr>
+          <p:cNvSpPr txBox="1"/>
+          <p:nvPr/>
+        </p:nvSpPr>
+        <p:spPr>
+          <a:xfrm>
+            <a:off x="387586" y="582410"/>
+            <a:ext cx="4425666" cy="523220"/>
+          </a:xfrm>
+          <a:prstGeom prst="rect">
+            <a:avLst/>
+          </a:prstGeom>
+          <a:noFill/>
+        </p:spPr>
+        <p:txBody>
+          <a:bodyPr wrap="square" rtlCol="0">
+            <a:spAutoFit/>
+          </a:bodyPr>
+          <a:lstStyle/>
+          <a:p>
+            <a:r>
+              <a:rPr lang="pt-BR" dirty="0" err="1"/>
+              <a:t>Using</a:t>
+            </a:r>
+            <a:r>
+              <a:rPr lang="pt-BR" dirty="0"/>
+              <a:t> </a:t>
+            </a:r>
+            <a:r>
+              <a:rPr lang="pt-BR" dirty="0" err="1"/>
+              <a:t>the</a:t>
+            </a:r>
+            <a:r>
+              <a:rPr lang="pt-BR" dirty="0"/>
+              <a:t> </a:t>
+            </a:r>
+            <a:r>
+              <a:rPr lang="pt-BR" dirty="0" err="1"/>
+              <a:t>elbow</a:t>
+            </a:r>
+            <a:r>
+              <a:rPr lang="pt-BR" dirty="0"/>
+              <a:t> </a:t>
+            </a:r>
+            <a:r>
+              <a:rPr lang="pt-BR" dirty="0" err="1"/>
+              <a:t>method</a:t>
+            </a:r>
+            <a:r>
+              <a:rPr lang="pt-BR" dirty="0"/>
+              <a:t>, 6 </a:t>
+            </a:r>
+            <a:r>
+              <a:rPr lang="pt-BR" dirty="0" err="1"/>
+              <a:t>was</a:t>
+            </a:r>
+            <a:r>
+              <a:rPr lang="pt-BR" dirty="0"/>
+              <a:t> </a:t>
+            </a:r>
+            <a:r>
+              <a:rPr lang="pt-BR" dirty="0" err="1"/>
+              <a:t>elected</a:t>
+            </a:r>
+            <a:r>
+              <a:rPr lang="pt-BR" dirty="0"/>
+              <a:t> </a:t>
+            </a:r>
+            <a:r>
+              <a:rPr lang="pt-BR" dirty="0" err="1"/>
+              <a:t>the</a:t>
+            </a:r>
+            <a:r>
+              <a:rPr lang="pt-BR" dirty="0"/>
+              <a:t> </a:t>
+            </a:r>
+            <a:r>
+              <a:rPr lang="pt-BR" dirty="0" err="1"/>
+              <a:t>optimal</a:t>
+            </a:r>
+            <a:r>
+              <a:rPr lang="pt-BR" dirty="0"/>
+              <a:t> </a:t>
+            </a:r>
+            <a:r>
+              <a:rPr lang="pt-BR" dirty="0" err="1"/>
+              <a:t>number</a:t>
+            </a:r>
+            <a:r>
+              <a:rPr lang="pt-BR" dirty="0"/>
+              <a:t> </a:t>
+            </a:r>
+            <a:r>
+              <a:rPr lang="pt-BR" dirty="0" err="1"/>
+              <a:t>of</a:t>
+            </a:r>
+            <a:r>
+              <a:rPr lang="pt-BR" dirty="0"/>
+              <a:t> clusters </a:t>
+            </a:r>
+            <a:r>
+              <a:rPr lang="pt-BR" dirty="0" err="1"/>
+              <a:t>to</a:t>
+            </a:r>
+            <a:r>
+              <a:rPr lang="pt-BR" dirty="0"/>
+              <a:t> </a:t>
+            </a:r>
+            <a:r>
+              <a:rPr lang="pt-BR" dirty="0" err="1"/>
+              <a:t>the</a:t>
+            </a:r>
+            <a:r>
+              <a:rPr lang="pt-BR" dirty="0"/>
+              <a:t> </a:t>
+            </a:r>
+            <a:r>
+              <a:rPr lang="pt-BR" dirty="0" err="1"/>
+              <a:t>algorithm</a:t>
+            </a:r>
+            <a:r>
+              <a:rPr lang="pt-BR" dirty="0"/>
+              <a:t>.</a:t>
+            </a:r>
+            <a:endParaRPr lang="en-US" dirty="0"/>
+          </a:p>
+        </p:txBody>
+      </p:sp>
+      <p:pic>
+        <p:nvPicPr>
+          <p:cNvPr id="12" name="Picture 16" descr="Menu, navigate, number, one, options, 1 icon - Download on Iconfinder">
+            <a:extLst>
+              <a:ext uri="{FF2B5EF4-FFF2-40B4-BE49-F238E27FC236}">
+                <a16:creationId xmlns:a16="http://schemas.microsoft.com/office/drawing/2014/main" id="{DA218B27-191A-4E8E-8886-4429EF20B66E}"/>
+              </a:ext>
+            </a:extLst>
+          </p:cNvPr>
+          <p:cNvPicPr>
+            <a:picLocks noChangeAspect="1" noChangeArrowheads="1"/>
+          </p:cNvPicPr>
+          <p:nvPr/>
+        </p:nvPicPr>
+        <p:blipFill>
+          <a:blip r:embed="rId3">
+            <a:extLst>
+              <a:ext uri="{28A0092B-C50C-407E-A947-70E740481C1C}">
+                <a14:useLocalDpi xmlns:a14="http://schemas.microsoft.com/office/drawing/2010/main" val="0"/>
+              </a:ext>
+            </a:extLst>
+          </a:blip>
+          <a:srcRect/>
+          <a:stretch>
+            <a:fillRect/>
+          </a:stretch>
+        </p:blipFill>
+        <p:spPr bwMode="auto">
+          <a:xfrm>
+            <a:off x="2208019" y="103590"/>
+            <a:ext cx="392400" cy="392400"/>
+          </a:xfrm>
+          <a:prstGeom prst="rect">
+            <a:avLst/>
+          </a:prstGeom>
+          <a:noFill/>
+          <a:extLst>
+            <a:ext uri="{909E8E84-426E-40DD-AFC4-6F175D3DCCD1}">
+              <a14:hiddenFill xmlns:a14="http://schemas.microsoft.com/office/drawing/2010/main">
+                <a:solidFill>
+                  <a:srgbClr val="FFFFFF"/>
+                </a:solidFill>
+              </a14:hiddenFill>
+            </a:ext>
+          </a:extLst>
+        </p:spPr>
+      </p:pic>
+      <p:pic>
+        <p:nvPicPr>
+          <p:cNvPr id="13" name="Picture 12" descr="2, number, options, two, menu, navigate icon - Download on Iconfinder">
+            <a:extLst>
+              <a:ext uri="{FF2B5EF4-FFF2-40B4-BE49-F238E27FC236}">
+                <a16:creationId xmlns:a16="http://schemas.microsoft.com/office/drawing/2014/main" id="{01B0A25A-8CDF-4C7C-91BB-076016EC9983}"/>
+              </a:ext>
+            </a:extLst>
+          </p:cNvPr>
+          <p:cNvPicPr>
+            <a:picLocks noChangeAspect="1" noChangeArrowheads="1"/>
+          </p:cNvPicPr>
+          <p:nvPr/>
+        </p:nvPicPr>
+        <p:blipFill>
+          <a:blip r:embed="rId4">
+            <a:extLst>
+              <a:ext uri="{28A0092B-C50C-407E-A947-70E740481C1C}">
+                <a14:useLocalDpi xmlns:a14="http://schemas.microsoft.com/office/drawing/2010/main" val="0"/>
+              </a:ext>
+            </a:extLst>
+          </a:blip>
+          <a:srcRect/>
+          <a:stretch>
+            <a:fillRect/>
+          </a:stretch>
+        </p:blipFill>
+        <p:spPr bwMode="auto">
+          <a:xfrm>
+            <a:off x="6766442" y="106499"/>
+            <a:ext cx="393600" cy="393600"/>
+          </a:xfrm>
+          <a:prstGeom prst="rect">
+            <a:avLst/>
+          </a:prstGeom>
+          <a:noFill/>
+          <a:extLst>
+            <a:ext uri="{909E8E84-426E-40DD-AFC4-6F175D3DCCD1}">
+              <a14:hiddenFill xmlns:a14="http://schemas.microsoft.com/office/drawing/2010/main">
+                <a:solidFill>
+                  <a:srgbClr val="FFFFFF"/>
+                </a:solidFill>
+              </a14:hiddenFill>
+            </a:ext>
+          </a:extLst>
+        </p:spPr>
+      </p:pic>
+      <p:sp>
+        <p:nvSpPr>
+          <p:cNvPr id="14" name="CaixaDeTexto 13">
+            <a:extLst>
+              <a:ext uri="{FF2B5EF4-FFF2-40B4-BE49-F238E27FC236}">
+                <a16:creationId xmlns:a16="http://schemas.microsoft.com/office/drawing/2014/main" id="{5681B568-BA83-4FAA-8425-9E300C850088}"/>
+              </a:ext>
+            </a:extLst>
+          </p:cNvPr>
+          <p:cNvSpPr txBox="1"/>
+          <p:nvPr/>
+        </p:nvSpPr>
+        <p:spPr>
+          <a:xfrm>
+            <a:off x="4980319" y="582051"/>
+            <a:ext cx="4425666" cy="523220"/>
+          </a:xfrm>
+          <a:prstGeom prst="rect">
+            <a:avLst/>
+          </a:prstGeom>
+          <a:noFill/>
+        </p:spPr>
+        <p:txBody>
+          <a:bodyPr wrap="square" rtlCol="0">
+            <a:spAutoFit/>
+          </a:bodyPr>
+          <a:lstStyle/>
+          <a:p>
+            <a:r>
+              <a:rPr lang="pt-BR" dirty="0"/>
+              <a:t>A </a:t>
+            </a:r>
+            <a:r>
+              <a:rPr lang="pt-BR" dirty="0" err="1"/>
+              <a:t>Folium</a:t>
+            </a:r>
+            <a:r>
+              <a:rPr lang="pt-BR" dirty="0"/>
+              <a:t> Map </a:t>
+            </a:r>
+            <a:r>
+              <a:rPr lang="pt-BR" dirty="0" err="1"/>
+              <a:t>was</a:t>
+            </a:r>
+            <a:r>
+              <a:rPr lang="pt-BR" dirty="0"/>
+              <a:t> </a:t>
+            </a:r>
+            <a:r>
+              <a:rPr lang="pt-BR" dirty="0" err="1"/>
+              <a:t>generated</a:t>
+            </a:r>
+            <a:r>
+              <a:rPr lang="pt-BR" dirty="0"/>
+              <a:t> </a:t>
+            </a:r>
+            <a:r>
+              <a:rPr lang="pt-BR" dirty="0" err="1"/>
+              <a:t>to</a:t>
+            </a:r>
+            <a:r>
+              <a:rPr lang="pt-BR" dirty="0"/>
+              <a:t> visualize </a:t>
+            </a:r>
+            <a:r>
+              <a:rPr lang="pt-BR" dirty="0" err="1"/>
+              <a:t>those</a:t>
+            </a:r>
+            <a:r>
+              <a:rPr lang="pt-BR" dirty="0"/>
+              <a:t> clusters </a:t>
+            </a:r>
+            <a:r>
+              <a:rPr lang="pt-BR" dirty="0" err="1"/>
+              <a:t>organized</a:t>
+            </a:r>
+            <a:r>
+              <a:rPr lang="pt-BR" dirty="0"/>
+              <a:t> </a:t>
+            </a:r>
+            <a:r>
+              <a:rPr lang="pt-BR" dirty="0" err="1"/>
+              <a:t>by</a:t>
+            </a:r>
+            <a:r>
+              <a:rPr lang="pt-BR" dirty="0"/>
+              <a:t> K-</a:t>
+            </a:r>
+            <a:r>
+              <a:rPr lang="pt-BR" dirty="0" err="1"/>
+              <a:t>Means</a:t>
+            </a:r>
+            <a:r>
+              <a:rPr lang="pt-BR" dirty="0"/>
+              <a:t>.</a:t>
+            </a:r>
+            <a:endParaRPr lang="en-US" dirty="0"/>
+          </a:p>
+        </p:txBody>
+      </p:sp>
+      <p:pic>
+        <p:nvPicPr>
+          <p:cNvPr id="3" name="Imagem 2">
+            <a:extLst>
+              <a:ext uri="{FF2B5EF4-FFF2-40B4-BE49-F238E27FC236}">
+                <a16:creationId xmlns:a16="http://schemas.microsoft.com/office/drawing/2014/main" id="{8F9880C5-A16E-4727-B372-FAF2FB5F0EF1}"/>
+              </a:ext>
+            </a:extLst>
+          </p:cNvPr>
+          <p:cNvPicPr>
+            <a:picLocks noChangeAspect="1"/>
+          </p:cNvPicPr>
+          <p:nvPr/>
+        </p:nvPicPr>
+        <p:blipFill>
+          <a:blip r:embed="rId5"/>
+          <a:stretch>
+            <a:fillRect/>
+          </a:stretch>
+        </p:blipFill>
+        <p:spPr>
+          <a:xfrm>
+            <a:off x="5164616" y="1282995"/>
+            <a:ext cx="3320327" cy="2715290"/>
+          </a:xfrm>
+          <a:prstGeom prst="rect">
+            <a:avLst/>
+          </a:prstGeom>
+        </p:spPr>
+      </p:pic>
+      <p:pic>
+        <p:nvPicPr>
+          <p:cNvPr id="1026" name="Picture 2">
+            <a:extLst>
+              <a:ext uri="{FF2B5EF4-FFF2-40B4-BE49-F238E27FC236}">
+                <a16:creationId xmlns:a16="http://schemas.microsoft.com/office/drawing/2014/main" id="{2D64495F-010B-4B60-B3DC-68B4408125E8}"/>
+              </a:ext>
+            </a:extLst>
+          </p:cNvPr>
+          <p:cNvPicPr>
+            <a:picLocks noChangeAspect="1" noChangeArrowheads="1"/>
+          </p:cNvPicPr>
+          <p:nvPr/>
+        </p:nvPicPr>
+        <p:blipFill>
+          <a:blip r:embed="rId6">
+            <a:extLst>
+              <a:ext uri="{28A0092B-C50C-407E-A947-70E740481C1C}">
+                <a14:useLocalDpi xmlns:a14="http://schemas.microsoft.com/office/drawing/2010/main" val="0"/>
+              </a:ext>
+            </a:extLst>
+          </a:blip>
+          <a:srcRect/>
+          <a:stretch>
+            <a:fillRect/>
+          </a:stretch>
+        </p:blipFill>
+        <p:spPr bwMode="auto">
+          <a:xfrm>
+            <a:off x="220518" y="1105271"/>
+            <a:ext cx="4592733" cy="3133576"/>
+          </a:xfrm>
+          <a:prstGeom prst="rect">
+            <a:avLst/>
+          </a:prstGeom>
+          <a:noFill/>
+          <a:extLst>
+            <a:ext uri="{909E8E84-426E-40DD-AFC4-6F175D3DCCD1}">
+              <a14:hiddenFill xmlns:a14="http://schemas.microsoft.com/office/drawing/2010/main">
+                <a:solidFill>
+                  <a:srgbClr val="FFFFFF"/>
+                </a:solidFill>
+              </a14:hiddenFill>
+            </a:ext>
+          </a:extLst>
+        </p:spPr>
+      </p:pic>
+    </p:spTree>
+    <p:extLst>
+      <p:ext uri="{BB962C8B-B14F-4D97-AF65-F5344CB8AC3E}">
+        <p14:creationId xmlns:p14="http://schemas.microsoft.com/office/powerpoint/2010/main" val="4002595550"/>
+      </p:ext>
+    </p:extLst>
+  </p:cSld>
+  <p:clrMapOvr>
+    <a:masterClrMapping/>
+  </p:clrMapOvr>
+</p:sld>
+</file>
+
+<file path=ppt/slides/slide9.xml><?xml version="1.0" encoding="utf-8"?>
+<p:sld xmlns:a="http://schemas.openxmlformats.org/drawingml/2006/main" xmlns:r="http://schemas.openxmlformats.org/officeDocument/2006/relationships" xmlns:p="http://schemas.openxmlformats.org/presentationml/2006/main">
+  <p:cSld>
+    <p:spTree>
+      <p:nvGrpSpPr>
+        <p:cNvPr id="1" name="Shape 166"/>
+        <p:cNvGrpSpPr/>
+        <p:nvPr/>
+      </p:nvGrpSpPr>
+      <p:grpSpPr>
+        <a:xfrm>
+          <a:off x="0" y="0"/>
+          <a:ext cx="0" cy="0"/>
+          <a:chOff x="0" y="0"/>
+          <a:chExt cx="0" cy="0"/>
+        </a:xfrm>
+      </p:grpSpPr>
+      <p:sp>
+        <p:nvSpPr>
+          <p:cNvPr id="171" name="Google Shape;171;p23"/>
+          <p:cNvSpPr txBox="1">
+            <a:spLocks noGrp="1"/>
+          </p:cNvSpPr>
+          <p:nvPr>
+            <p:ph type="sldNum" idx="12"/>
+          </p:nvPr>
+        </p:nvSpPr>
+        <p:spPr>
+          <a:xfrm>
+            <a:off x="8404384" y="4749851"/>
+            <a:ext cx="548700" cy="393600"/>
+          </a:xfrm>
+          <a:prstGeom prst="rect">
+            <a:avLst/>
+          </a:prstGeom>
+        </p:spPr>
+        <p:txBody>
+          <a:bodyPr spcFirstLastPara="1" wrap="square" lIns="91425" tIns="91425" rIns="91425" bIns="91425" anchor="t" anchorCtr="0">
+            <a:noAutofit/>
+          </a:bodyPr>
+          <a:lstStyle/>
+          <a:p>
+            <a:pPr marL="0" lvl="0" indent="0" algn="r" rtl="0">
+              <a:spcBef>
+                <a:spcPts val="0"/>
+              </a:spcBef>
+              <a:spcAft>
+                <a:spcPts val="0"/>
+              </a:spcAft>
+              <a:buNone/>
+            </a:pPr>
+            <a:fld id="{00000000-1234-1234-1234-123412341234}" type="slidenum">
+              <a:rPr lang="en"/>
+              <a:t>9</a:t>
+            </a:fld>
+            <a:endParaRPr dirty="0"/>
+          </a:p>
+        </p:txBody>
+      </p:sp>
+      <p:sp>
+        <p:nvSpPr>
+          <p:cNvPr id="4" name="CaixaDeTexto 3">
+            <a:extLst>
+              <a:ext uri="{FF2B5EF4-FFF2-40B4-BE49-F238E27FC236}">
+                <a16:creationId xmlns:a16="http://schemas.microsoft.com/office/drawing/2014/main" id="{E1724934-7848-4FB8-AEDA-2FD4951BAB27}"/>
+              </a:ext>
+            </a:extLst>
+          </p:cNvPr>
+          <p:cNvSpPr txBox="1"/>
+          <p:nvPr/>
+        </p:nvSpPr>
+        <p:spPr>
+          <a:xfrm>
+            <a:off x="2200307" y="609850"/>
+            <a:ext cx="4743383" cy="738664"/>
+          </a:xfrm>
+          <a:prstGeom prst="rect">
+            <a:avLst/>
+          </a:prstGeom>
+          <a:noFill/>
+        </p:spPr>
+        <p:txBody>
+          <a:bodyPr wrap="square" rtlCol="0">
+            <a:spAutoFit/>
+          </a:bodyPr>
+          <a:lstStyle/>
+          <a:p>
+            <a:pPr algn="just"/>
+            <a:r>
+              <a:rPr lang="pt-BR" dirty="0" err="1"/>
+              <a:t>Smaller</a:t>
+            </a:r>
+            <a:r>
+              <a:rPr lang="pt-BR" dirty="0"/>
+              <a:t> clusters, </a:t>
+            </a:r>
+            <a:r>
+              <a:rPr lang="pt-BR" dirty="0" err="1"/>
+              <a:t>if</a:t>
+            </a:r>
+            <a:r>
+              <a:rPr lang="pt-BR" dirty="0"/>
+              <a:t> </a:t>
+            </a:r>
+            <a:r>
+              <a:rPr lang="pt-BR" dirty="0" err="1"/>
+              <a:t>possible</a:t>
+            </a:r>
+            <a:r>
+              <a:rPr lang="pt-BR" dirty="0"/>
+              <a:t>, </a:t>
+            </a:r>
+            <a:r>
+              <a:rPr lang="pt-BR" dirty="0" err="1"/>
+              <a:t>were</a:t>
+            </a:r>
+            <a:r>
+              <a:rPr lang="pt-BR" dirty="0"/>
+              <a:t> </a:t>
+            </a:r>
+            <a:r>
+              <a:rPr lang="pt-BR" dirty="0" err="1"/>
+              <a:t>assigned</a:t>
+            </a:r>
+            <a:r>
+              <a:rPr lang="pt-BR" dirty="0"/>
+              <a:t> </a:t>
+            </a:r>
+            <a:r>
+              <a:rPr lang="pt-BR" dirty="0" err="1"/>
+              <a:t>to</a:t>
+            </a:r>
+            <a:r>
+              <a:rPr lang="pt-BR" dirty="0"/>
+              <a:t> </a:t>
+            </a:r>
+            <a:r>
+              <a:rPr lang="pt-BR" dirty="0" err="1"/>
+              <a:t>larger</a:t>
+            </a:r>
+            <a:r>
+              <a:rPr lang="pt-BR" dirty="0"/>
+              <a:t> </a:t>
+            </a:r>
+            <a:r>
+              <a:rPr lang="pt-BR" dirty="0" err="1"/>
+              <a:t>ones</a:t>
+            </a:r>
+            <a:r>
+              <a:rPr lang="pt-BR" dirty="0"/>
+              <a:t> </a:t>
+            </a:r>
+            <a:r>
+              <a:rPr lang="pt-BR" dirty="0" err="1"/>
+              <a:t>manually</a:t>
+            </a:r>
+            <a:r>
+              <a:rPr lang="pt-BR" dirty="0"/>
+              <a:t>, as </a:t>
+            </a:r>
+            <a:r>
+              <a:rPr lang="pt-BR" dirty="0" err="1"/>
+              <a:t>there</a:t>
+            </a:r>
+            <a:r>
+              <a:rPr lang="pt-BR" dirty="0"/>
+              <a:t> </a:t>
+            </a:r>
+            <a:r>
+              <a:rPr lang="pt-BR" dirty="0" err="1"/>
+              <a:t>were</a:t>
+            </a:r>
+            <a:r>
+              <a:rPr lang="pt-BR" dirty="0"/>
+              <a:t> some </a:t>
+            </a:r>
+            <a:r>
+              <a:rPr lang="pt-BR" dirty="0" err="1"/>
+              <a:t>similarities</a:t>
+            </a:r>
+            <a:r>
+              <a:rPr lang="pt-BR" dirty="0"/>
+              <a:t> in </a:t>
+            </a:r>
+            <a:r>
+              <a:rPr lang="pt-BR" dirty="0" err="1"/>
+              <a:t>their</a:t>
+            </a:r>
+            <a:r>
+              <a:rPr lang="pt-BR" dirty="0"/>
+              <a:t> </a:t>
+            </a:r>
+            <a:r>
+              <a:rPr lang="pt-BR" dirty="0" err="1"/>
+              <a:t>most</a:t>
+            </a:r>
+            <a:r>
+              <a:rPr lang="pt-BR" dirty="0"/>
+              <a:t> common </a:t>
+            </a:r>
+            <a:r>
+              <a:rPr lang="pt-BR" dirty="0" err="1"/>
+              <a:t>venues</a:t>
+            </a:r>
+            <a:r>
+              <a:rPr lang="pt-BR" dirty="0"/>
+              <a:t> </a:t>
+            </a:r>
+            <a:r>
+              <a:rPr lang="pt-BR" dirty="0" err="1"/>
+              <a:t>that</a:t>
+            </a:r>
+            <a:r>
+              <a:rPr lang="pt-BR" dirty="0"/>
+              <a:t> </a:t>
+            </a:r>
+            <a:r>
+              <a:rPr lang="pt-BR" dirty="0" err="1"/>
+              <a:t>the</a:t>
+            </a:r>
+            <a:r>
+              <a:rPr lang="pt-BR" dirty="0"/>
+              <a:t> </a:t>
+            </a:r>
+            <a:r>
+              <a:rPr lang="pt-BR" dirty="0" err="1"/>
+              <a:t>algorithm</a:t>
+            </a:r>
+            <a:r>
+              <a:rPr lang="pt-BR" dirty="0"/>
+              <a:t> </a:t>
+            </a:r>
+            <a:r>
+              <a:rPr lang="pt-BR" dirty="0" err="1"/>
+              <a:t>did</a:t>
+            </a:r>
+            <a:r>
+              <a:rPr lang="pt-BR" dirty="0"/>
+              <a:t> </a:t>
+            </a:r>
+            <a:r>
+              <a:rPr lang="pt-BR" dirty="0" err="1"/>
+              <a:t>not</a:t>
+            </a:r>
+            <a:r>
+              <a:rPr lang="pt-BR" dirty="0"/>
+              <a:t> </a:t>
+            </a:r>
+            <a:r>
+              <a:rPr lang="pt-BR" dirty="0" err="1"/>
+              <a:t>recognize</a:t>
+            </a:r>
+            <a:r>
+              <a:rPr lang="pt-BR" dirty="0"/>
+              <a:t>. </a:t>
+            </a:r>
+            <a:endParaRPr lang="en-US" dirty="0"/>
+          </a:p>
+        </p:txBody>
+      </p:sp>
+      <p:sp>
+        <p:nvSpPr>
+          <p:cNvPr id="9" name="Google Shape;168;p23">
+            <a:extLst>
+              <a:ext uri="{FF2B5EF4-FFF2-40B4-BE49-F238E27FC236}">
+                <a16:creationId xmlns:a16="http://schemas.microsoft.com/office/drawing/2014/main" id="{935C510F-380B-4568-9CEE-21D47ACEDB9F}"/>
+              </a:ext>
+            </a:extLst>
+          </p:cNvPr>
+          <p:cNvSpPr/>
+          <p:nvPr/>
+        </p:nvSpPr>
+        <p:spPr>
+          <a:xfrm>
+            <a:off x="1832553" y="2029333"/>
+            <a:ext cx="1435816" cy="1449152"/>
+          </a:xfrm>
+          <a:prstGeom prst="ellipse">
+            <a:avLst/>
+          </a:prstGeom>
+          <a:noFill/>
+          <a:ln w="9525" cap="flat" cmpd="sng">
+            <a:solidFill>
+              <a:srgbClr val="92D050"/>
+            </a:solidFill>
+            <a:prstDash val="dash"/>
+            <a:round/>
+            <a:headEnd type="none" w="sm" len="sm"/>
+            <a:tailEnd type="none" w="sm" len="sm"/>
+          </a:ln>
+        </p:spPr>
+        <p:txBody>
+          <a:bodyPr spcFirstLastPara="1" wrap="square" lIns="91425" tIns="91425" rIns="91425" bIns="91425" anchor="ctr" anchorCtr="0">
+            <a:noAutofit/>
+          </a:bodyPr>
+          <a:lstStyle/>
+          <a:p>
+            <a:pPr marL="0" lvl="0" indent="0" algn="ctr" rtl="0">
+              <a:spcBef>
+                <a:spcPts val="0"/>
+              </a:spcBef>
+              <a:spcAft>
+                <a:spcPts val="0"/>
+              </a:spcAft>
+              <a:buNone/>
+            </a:pPr>
+            <a:endParaRPr dirty="0">
+              <a:solidFill>
+                <a:schemeClr val="dk2"/>
+              </a:solidFill>
+              <a:latin typeface="Source Sans Pro"/>
+              <a:ea typeface="Source Sans Pro"/>
+              <a:cs typeface="Source Sans Pro"/>
+              <a:sym typeface="Source Sans Pro"/>
+            </a:endParaRPr>
+          </a:p>
+        </p:txBody>
+      </p:sp>
+      <p:sp>
+        <p:nvSpPr>
+          <p:cNvPr id="10" name="Google Shape;169;p23">
+            <a:extLst>
+              <a:ext uri="{FF2B5EF4-FFF2-40B4-BE49-F238E27FC236}">
+                <a16:creationId xmlns:a16="http://schemas.microsoft.com/office/drawing/2014/main" id="{19B8CBF5-A677-4AD0-B1A9-C1E3DEF75CD1}"/>
+              </a:ext>
+            </a:extLst>
+          </p:cNvPr>
+          <p:cNvSpPr/>
+          <p:nvPr/>
+        </p:nvSpPr>
+        <p:spPr>
+          <a:xfrm>
+            <a:off x="841118" y="1968073"/>
+            <a:ext cx="1435816" cy="1449152"/>
+          </a:xfrm>
+          <a:prstGeom prst="ellipse">
+            <a:avLst/>
+          </a:prstGeom>
+          <a:noFill/>
+          <a:ln w="9525" cap="flat" cmpd="sng">
+            <a:solidFill>
+              <a:srgbClr val="FFC000"/>
+            </a:solidFill>
+            <a:prstDash val="dash"/>
+            <a:round/>
+            <a:headEnd type="none" w="sm" len="sm"/>
+            <a:tailEnd type="none" w="sm" len="sm"/>
+          </a:ln>
+        </p:spPr>
+        <p:txBody>
+          <a:bodyPr spcFirstLastPara="1" wrap="square" lIns="91425" tIns="91425" rIns="91425" bIns="91425" anchor="ctr" anchorCtr="0">
+            <a:noAutofit/>
+          </a:bodyPr>
+          <a:lstStyle/>
+          <a:p>
+            <a:pPr marL="0" lvl="0" indent="0" algn="ctr" rtl="0">
+              <a:spcBef>
+                <a:spcPts val="0"/>
+              </a:spcBef>
+              <a:spcAft>
+                <a:spcPts val="0"/>
+              </a:spcAft>
+              <a:buNone/>
+            </a:pPr>
+            <a:endParaRPr dirty="0">
+              <a:solidFill>
+                <a:schemeClr val="dk2"/>
+              </a:solidFill>
+              <a:latin typeface="Source Sans Pro"/>
+              <a:ea typeface="Source Sans Pro"/>
+              <a:cs typeface="Source Sans Pro"/>
+              <a:sym typeface="Source Sans Pro"/>
+            </a:endParaRPr>
+          </a:p>
+        </p:txBody>
+      </p:sp>
+      <p:sp>
+        <p:nvSpPr>
+          <p:cNvPr id="3" name="CaixaDeTexto 2">
+            <a:extLst>
+              <a:ext uri="{FF2B5EF4-FFF2-40B4-BE49-F238E27FC236}">
+                <a16:creationId xmlns:a16="http://schemas.microsoft.com/office/drawing/2014/main" id="{52550EED-72BA-43DF-8034-96241DE969BE}"/>
+              </a:ext>
+            </a:extLst>
+          </p:cNvPr>
+          <p:cNvSpPr txBox="1"/>
+          <p:nvPr/>
+        </p:nvSpPr>
+        <p:spPr>
+          <a:xfrm>
+            <a:off x="3657600" y="2124807"/>
+            <a:ext cx="1435816" cy="969496"/>
+          </a:xfrm>
+          <a:prstGeom prst="rect">
+            <a:avLst/>
+          </a:prstGeom>
+        </p:spPr>
+        <p:style>
+          <a:lnRef idx="2">
+            <a:schemeClr val="accent6"/>
+          </a:lnRef>
+          <a:fillRef idx="1">
+            <a:schemeClr val="lt1"/>
+          </a:fillRef>
+          <a:effectRef idx="0">
+            <a:schemeClr val="accent6"/>
+          </a:effectRef>
+          <a:fontRef idx="minor">
+            <a:schemeClr val="dk1"/>
+          </a:fontRef>
+        </p:style>
+        <p:txBody>
+          <a:bodyPr wrap="square" rtlCol="0">
+            <a:spAutoFit/>
+          </a:bodyPr>
+          <a:lstStyle/>
+          <a:p>
+            <a:pPr marL="171450" indent="-171450">
+              <a:buFont typeface="Arial" panose="020B0604020202020204" pitchFamily="34" charset="0"/>
+              <a:buChar char="•"/>
+            </a:pPr>
+            <a:r>
+              <a:rPr lang="pt-BR" sz="1050" dirty="0" err="1"/>
+              <a:t>Trails</a:t>
+            </a:r>
+            <a:endParaRPr lang="pt-BR" sz="1050" dirty="0"/>
+          </a:p>
+          <a:p>
+            <a:pPr marL="171450" indent="-171450">
+              <a:buFont typeface="Arial" panose="020B0604020202020204" pitchFamily="34" charset="0"/>
+              <a:buChar char="•"/>
+            </a:pPr>
+            <a:endParaRPr lang="pt-BR" sz="500" dirty="0"/>
+          </a:p>
+          <a:p>
+            <a:pPr marL="171450" indent="-171450">
+              <a:buFont typeface="Arial" panose="020B0604020202020204" pitchFamily="34" charset="0"/>
+              <a:buChar char="•"/>
+            </a:pPr>
+            <a:r>
+              <a:rPr lang="pt-BR" sz="1050" dirty="0"/>
+              <a:t>Parks</a:t>
+            </a:r>
+          </a:p>
+          <a:p>
+            <a:pPr marL="171450" indent="-171450">
+              <a:buFont typeface="Arial" panose="020B0604020202020204" pitchFamily="34" charset="0"/>
+              <a:buChar char="•"/>
+            </a:pPr>
+            <a:endParaRPr lang="pt-BR" sz="500" dirty="0"/>
+          </a:p>
+          <a:p>
+            <a:pPr marL="171450" indent="-171450">
+              <a:buFont typeface="Arial" panose="020B0604020202020204" pitchFamily="34" charset="0"/>
+              <a:buChar char="•"/>
+            </a:pPr>
+            <a:r>
+              <a:rPr lang="pt-BR" sz="1050" dirty="0"/>
+              <a:t>Food </a:t>
+            </a:r>
+            <a:r>
+              <a:rPr lang="pt-BR" sz="1050" dirty="0" err="1"/>
+              <a:t>Venues</a:t>
+            </a:r>
+            <a:endParaRPr lang="pt-BR" sz="1050" dirty="0"/>
+          </a:p>
+          <a:p>
+            <a:pPr marL="171450" indent="-171450">
+              <a:buFont typeface="Arial" panose="020B0604020202020204" pitchFamily="34" charset="0"/>
+              <a:buChar char="•"/>
+            </a:pPr>
+            <a:endParaRPr lang="pt-BR" sz="500" dirty="0"/>
+          </a:p>
+          <a:p>
+            <a:pPr marL="171450" indent="-171450">
+              <a:buFont typeface="Arial" panose="020B0604020202020204" pitchFamily="34" charset="0"/>
+              <a:buChar char="•"/>
+            </a:pPr>
+            <a:r>
+              <a:rPr lang="pt-BR" sz="1050" dirty="0"/>
+              <a:t>Yoga </a:t>
+            </a:r>
+            <a:r>
+              <a:rPr lang="pt-BR" sz="1050" dirty="0" err="1"/>
+              <a:t>Studios</a:t>
+            </a:r>
+            <a:endParaRPr lang="en-US" sz="1050" dirty="0"/>
+          </a:p>
+        </p:txBody>
+      </p:sp>
+      <p:sp>
+        <p:nvSpPr>
+          <p:cNvPr id="11" name="Seta: para a Direita 10">
+            <a:extLst>
+              <a:ext uri="{FF2B5EF4-FFF2-40B4-BE49-F238E27FC236}">
+                <a16:creationId xmlns:a16="http://schemas.microsoft.com/office/drawing/2014/main" id="{B86C3E4A-A7AC-4943-B57A-7BF208D6D5BE}"/>
+              </a:ext>
+            </a:extLst>
+          </p:cNvPr>
+          <p:cNvSpPr/>
+          <p:nvPr/>
+        </p:nvSpPr>
+        <p:spPr>
+          <a:xfrm>
+            <a:off x="5368504" y="2736112"/>
+            <a:ext cx="645041" cy="460744"/>
+          </a:xfrm>
+          <a:prstGeom prst="rightArrow">
+            <a:avLst/>
+          </a:prstGeom>
+        </p:spPr>
+        <p:style>
+          <a:lnRef idx="2">
+            <a:schemeClr val="accent1">
+              <a:shade val="50000"/>
+            </a:schemeClr>
+          </a:lnRef>
+          <a:fillRef idx="1">
+            <a:schemeClr val="accent1"/>
+          </a:fillRef>
+          <a:effectRef idx="0">
+            <a:schemeClr val="accent1"/>
+          </a:effectRef>
+          <a:fontRef idx="minor">
+            <a:schemeClr val="lt1"/>
+          </a:fontRef>
+        </p:style>
+        <p:txBody>
+          <a:bodyPr rtlCol="0" anchor="ctr"/>
+          <a:lstStyle/>
+          <a:p>
+            <a:pPr algn="ctr"/>
+            <a:endParaRPr lang="en-US"/>
+          </a:p>
+        </p:txBody>
+      </p:sp>
+      <p:sp>
+        <p:nvSpPr>
+          <p:cNvPr id="16" name="Google Shape;168;p23">
+            <a:extLst>
+              <a:ext uri="{FF2B5EF4-FFF2-40B4-BE49-F238E27FC236}">
+                <a16:creationId xmlns:a16="http://schemas.microsoft.com/office/drawing/2014/main" id="{74DB2DC6-72A4-4899-8796-C4F9DB3B9B15}"/>
+              </a:ext>
+            </a:extLst>
+          </p:cNvPr>
+          <p:cNvSpPr/>
+          <p:nvPr/>
+        </p:nvSpPr>
+        <p:spPr>
+          <a:xfrm>
+            <a:off x="6288634" y="1852800"/>
+            <a:ext cx="2390100" cy="2412300"/>
+          </a:xfrm>
+          <a:prstGeom prst="ellipse">
+            <a:avLst/>
+          </a:prstGeom>
+          <a:noFill/>
+          <a:ln w="9525" cap="flat" cmpd="sng">
+            <a:solidFill>
+              <a:schemeClr val="accent1"/>
+            </a:solidFill>
+            <a:prstDash val="dash"/>
+            <a:round/>
+            <a:headEnd type="none" w="sm" len="sm"/>
+            <a:tailEnd type="none" w="sm" len="sm"/>
+          </a:ln>
+        </p:spPr>
+        <p:txBody>
+          <a:bodyPr spcFirstLastPara="1" wrap="square" lIns="91425" tIns="91425" rIns="91425" bIns="91425" anchor="ctr" anchorCtr="0">
+            <a:noAutofit/>
+          </a:bodyPr>
+          <a:lstStyle/>
+          <a:p>
+            <a:pPr marL="0" lvl="0" indent="0" algn="ctr" rtl="0">
+              <a:spcBef>
+                <a:spcPts val="0"/>
+              </a:spcBef>
+              <a:spcAft>
+                <a:spcPts val="0"/>
+              </a:spcAft>
+              <a:buNone/>
+            </a:pPr>
+            <a:endParaRPr dirty="0">
+              <a:solidFill>
+                <a:schemeClr val="dk2"/>
+              </a:solidFill>
+              <a:latin typeface="Source Sans Pro"/>
+              <a:ea typeface="Source Sans Pro"/>
+              <a:cs typeface="Source Sans Pro"/>
+              <a:sym typeface="Source Sans Pro"/>
+            </a:endParaRPr>
+          </a:p>
+        </p:txBody>
+      </p:sp>
+      <p:sp>
+        <p:nvSpPr>
+          <p:cNvPr id="15" name="CaixaDeTexto 14">
+            <a:extLst>
+              <a:ext uri="{FF2B5EF4-FFF2-40B4-BE49-F238E27FC236}">
+                <a16:creationId xmlns:a16="http://schemas.microsoft.com/office/drawing/2014/main" id="{A8168D0D-73A2-48DC-BAB3-B8BF3C2F5CF8}"/>
+              </a:ext>
+            </a:extLst>
+          </p:cNvPr>
+          <p:cNvSpPr txBox="1"/>
+          <p:nvPr/>
+        </p:nvSpPr>
+        <p:spPr>
+          <a:xfrm>
+            <a:off x="1034903" y="1566288"/>
+            <a:ext cx="914400" cy="307777"/>
+          </a:xfrm>
+          <a:prstGeom prst="rect">
+            <a:avLst/>
+          </a:prstGeom>
+          <a:noFill/>
+        </p:spPr>
+        <p:txBody>
+          <a:bodyPr wrap="square" rtlCol="0">
+            <a:spAutoFit/>
+          </a:bodyPr>
+          <a:lstStyle/>
+          <a:p>
+            <a:r>
+              <a:rPr lang="pt-BR" dirty="0"/>
+              <a:t>Cluster 2</a:t>
+            </a:r>
+            <a:endParaRPr lang="en-US" dirty="0"/>
+          </a:p>
+        </p:txBody>
+      </p:sp>
+      <p:sp>
+        <p:nvSpPr>
+          <p:cNvPr id="17" name="CaixaDeTexto 16">
+            <a:extLst>
+              <a:ext uri="{FF2B5EF4-FFF2-40B4-BE49-F238E27FC236}">
+                <a16:creationId xmlns:a16="http://schemas.microsoft.com/office/drawing/2014/main" id="{258A2479-A00A-4759-B57A-E32FEABBD87D}"/>
+              </a:ext>
+            </a:extLst>
+          </p:cNvPr>
+          <p:cNvSpPr txBox="1"/>
+          <p:nvPr/>
+        </p:nvSpPr>
+        <p:spPr>
+          <a:xfrm>
+            <a:off x="2106079" y="1566288"/>
+            <a:ext cx="985284" cy="307777"/>
+          </a:xfrm>
+          <a:prstGeom prst="rect">
+            <a:avLst/>
+          </a:prstGeom>
+          <a:noFill/>
+        </p:spPr>
+        <p:txBody>
+          <a:bodyPr wrap="square" rtlCol="0">
+            <a:spAutoFit/>
+          </a:bodyPr>
+          <a:lstStyle/>
+          <a:p>
+            <a:r>
+              <a:rPr lang="pt-BR" dirty="0"/>
+              <a:t>Cluster 3</a:t>
+            </a:r>
+            <a:endParaRPr lang="en-US" dirty="0"/>
+          </a:p>
+        </p:txBody>
+      </p:sp>
+      <p:sp>
+        <p:nvSpPr>
+          <p:cNvPr id="19" name="Google Shape;168;p23">
+            <a:extLst>
+              <a:ext uri="{FF2B5EF4-FFF2-40B4-BE49-F238E27FC236}">
+                <a16:creationId xmlns:a16="http://schemas.microsoft.com/office/drawing/2014/main" id="{1CE4C5E0-A188-4388-BF85-6898976BF605}"/>
+              </a:ext>
+            </a:extLst>
+          </p:cNvPr>
+          <p:cNvSpPr/>
+          <p:nvPr/>
+        </p:nvSpPr>
+        <p:spPr>
+          <a:xfrm>
+            <a:off x="1388171" y="2692649"/>
+            <a:ext cx="1435816" cy="1449152"/>
+          </a:xfrm>
+          <a:prstGeom prst="ellipse">
+            <a:avLst/>
+          </a:prstGeom>
+          <a:noFill/>
+          <a:ln w="9525" cap="flat" cmpd="sng">
+            <a:solidFill>
+              <a:srgbClr val="FF0000"/>
+            </a:solidFill>
+            <a:prstDash val="dash"/>
+            <a:round/>
+            <a:headEnd type="none" w="sm" len="sm"/>
+            <a:tailEnd type="none" w="sm" len="sm"/>
+          </a:ln>
+        </p:spPr>
+        <p:txBody>
+          <a:bodyPr spcFirstLastPara="1" wrap="square" lIns="91425" tIns="91425" rIns="91425" bIns="91425" anchor="ctr" anchorCtr="0">
+            <a:noAutofit/>
+          </a:bodyPr>
+          <a:lstStyle/>
+          <a:p>
+            <a:pPr marL="0" lvl="0" indent="0" algn="ctr" rtl="0">
+              <a:spcBef>
+                <a:spcPts val="0"/>
+              </a:spcBef>
+              <a:spcAft>
+                <a:spcPts val="0"/>
+              </a:spcAft>
+              <a:buNone/>
+            </a:pPr>
+            <a:endParaRPr dirty="0">
+              <a:solidFill>
+                <a:schemeClr val="dk2"/>
+              </a:solidFill>
+              <a:latin typeface="Source Sans Pro"/>
+              <a:ea typeface="Source Sans Pro"/>
+              <a:cs typeface="Source Sans Pro"/>
+              <a:sym typeface="Source Sans Pro"/>
+            </a:endParaRPr>
+          </a:p>
+        </p:txBody>
+      </p:sp>
+      <p:sp>
+        <p:nvSpPr>
+          <p:cNvPr id="20" name="CaixaDeTexto 19">
+            <a:extLst>
+              <a:ext uri="{FF2B5EF4-FFF2-40B4-BE49-F238E27FC236}">
+                <a16:creationId xmlns:a16="http://schemas.microsoft.com/office/drawing/2014/main" id="{0D719AFE-8760-4E6F-9871-1D6BA50C665C}"/>
+              </a:ext>
+            </a:extLst>
+          </p:cNvPr>
+          <p:cNvSpPr txBox="1"/>
+          <p:nvPr/>
+        </p:nvSpPr>
+        <p:spPr>
+          <a:xfrm>
+            <a:off x="1559026" y="4265100"/>
+            <a:ext cx="985284" cy="307777"/>
+          </a:xfrm>
+          <a:prstGeom prst="rect">
+            <a:avLst/>
+          </a:prstGeom>
+          <a:noFill/>
+        </p:spPr>
+        <p:txBody>
+          <a:bodyPr wrap="square" rtlCol="0">
+            <a:spAutoFit/>
+          </a:bodyPr>
+          <a:lstStyle/>
+          <a:p>
+            <a:r>
+              <a:rPr lang="pt-BR" dirty="0"/>
+              <a:t>Cluster 4</a:t>
+            </a:r>
+            <a:endParaRPr lang="en-US" dirty="0"/>
+          </a:p>
+        </p:txBody>
+      </p:sp>
+      <p:cxnSp>
+        <p:nvCxnSpPr>
+          <p:cNvPr id="21" name="Conector de Seta Reta 20">
+            <a:extLst>
+              <a:ext uri="{FF2B5EF4-FFF2-40B4-BE49-F238E27FC236}">
+                <a16:creationId xmlns:a16="http://schemas.microsoft.com/office/drawing/2014/main" id="{653A09C2-D775-41D3-A88C-12D312EDC114}"/>
+              </a:ext>
+            </a:extLst>
+          </p:cNvPr>
+          <p:cNvCxnSpPr>
+            <a:cxnSpLocks/>
+          </p:cNvCxnSpPr>
+          <p:nvPr/>
+        </p:nvCxnSpPr>
+        <p:spPr>
+          <a:xfrm flipV="1">
+            <a:off x="2106079" y="2609555"/>
+            <a:ext cx="1400944" cy="356929"/>
+          </a:xfrm>
+          <a:prstGeom prst="straightConnector1">
+            <a:avLst/>
+          </a:prstGeom>
+          <a:ln>
+            <a:tailEnd type="triangle"/>
+          </a:ln>
+        </p:spPr>
+        <p:style>
+          <a:lnRef idx="1">
+            <a:schemeClr val="accent1"/>
+          </a:lnRef>
+          <a:fillRef idx="0">
+            <a:schemeClr val="accent1"/>
+          </a:fillRef>
+          <a:effectRef idx="0">
+            <a:schemeClr val="accent1"/>
+          </a:effectRef>
+          <a:fontRef idx="minor">
+            <a:schemeClr val="tx1"/>
+          </a:fontRef>
+        </p:style>
+      </p:cxnSp>
+      <p:sp>
+        <p:nvSpPr>
+          <p:cNvPr id="24" name="CaixaDeTexto 23">
+            <a:extLst>
+              <a:ext uri="{FF2B5EF4-FFF2-40B4-BE49-F238E27FC236}">
+                <a16:creationId xmlns:a16="http://schemas.microsoft.com/office/drawing/2014/main" id="{9320FF11-5C3F-4AC7-B511-D57E98934C04}"/>
+              </a:ext>
+            </a:extLst>
+          </p:cNvPr>
+          <p:cNvSpPr txBox="1"/>
+          <p:nvPr/>
+        </p:nvSpPr>
+        <p:spPr>
+          <a:xfrm>
+            <a:off x="6803653" y="1491183"/>
+            <a:ext cx="1360061" cy="307777"/>
+          </a:xfrm>
+          <a:prstGeom prst="rect">
+            <a:avLst/>
+          </a:prstGeom>
+          <a:noFill/>
+        </p:spPr>
+        <p:txBody>
+          <a:bodyPr wrap="square" rtlCol="0">
+            <a:spAutoFit/>
+          </a:bodyPr>
+          <a:lstStyle/>
+          <a:p>
+            <a:r>
+              <a:rPr lang="pt-BR" dirty="0"/>
+              <a:t>Final Cluster 2</a:t>
+            </a:r>
+            <a:endParaRPr lang="en-US" dirty="0"/>
+          </a:p>
+        </p:txBody>
+      </p:sp>
+      <p:sp>
+        <p:nvSpPr>
+          <p:cNvPr id="25" name="Google Shape;168;p23">
+            <a:extLst>
+              <a:ext uri="{FF2B5EF4-FFF2-40B4-BE49-F238E27FC236}">
+                <a16:creationId xmlns:a16="http://schemas.microsoft.com/office/drawing/2014/main" id="{509DE064-5A7E-4CD7-9B5A-2B8D89B937DE}"/>
+              </a:ext>
+            </a:extLst>
+          </p:cNvPr>
+          <p:cNvSpPr/>
+          <p:nvPr/>
+        </p:nvSpPr>
+        <p:spPr>
+          <a:xfrm>
+            <a:off x="7495538" y="2203207"/>
+            <a:ext cx="835864" cy="843628"/>
+          </a:xfrm>
+          <a:prstGeom prst="ellipse">
+            <a:avLst/>
+          </a:prstGeom>
+          <a:noFill/>
+          <a:ln w="9525" cap="flat" cmpd="sng">
+            <a:solidFill>
+              <a:srgbClr val="92D050"/>
+            </a:solidFill>
+            <a:prstDash val="dash"/>
+            <a:round/>
+            <a:headEnd type="none" w="sm" len="sm"/>
+            <a:tailEnd type="none" w="sm" len="sm"/>
+          </a:ln>
+        </p:spPr>
+        <p:txBody>
+          <a:bodyPr spcFirstLastPara="1" wrap="square" lIns="91425" tIns="91425" rIns="91425" bIns="91425" anchor="ctr" anchorCtr="0">
+            <a:noAutofit/>
+          </a:bodyPr>
+          <a:lstStyle/>
+          <a:p>
+            <a:pPr marL="0" lvl="0" indent="0" algn="ctr" rtl="0">
+              <a:spcBef>
+                <a:spcPts val="0"/>
+              </a:spcBef>
+              <a:spcAft>
+                <a:spcPts val="0"/>
+              </a:spcAft>
+              <a:buNone/>
+            </a:pPr>
+            <a:endParaRPr dirty="0">
+              <a:solidFill>
+                <a:schemeClr val="dk2"/>
+              </a:solidFill>
+              <a:latin typeface="Source Sans Pro"/>
+              <a:ea typeface="Source Sans Pro"/>
+              <a:cs typeface="Source Sans Pro"/>
+              <a:sym typeface="Source Sans Pro"/>
+            </a:endParaRPr>
+          </a:p>
+        </p:txBody>
+      </p:sp>
+      <p:sp>
+        <p:nvSpPr>
+          <p:cNvPr id="26" name="Google Shape;169;p23">
+            <a:extLst>
+              <a:ext uri="{FF2B5EF4-FFF2-40B4-BE49-F238E27FC236}">
+                <a16:creationId xmlns:a16="http://schemas.microsoft.com/office/drawing/2014/main" id="{62FFD12C-9B1E-4158-AA69-C4F3FA4076A1}"/>
+              </a:ext>
+            </a:extLst>
+          </p:cNvPr>
+          <p:cNvSpPr/>
+          <p:nvPr/>
+        </p:nvSpPr>
+        <p:spPr>
+          <a:xfrm>
+            <a:off x="6502350" y="2571750"/>
+            <a:ext cx="835864" cy="843628"/>
+          </a:xfrm>
+          <a:prstGeom prst="ellipse">
+            <a:avLst/>
+          </a:prstGeom>
+          <a:noFill/>
+          <a:ln w="9525" cap="flat" cmpd="sng">
+            <a:solidFill>
+              <a:srgbClr val="FFC000"/>
+            </a:solidFill>
+            <a:prstDash val="dash"/>
+            <a:round/>
+            <a:headEnd type="none" w="sm" len="sm"/>
+            <a:tailEnd type="none" w="sm" len="sm"/>
+          </a:ln>
+        </p:spPr>
+        <p:txBody>
+          <a:bodyPr spcFirstLastPara="1" wrap="square" lIns="91425" tIns="91425" rIns="91425" bIns="91425" anchor="ctr" anchorCtr="0">
+            <a:noAutofit/>
+          </a:bodyPr>
+          <a:lstStyle/>
+          <a:p>
+            <a:pPr marL="0" lvl="0" indent="0" algn="ctr" rtl="0">
+              <a:spcBef>
+                <a:spcPts val="0"/>
+              </a:spcBef>
+              <a:spcAft>
+                <a:spcPts val="0"/>
+              </a:spcAft>
+              <a:buNone/>
+            </a:pPr>
+            <a:endParaRPr dirty="0">
+              <a:solidFill>
+                <a:schemeClr val="dk2"/>
+              </a:solidFill>
+              <a:latin typeface="Source Sans Pro"/>
+              <a:ea typeface="Source Sans Pro"/>
+              <a:cs typeface="Source Sans Pro"/>
+              <a:sym typeface="Source Sans Pro"/>
+            </a:endParaRPr>
+          </a:p>
+        </p:txBody>
+      </p:sp>
+      <p:sp>
+        <p:nvSpPr>
+          <p:cNvPr id="27" name="Google Shape;168;p23">
+            <a:extLst>
+              <a:ext uri="{FF2B5EF4-FFF2-40B4-BE49-F238E27FC236}">
+                <a16:creationId xmlns:a16="http://schemas.microsoft.com/office/drawing/2014/main" id="{083A220B-2035-42C8-B4D6-0BA9C31C8EF5}"/>
+              </a:ext>
+            </a:extLst>
+          </p:cNvPr>
+          <p:cNvSpPr/>
+          <p:nvPr/>
+        </p:nvSpPr>
+        <p:spPr>
+          <a:xfrm>
+            <a:off x="7280069" y="3235940"/>
+            <a:ext cx="835864" cy="843628"/>
+          </a:xfrm>
+          <a:prstGeom prst="ellipse">
+            <a:avLst/>
+          </a:prstGeom>
+          <a:noFill/>
+          <a:ln w="9525" cap="flat" cmpd="sng">
+            <a:solidFill>
+              <a:srgbClr val="FF0000"/>
+            </a:solidFill>
+            <a:prstDash val="dash"/>
+            <a:round/>
+            <a:headEnd type="none" w="sm" len="sm"/>
+            <a:tailEnd type="none" w="sm" len="sm"/>
+          </a:ln>
+        </p:spPr>
+        <p:txBody>
+          <a:bodyPr spcFirstLastPara="1" wrap="square" lIns="91425" tIns="91425" rIns="91425" bIns="91425" anchor="ctr" anchorCtr="0">
+            <a:noAutofit/>
+          </a:bodyPr>
+          <a:lstStyle/>
+          <a:p>
+            <a:pPr marL="0" lvl="0" indent="0" algn="ctr" rtl="0">
+              <a:spcBef>
+                <a:spcPts val="0"/>
+              </a:spcBef>
+              <a:spcAft>
+                <a:spcPts val="0"/>
+              </a:spcAft>
+              <a:buNone/>
+            </a:pPr>
+            <a:endParaRPr dirty="0">
+              <a:solidFill>
+                <a:schemeClr val="dk2"/>
+              </a:solidFill>
+              <a:latin typeface="Source Sans Pro"/>
+              <a:ea typeface="Source Sans Pro"/>
+              <a:cs typeface="Source Sans Pro"/>
+              <a:sym typeface="Source Sans Pro"/>
+            </a:endParaRPr>
+          </a:p>
+        </p:txBody>
+      </p:sp>
+      <p:pic>
+        <p:nvPicPr>
+          <p:cNvPr id="1028" name="Picture 4" descr="Number, three, in, a, circle Free Icon of Metrize Icons">
+            <a:extLst>
+              <a:ext uri="{FF2B5EF4-FFF2-40B4-BE49-F238E27FC236}">
+                <a16:creationId xmlns:a16="http://schemas.microsoft.com/office/drawing/2014/main" id="{EECC20CB-9826-4375-92E0-05E3475B93E2}"/>
+              </a:ext>
+            </a:extLst>
+          </p:cNvPr>
+          <p:cNvPicPr>
+            <a:picLocks noChangeAspect="1" noChangeArrowheads="1"/>
+          </p:cNvPicPr>
+          <p:nvPr/>
+        </p:nvPicPr>
+        <p:blipFill>
+          <a:blip r:embed="rId3">
+            <a:extLst>
+              <a:ext uri="{28A0092B-C50C-407E-A947-70E740481C1C}">
+                <a14:useLocalDpi xmlns:a14="http://schemas.microsoft.com/office/drawing/2010/main" val="0"/>
+              </a:ext>
+            </a:extLst>
+          </a:blip>
+          <a:srcRect/>
+          <a:stretch>
+            <a:fillRect/>
+          </a:stretch>
+        </p:blipFill>
+        <p:spPr bwMode="auto">
+          <a:xfrm>
+            <a:off x="4358739" y="64569"/>
+            <a:ext cx="426521" cy="426521"/>
+          </a:xfrm>
+          <a:prstGeom prst="rect">
+            <a:avLst/>
+          </a:prstGeom>
+          <a:noFill/>
+          <a:extLst>
+            <a:ext uri="{909E8E84-426E-40DD-AFC4-6F175D3DCCD1}">
+              <a14:hiddenFill xmlns:a14="http://schemas.microsoft.com/office/drawing/2010/main">
+                <a:solidFill>
+                  <a:srgbClr val="FFFFFF"/>
+                </a:solidFill>
+              </a14:hiddenFill>
+            </a:ext>
+          </a:extLst>
+        </p:spPr>
+      </p:pic>
+    </p:spTree>
+    <p:extLst>
+      <p:ext uri="{BB962C8B-B14F-4D97-AF65-F5344CB8AC3E}">
+        <p14:creationId xmlns:p14="http://schemas.microsoft.com/office/powerpoint/2010/main" val="2612848140"/>
       </p:ext>
     </p:extLst>
   </p:cSld>
